--- a/Unity/Lesson9/Animation.pptx
+++ b/Unity/Lesson9/Animation.pptx
@@ -5,10 +5,10 @@
     <p:sldMasterId id="2147483673" r:id="rId1"/>
   </p:sldMasterIdLst>
   <p:notesMasterIdLst>
-    <p:notesMasterId r:id="rId8"/>
+    <p:notesMasterId r:id="rId13"/>
   </p:notesMasterIdLst>
   <p:handoutMasterIdLst>
-    <p:handoutMasterId r:id="rId9"/>
+    <p:handoutMasterId r:id="rId14"/>
   </p:handoutMasterIdLst>
   <p:sldIdLst>
     <p:sldId id="257" r:id="rId2"/>
@@ -16,7 +16,12 @@
     <p:sldId id="263" r:id="rId4"/>
     <p:sldId id="261" r:id="rId5"/>
     <p:sldId id="264" r:id="rId6"/>
-    <p:sldId id="265" r:id="rId7"/>
+    <p:sldId id="267" r:id="rId7"/>
+    <p:sldId id="269" r:id="rId8"/>
+    <p:sldId id="268" r:id="rId9"/>
+    <p:sldId id="270" r:id="rId10"/>
+    <p:sldId id="265" r:id="rId11"/>
+    <p:sldId id="266" r:id="rId12"/>
   </p:sldIdLst>
   <p:sldSz cx="12192000" cy="6858000"/>
   <p:notesSz cx="6858000" cy="9144000"/>
@@ -128,7 +133,7 @@
 
 <file path=ppt/commentAuthors.xml><?xml version="1.0" encoding="utf-8"?>
 <p:cmAuthorLst xmlns:a="http://schemas.openxmlformats.org/drawingml/2006/main" xmlns:r="http://schemas.openxmlformats.org/officeDocument/2006/relationships" xmlns:p="http://schemas.openxmlformats.org/presentationml/2006/main">
-  <p:cmAuthor id="1" name="mobile3" initials="m" lastIdx="1" clrIdx="0">
+  <p:cmAuthor id="1" name="mobile3" initials="m" lastIdx="3" clrIdx="0">
     <p:extLst>
       <p:ext uri="{19B8F6BF-5375-455C-9EA6-DF929625EA0E}">
         <p15:presenceInfo xmlns:p15="http://schemas.microsoft.com/office/powerpoint/2012/main" userId="S-1-5-21-3851927144-3735565206-2294680432-1189" providerId="AD"/>
@@ -136,6 +141,48 @@
     </p:extLst>
   </p:cmAuthor>
 </p:cmAuthorLst>
+</file>
+
+<file path=ppt/comments/comment1.xml><?xml version="1.0" encoding="utf-8"?>
+<p:cmLst xmlns:a="http://schemas.openxmlformats.org/drawingml/2006/main" xmlns:r="http://schemas.openxmlformats.org/officeDocument/2006/relationships" xmlns:p="http://schemas.openxmlformats.org/presentationml/2006/main">
+  <p:cm authorId="1" dt="2020-10-30T09:08:48.152" idx="2">
+    <p:pos x="10" y="10"/>
+    <p:text>Закидываем монетку на сцену, идем Window-Animation, там кнопка Create, создаем файл с новой анимацией,далее addProperty и для кадлого кадра настраивем scale. Внимательно, последний кадр обычно далеко вправо, его нужно подтянуть на действительно последний за верхний ромбик</p:text>
+    <p:extLst>
+      <p:ext uri="{C676402C-5697-4E1C-873F-D02D1690AC5C}">
+        <p15:threadingInfo xmlns:p15="http://schemas.microsoft.com/office/powerpoint/2012/main" timeZoneBias="-300"/>
+      </p:ext>
+    </p:extLst>
+  </p:cm>
+</p:cmLst>
+</file>
+
+<file path=ppt/comments/comment2.xml><?xml version="1.0" encoding="utf-8"?>
+<p:cmLst xmlns:a="http://schemas.openxmlformats.org/drawingml/2006/main" xmlns:r="http://schemas.openxmlformats.org/officeDocument/2006/relationships" xmlns:p="http://schemas.openxmlformats.org/presentationml/2006/main">
+  <p:cm authorId="1" dt="2020-10-30T09:42:47.234" idx="3">
+    <p:pos x="10" y="10"/>
+    <p:text>для такой анимации персонажа, нужно еще менять Transform.y, для примера scale на 0.1, а transform на 0.05</p:text>
+    <p:extLst>
+      <p:ext uri="{C676402C-5697-4E1C-873F-D02D1690AC5C}">
+        <p15:threadingInfo xmlns:p15="http://schemas.microsoft.com/office/powerpoint/2012/main" timeZoneBias="-300"/>
+      </p:ext>
+    </p:extLst>
+  </p:cm>
+</p:cmLst>
+</file>
+
+<file path=ppt/comments/comment3.xml><?xml version="1.0" encoding="utf-8"?>
+<p:cmLst xmlns:a="http://schemas.openxmlformats.org/drawingml/2006/main" xmlns:r="http://schemas.openxmlformats.org/officeDocument/2006/relationships" xmlns:p="http://schemas.openxmlformats.org/presentationml/2006/main">
+  <p:cm authorId="1" dt="2020-10-30T09:08:48.152" idx="2">
+    <p:pos x="10" y="10"/>
+    <p:text>Закидываем монетку на сцену, идем Window-Animation, там кнопка Create, создаем файл с новой анимацией,далее addProperty и для кадлого кадра настраивем scale. Внимательно, последний кадр обычно далеко вправо, его нужно подтянуть на действительно последний за верхний ромбик</p:text>
+    <p:extLst>
+      <p:ext uri="{C676402C-5697-4E1C-873F-D02D1690AC5C}">
+        <p15:threadingInfo xmlns:p15="http://schemas.microsoft.com/office/powerpoint/2012/main" timeZoneBias="-300"/>
+      </p:ext>
+    </p:extLst>
+  </p:cm>
+</p:cmLst>
 </file>
 
 <file path=ppt/handoutMasters/handoutMaster1.xml><?xml version="1.0" encoding="utf-8"?>
@@ -222,7 +269,7 @@
             <a:pPr rtl="0"/>
             <a:fld id="{6B5C320A-F5C8-4FD6-86FF-35D2EBF085B6}" type="datetime1">
               <a:rPr lang="ru-RU" smtClean="0"/>
-              <a:t>29.10.2020</a:t>
+              <a:t>30.10.2020</a:t>
             </a:fld>
             <a:endParaRPr lang="en-US" dirty="0"/>
           </a:p>
@@ -392,7 +439,7 @@
             <a:pPr rtl="0"/>
             <a:fld id="{15C702C7-E599-40D9-B30E-0392896973B5}" type="datetime1">
               <a:rPr lang="ru-RU" smtClean="0"/>
-              <a:t>29.10.2020</a:t>
+              <a:t>30.10.2020</a:t>
             </a:fld>
             <a:endParaRPr lang="en-US"/>
           </a:p>
@@ -1137,7 +1184,7 @@
             <a:pPr rtl="0"/>
             <a:fld id="{6506E9A3-1561-45B7-908B-DACC52528ABB}" type="datetime1">
               <a:rPr lang="ru-RU" smtClean="0"/>
-              <a:t>29.10.2020</a:t>
+              <a:t>30.10.2020</a:t>
             </a:fld>
             <a:endParaRPr lang="en-US" dirty="0"/>
           </a:p>
@@ -1343,7 +1390,7 @@
             <a:pPr rtl="0"/>
             <a:fld id="{3E92B999-6CB2-48D4-8AF6-3D1A5D13436B}" type="datetime1">
               <a:rPr lang="ru-RU" smtClean="0"/>
-              <a:t>29.10.2020</a:t>
+              <a:t>30.10.2020</a:t>
             </a:fld>
             <a:endParaRPr lang="en-US"/>
           </a:p>
@@ -1527,7 +1574,7 @@
             <a:pPr rtl="0"/>
             <a:fld id="{B52C98DB-1092-48C4-AD4E-BD3E9D2E2345}" type="datetime1">
               <a:rPr lang="ru-RU" smtClean="0"/>
-              <a:t>29.10.2020</a:t>
+              <a:t>30.10.2020</a:t>
             </a:fld>
             <a:endParaRPr lang="en-US"/>
           </a:p>
@@ -1701,7 +1748,7 @@
             <a:pPr rtl="0"/>
             <a:fld id="{629C2F20-7994-4D1E-A01C-96ECBA4612EB}" type="datetime1">
               <a:rPr lang="ru-RU" smtClean="0"/>
-              <a:t>29.10.2020</a:t>
+              <a:t>30.10.2020</a:t>
             </a:fld>
             <a:endParaRPr lang="en-US"/>
           </a:p>
@@ -2304,7 +2351,7 @@
             <a:pPr rtl="0"/>
             <a:fld id="{7B2CE4EA-3B49-4A00-ADF3-7C7272A626C1}" type="datetime1">
               <a:rPr lang="ru-RU" smtClean="0"/>
-              <a:t>29.10.2020</a:t>
+              <a:t>30.10.2020</a:t>
             </a:fld>
             <a:endParaRPr lang="en-US" dirty="0"/>
           </a:p>
@@ -2628,7 +2675,7 @@
             <a:pPr rtl="0"/>
             <a:fld id="{9A16848F-27AD-43B9-904C-1CF05D24EB3C}" type="datetime1">
               <a:rPr lang="ru-RU" smtClean="0"/>
-              <a:t>29.10.2020</a:t>
+              <a:t>30.10.2020</a:t>
             </a:fld>
             <a:endParaRPr lang="en-US"/>
           </a:p>
@@ -3069,7 +3116,7 @@
             <a:pPr rtl="0"/>
             <a:fld id="{23090412-2DE5-405A-816E-F08FB54EB168}" type="datetime1">
               <a:rPr lang="ru-RU" smtClean="0"/>
-              <a:t>29.10.2020</a:t>
+              <a:t>30.10.2020</a:t>
             </a:fld>
             <a:endParaRPr lang="en-US"/>
           </a:p>
@@ -3191,7 +3238,7 @@
             <a:pPr rtl="0"/>
             <a:fld id="{F4C2D7CB-4DC1-4BB7-BF00-4C36160857E0}" type="datetime1">
               <a:rPr lang="ru-RU" smtClean="0"/>
-              <a:t>29.10.2020</a:t>
+              <a:t>30.10.2020</a:t>
             </a:fld>
             <a:endParaRPr lang="en-US"/>
           </a:p>
@@ -3289,7 +3336,7 @@
             <a:pPr rtl="0"/>
             <a:fld id="{4060D38F-E364-4ED4-9BF4-D7F00FFBE76A}" type="datetime1">
               <a:rPr lang="ru-RU" smtClean="0"/>
-              <a:t>29.10.2020</a:t>
+              <a:t>30.10.2020</a:t>
             </a:fld>
             <a:endParaRPr lang="en-US"/>
           </a:p>
@@ -3710,7 +3757,7 @@
             <a:pPr rtl="0"/>
             <a:fld id="{F183FEFD-AB08-4CB5-AE4D-2F6B12D8E3B0}" type="datetime1">
               <a:rPr lang="ru-RU" smtClean="0"/>
-              <a:t>29.10.2020</a:t>
+              <a:t>30.10.2020</a:t>
             </a:fld>
             <a:endParaRPr lang="en-US"/>
           </a:p>
@@ -3975,7 +4022,7 @@
             <a:pPr rtl="0"/>
             <a:fld id="{EBEA1583-5CEF-4E36-A7FC-D34B7E954D76}" type="datetime1">
               <a:rPr lang="ru-RU" smtClean="0"/>
-              <a:t>29.10.2020</a:t>
+              <a:t>30.10.2020</a:t>
             </a:fld>
             <a:endParaRPr lang="en-US" dirty="0"/>
           </a:p>
@@ -4495,7 +4542,7 @@
             <a:pPr rtl="0"/>
             <a:fld id="{1068A786-B8BF-4988-ACBA-DD9B5BC8D522}" type="datetime1">
               <a:rPr lang="ru-RU" smtClean="0"/>
-              <a:t>29.10.2020</a:t>
+              <a:t>30.10.2020</a:t>
             </a:fld>
             <a:endParaRPr lang="en-US" dirty="0"/>
           </a:p>
@@ -5204,6 +5251,352 @@
 </p:sld>
 </file>
 
+<file path=ppt/slides/slide10.xml><?xml version="1.0" encoding="utf-8"?>
+<p:sld xmlns:a="http://schemas.openxmlformats.org/drawingml/2006/main" xmlns:r="http://schemas.openxmlformats.org/officeDocument/2006/relationships" xmlns:p="http://schemas.openxmlformats.org/presentationml/2006/main">
+  <p:cSld>
+    <p:bg>
+      <p:bgPr>
+        <a:solidFill>
+          <a:schemeClr val="bg1"/>
+        </a:solidFill>
+        <a:effectLst/>
+      </p:bgPr>
+    </p:bg>
+    <p:spTree>
+      <p:nvGrpSpPr>
+        <p:cNvPr id="1" name=""/>
+        <p:cNvGrpSpPr/>
+        <p:nvPr/>
+      </p:nvGrpSpPr>
+      <p:grpSpPr>
+        <a:xfrm>
+          <a:off x="0" y="0"/>
+          <a:ext cx="0" cy="0"/>
+          <a:chOff x="0" y="0"/>
+          <a:chExt cx="0" cy="0"/>
+        </a:xfrm>
+      </p:grpSpPr>
+      <p:sp>
+        <p:nvSpPr>
+          <p:cNvPr id="4" name="Заголовок 3">
+            <a:extLst>
+              <a:ext uri="{FF2B5EF4-FFF2-40B4-BE49-F238E27FC236}">
+                <a16:creationId xmlns:a16="http://schemas.microsoft.com/office/drawing/2014/main" id="{4A115AD6-B700-4B08-BB76-3A31B864B8AF}"/>
+              </a:ext>
+            </a:extLst>
+          </p:cNvPr>
+          <p:cNvSpPr>
+            <a:spLocks noGrp="1"/>
+          </p:cNvSpPr>
+          <p:nvPr>
+            <p:ph type="title"/>
+          </p:nvPr>
+        </p:nvSpPr>
+        <p:spPr>
+          <a:xfrm>
+            <a:off x="1882066" y="512065"/>
+            <a:ext cx="9001957" cy="976911"/>
+          </a:xfrm>
+        </p:spPr>
+        <p:txBody>
+          <a:bodyPr>
+            <a:normAutofit fontScale="90000"/>
+          </a:bodyPr>
+          <a:lstStyle/>
+          <a:p>
+            <a:r>
+              <a:rPr lang="az-Cyrl-AZ" b="1" dirty="0">
+                <a:solidFill>
+                  <a:srgbClr val="FFC000"/>
+                </a:solidFill>
+              </a:rPr>
+              <a:t>Анима</a:t>
+            </a:r>
+            <a:r>
+              <a:rPr lang="ru-RU" b="1" dirty="0" err="1">
+                <a:solidFill>
+                  <a:srgbClr val="FFC000"/>
+                </a:solidFill>
+              </a:rPr>
+              <a:t>ция</a:t>
+            </a:r>
+            <a:r>
+              <a:rPr lang="ru-RU" b="1" dirty="0">
+                <a:solidFill>
+                  <a:srgbClr val="FFC000"/>
+                </a:solidFill>
+              </a:rPr>
+              <a:t> – просто набор кадров</a:t>
+            </a:r>
+          </a:p>
+        </p:txBody>
+      </p:sp>
+      <p:sp>
+        <p:nvSpPr>
+          <p:cNvPr id="9" name="Заголовок 3">
+            <a:extLst>
+              <a:ext uri="{FF2B5EF4-FFF2-40B4-BE49-F238E27FC236}">
+                <a16:creationId xmlns:a16="http://schemas.microsoft.com/office/drawing/2014/main" id="{7BBA4A03-7F70-4DAE-9489-2F06D46DB9E3}"/>
+              </a:ext>
+            </a:extLst>
+          </p:cNvPr>
+          <p:cNvSpPr txBox="1">
+            <a:spLocks/>
+          </p:cNvSpPr>
+          <p:nvPr/>
+        </p:nvSpPr>
+        <p:spPr>
+          <a:xfrm>
+            <a:off x="4271831" y="2223525"/>
+            <a:ext cx="4490429" cy="1662621"/>
+          </a:xfrm>
+          <a:prstGeom prst="rect">
+            <a:avLst/>
+          </a:prstGeom>
+        </p:spPr>
+        <p:txBody>
+          <a:bodyPr vert="horz" lIns="91440" tIns="45720" rIns="91440" bIns="45720" rtlCol="0" anchor="ctr">
+            <a:normAutofit/>
+          </a:bodyPr>
+          <a:lstStyle>
+            <a:lvl1pPr algn="l" defTabSz="914400" rtl="0" eaLnBrk="1" latinLnBrk="0" hangingPunct="1">
+              <a:lnSpc>
+                <a:spcPct val="90000"/>
+              </a:lnSpc>
+              <a:spcBef>
+                <a:spcPct val="0"/>
+              </a:spcBef>
+              <a:buNone/>
+              <a:defRPr lang="en-US" sz="4000" i="0" kern="1200" cap="none" spc="0" baseline="0" dirty="0">
+                <a:solidFill>
+                  <a:schemeClr val="tx1">
+                    <a:lumMod val="85000"/>
+                    <a:lumOff val="15000"/>
+                  </a:schemeClr>
+                </a:solidFill>
+                <a:effectLst/>
+                <a:latin typeface="+mj-lt"/>
+                <a:ea typeface="+mn-ea"/>
+                <a:cs typeface="+mn-cs"/>
+              </a:defRPr>
+            </a:lvl1pPr>
+          </a:lstStyle>
+          <a:p>
+            <a:endParaRPr lang="ru-RU" sz="2800" b="1" dirty="0"/>
+          </a:p>
+          <a:p>
+            <a:endParaRPr lang="ru-RU" sz="2800" dirty="0">
+              <a:solidFill>
+                <a:srgbClr val="FFC000"/>
+              </a:solidFill>
+            </a:endParaRPr>
+          </a:p>
+        </p:txBody>
+      </p:sp>
+      <p:pic>
+        <p:nvPicPr>
+          <p:cNvPr id="5" name="Picture 2" descr="Примеры технологий в анимации. Понятие и виды анимации">
+            <a:extLst>
+              <a:ext uri="{FF2B5EF4-FFF2-40B4-BE49-F238E27FC236}">
+                <a16:creationId xmlns:a16="http://schemas.microsoft.com/office/drawing/2014/main" id="{C6FA8253-AB8C-4AF2-B10D-0B6F516A5685}"/>
+              </a:ext>
+            </a:extLst>
+          </p:cNvPr>
+          <p:cNvPicPr>
+            <a:picLocks noChangeAspect="1" noChangeArrowheads="1"/>
+          </p:cNvPicPr>
+          <p:nvPr/>
+        </p:nvPicPr>
+        <p:blipFill>
+          <a:blip r:embed="rId2">
+            <a:extLst>
+              <a:ext uri="{28A0092B-C50C-407E-A947-70E740481C1C}">
+                <a14:useLocalDpi xmlns:a14="http://schemas.microsoft.com/office/drawing/2010/main" val="0"/>
+              </a:ext>
+            </a:extLst>
+          </a:blip>
+          <a:srcRect/>
+          <a:stretch>
+            <a:fillRect/>
+          </a:stretch>
+        </p:blipFill>
+        <p:spPr bwMode="auto">
+          <a:xfrm>
+            <a:off x="2174566" y="1733826"/>
+            <a:ext cx="7842867" cy="3590710"/>
+          </a:xfrm>
+          <a:prstGeom prst="rect">
+            <a:avLst/>
+          </a:prstGeom>
+          <a:noFill/>
+          <a:extLst>
+            <a:ext uri="{909E8E84-426E-40DD-AFC4-6F175D3DCCD1}">
+              <a14:hiddenFill xmlns:a14="http://schemas.microsoft.com/office/drawing/2010/main">
+                <a:solidFill>
+                  <a:srgbClr val="FFFFFF"/>
+                </a:solidFill>
+              </a14:hiddenFill>
+            </a:ext>
+          </a:extLst>
+        </p:spPr>
+      </p:pic>
+    </p:spTree>
+    <p:extLst>
+      <p:ext uri="{BB962C8B-B14F-4D97-AF65-F5344CB8AC3E}">
+        <p14:creationId xmlns:p14="http://schemas.microsoft.com/office/powerpoint/2010/main" val="1654560545"/>
+      </p:ext>
+    </p:extLst>
+  </p:cSld>
+  <p:clrMapOvr>
+    <a:masterClrMapping/>
+  </p:clrMapOvr>
+</p:sld>
+</file>
+
+<file path=ppt/slides/slide11.xml><?xml version="1.0" encoding="utf-8"?>
+<p:sld xmlns:a="http://schemas.openxmlformats.org/drawingml/2006/main" xmlns:r="http://schemas.openxmlformats.org/officeDocument/2006/relationships" xmlns:p="http://schemas.openxmlformats.org/presentationml/2006/main">
+  <p:cSld>
+    <p:bg>
+      <p:bgPr>
+        <a:solidFill>
+          <a:schemeClr val="bg1"/>
+        </a:solidFill>
+        <a:effectLst/>
+      </p:bgPr>
+    </p:bg>
+    <p:spTree>
+      <p:nvGrpSpPr>
+        <p:cNvPr id="1" name=""/>
+        <p:cNvGrpSpPr/>
+        <p:nvPr/>
+      </p:nvGrpSpPr>
+      <p:grpSpPr>
+        <a:xfrm>
+          <a:off x="0" y="0"/>
+          <a:ext cx="0" cy="0"/>
+          <a:chOff x="0" y="0"/>
+          <a:chExt cx="0" cy="0"/>
+        </a:xfrm>
+      </p:grpSpPr>
+      <p:sp>
+        <p:nvSpPr>
+          <p:cNvPr id="4" name="Заголовок 3">
+            <a:extLst>
+              <a:ext uri="{FF2B5EF4-FFF2-40B4-BE49-F238E27FC236}">
+                <a16:creationId xmlns:a16="http://schemas.microsoft.com/office/drawing/2014/main" id="{4A115AD6-B700-4B08-BB76-3A31B864B8AF}"/>
+              </a:ext>
+            </a:extLst>
+          </p:cNvPr>
+          <p:cNvSpPr>
+            <a:spLocks noGrp="1"/>
+          </p:cNvSpPr>
+          <p:nvPr>
+            <p:ph type="title"/>
+          </p:nvPr>
+        </p:nvSpPr>
+        <p:spPr>
+          <a:xfrm>
+            <a:off x="2556769" y="472451"/>
+            <a:ext cx="8966447" cy="1751074"/>
+          </a:xfrm>
+        </p:spPr>
+        <p:txBody>
+          <a:bodyPr>
+            <a:normAutofit/>
+          </a:bodyPr>
+          <a:lstStyle/>
+          <a:p>
+            <a:r>
+              <a:rPr lang="az-Cyrl-AZ" b="1" dirty="0">
+                <a:solidFill>
+                  <a:srgbClr val="FFC000"/>
+                </a:solidFill>
+              </a:rPr>
+              <a:t>Аниматор – компонент, управляющий анимацией </a:t>
+            </a:r>
+            <a:endParaRPr lang="ru-RU" b="1" dirty="0">
+              <a:solidFill>
+                <a:srgbClr val="FFC000"/>
+              </a:solidFill>
+            </a:endParaRPr>
+          </a:p>
+        </p:txBody>
+      </p:sp>
+      <p:sp>
+        <p:nvSpPr>
+          <p:cNvPr id="9" name="Заголовок 3">
+            <a:extLst>
+              <a:ext uri="{FF2B5EF4-FFF2-40B4-BE49-F238E27FC236}">
+                <a16:creationId xmlns:a16="http://schemas.microsoft.com/office/drawing/2014/main" id="{7BBA4A03-7F70-4DAE-9489-2F06D46DB9E3}"/>
+              </a:ext>
+            </a:extLst>
+          </p:cNvPr>
+          <p:cNvSpPr txBox="1">
+            <a:spLocks/>
+          </p:cNvSpPr>
+          <p:nvPr/>
+        </p:nvSpPr>
+        <p:spPr>
+          <a:xfrm>
+            <a:off x="4271831" y="2223525"/>
+            <a:ext cx="4490429" cy="1662621"/>
+          </a:xfrm>
+          <a:prstGeom prst="rect">
+            <a:avLst/>
+          </a:prstGeom>
+        </p:spPr>
+        <p:txBody>
+          <a:bodyPr vert="horz" lIns="91440" tIns="45720" rIns="91440" bIns="45720" rtlCol="0" anchor="ctr">
+            <a:normAutofit/>
+          </a:bodyPr>
+          <a:lstStyle>
+            <a:lvl1pPr algn="l" defTabSz="914400" rtl="0" eaLnBrk="1" latinLnBrk="0" hangingPunct="1">
+              <a:lnSpc>
+                <a:spcPct val="90000"/>
+              </a:lnSpc>
+              <a:spcBef>
+                <a:spcPct val="0"/>
+              </a:spcBef>
+              <a:buNone/>
+              <a:defRPr lang="en-US" sz="4000" i="0" kern="1200" cap="none" spc="0" baseline="0" dirty="0">
+                <a:solidFill>
+                  <a:schemeClr val="tx1">
+                    <a:lumMod val="85000"/>
+                    <a:lumOff val="15000"/>
+                  </a:schemeClr>
+                </a:solidFill>
+                <a:effectLst/>
+                <a:latin typeface="+mj-lt"/>
+                <a:ea typeface="+mn-ea"/>
+                <a:cs typeface="+mn-cs"/>
+              </a:defRPr>
+            </a:lvl1pPr>
+          </a:lstStyle>
+          <a:p>
+            <a:endParaRPr lang="ru-RU" sz="2800" b="1" dirty="0"/>
+          </a:p>
+          <a:p>
+            <a:endParaRPr lang="ru-RU" sz="2800" dirty="0">
+              <a:solidFill>
+                <a:srgbClr val="FFC000"/>
+              </a:solidFill>
+            </a:endParaRPr>
+          </a:p>
+        </p:txBody>
+      </p:sp>
+    </p:spTree>
+    <p:extLst>
+      <p:ext uri="{BB962C8B-B14F-4D97-AF65-F5344CB8AC3E}">
+        <p14:creationId xmlns:p14="http://schemas.microsoft.com/office/powerpoint/2010/main" val="1541017144"/>
+      </p:ext>
+    </p:extLst>
+  </p:cSld>
+  <p:clrMapOvr>
+    <a:masterClrMapping/>
+  </p:clrMapOvr>
+</p:sld>
+</file>
+
 <file path=ppt/slides/slide2.xml><?xml version="1.0" encoding="utf-8"?>
 <p:sld xmlns:a="http://schemas.openxmlformats.org/drawingml/2006/main" xmlns:r="http://schemas.openxmlformats.org/officeDocument/2006/relationships" xmlns:p="http://schemas.openxmlformats.org/presentationml/2006/main">
   <p:cSld>
@@ -5258,7 +5651,9 @@
             <a:r>
               <a:rPr lang="ru-RU" b="1" dirty="0">
                 <a:solidFill>
-                  <a:srgbClr val="FFC000"/>
+                  <a:schemeClr val="accent5">
+                    <a:lumMod val="75000"/>
+                  </a:schemeClr>
                 </a:solidFill>
               </a:rPr>
               <a:t>Анимация</a:t>
@@ -5418,7 +5813,9 @@
             <a:r>
               <a:rPr lang="ru-RU" b="1" dirty="0">
                 <a:solidFill>
-                  <a:srgbClr val="FFC000"/>
+                  <a:schemeClr val="accent5">
+                    <a:lumMod val="75000"/>
+                  </a:schemeClr>
                 </a:solidFill>
               </a:rPr>
               <a:t>Анимация</a:t>
@@ -5692,7 +6089,9 @@
             <a:r>
               <a:rPr lang="ru-RU" b="1" dirty="0">
                 <a:solidFill>
-                  <a:srgbClr val="FFC000"/>
+                  <a:schemeClr val="accent5">
+                    <a:lumMod val="75000"/>
+                  </a:schemeClr>
                 </a:solidFill>
               </a:rPr>
               <a:t>Самостоятельное задание</a:t>
@@ -6099,29 +6498,26 @@
         </p:nvSpPr>
         <p:spPr>
           <a:xfrm>
-            <a:off x="4271831" y="472451"/>
-            <a:ext cx="2878819" cy="976911"/>
+            <a:off x="1914787" y="527288"/>
+            <a:ext cx="8362426" cy="976911"/>
           </a:xfrm>
         </p:spPr>
         <p:txBody>
           <a:bodyPr>
-            <a:normAutofit/>
+            <a:normAutofit fontScale="90000"/>
           </a:bodyPr>
           <a:lstStyle/>
           <a:p>
             <a:r>
-              <a:rPr lang="az-Cyrl-AZ" b="1" dirty="0">
+              <a:rPr lang="ru-RU" b="1" dirty="0">
                 <a:solidFill>
-                  <a:srgbClr val="FFC000"/>
+                  <a:schemeClr val="accent5">
+                    <a:lumMod val="75000"/>
+                  </a:schemeClr>
                 </a:solidFill>
               </a:rPr>
-              <a:t>Аниматор</a:t>
-            </a:r>
-            <a:endParaRPr lang="ru-RU" b="1" dirty="0">
-              <a:solidFill>
-                <a:srgbClr val="FFC000"/>
-              </a:solidFill>
-            </a:endParaRPr>
+              <a:t>Анимация с помощью состояний</a:t>
+            </a:r>
           </a:p>
         </p:txBody>
       </p:sp>
@@ -6187,10 +6583,1114 @@
           </a:p>
         </p:txBody>
       </p:sp>
+      <p:pic>
+        <p:nvPicPr>
+          <p:cNvPr id="18" name="Рисунок 17">
+            <a:extLst>
+              <a:ext uri="{FF2B5EF4-FFF2-40B4-BE49-F238E27FC236}">
+                <a16:creationId xmlns:a16="http://schemas.microsoft.com/office/drawing/2014/main" id="{213675EF-0A6E-4DC0-B365-4982EC067983}"/>
+              </a:ext>
+            </a:extLst>
+          </p:cNvPr>
+          <p:cNvPicPr>
+            <a:picLocks noChangeAspect="1"/>
+          </p:cNvPicPr>
+          <p:nvPr/>
+        </p:nvPicPr>
+        <p:blipFill>
+          <a:blip r:embed="rId2">
+            <a:extLst>
+              <a:ext uri="{28A0092B-C50C-407E-A947-70E740481C1C}">
+                <a14:useLocalDpi xmlns:a14="http://schemas.microsoft.com/office/drawing/2010/main" val="0"/>
+              </a:ext>
+            </a:extLst>
+          </a:blip>
+          <a:stretch>
+            <a:fillRect/>
+          </a:stretch>
+        </p:blipFill>
+        <p:spPr>
+          <a:xfrm>
+            <a:off x="2013650" y="2847736"/>
+            <a:ext cx="800100" cy="800100"/>
+          </a:xfrm>
+          <a:prstGeom prst="rect">
+            <a:avLst/>
+          </a:prstGeom>
+        </p:spPr>
+      </p:pic>
+      <p:pic>
+        <p:nvPicPr>
+          <p:cNvPr id="19" name="Рисунок 18">
+            <a:extLst>
+              <a:ext uri="{FF2B5EF4-FFF2-40B4-BE49-F238E27FC236}">
+                <a16:creationId xmlns:a16="http://schemas.microsoft.com/office/drawing/2014/main" id="{BEA2C46A-6DDE-442B-9123-2FE426D09E4D}"/>
+              </a:ext>
+            </a:extLst>
+          </p:cNvPr>
+          <p:cNvPicPr>
+            <a:picLocks noChangeAspect="1"/>
+          </p:cNvPicPr>
+          <p:nvPr/>
+        </p:nvPicPr>
+        <p:blipFill>
+          <a:blip r:embed="rId2">
+            <a:extLst>
+              <a:ext uri="{28A0092B-C50C-407E-A947-70E740481C1C}">
+                <a14:useLocalDpi xmlns:a14="http://schemas.microsoft.com/office/drawing/2010/main" val="0"/>
+              </a:ext>
+            </a:extLst>
+          </a:blip>
+          <a:stretch>
+            <a:fillRect/>
+          </a:stretch>
+        </p:blipFill>
+        <p:spPr>
+          <a:xfrm>
+            <a:off x="3608200" y="2794982"/>
+            <a:ext cx="923483" cy="923483"/>
+          </a:xfrm>
+          <a:prstGeom prst="rect">
+            <a:avLst/>
+          </a:prstGeom>
+        </p:spPr>
+      </p:pic>
+      <p:pic>
+        <p:nvPicPr>
+          <p:cNvPr id="20" name="Рисунок 19">
+            <a:extLst>
+              <a:ext uri="{FF2B5EF4-FFF2-40B4-BE49-F238E27FC236}">
+                <a16:creationId xmlns:a16="http://schemas.microsoft.com/office/drawing/2014/main" id="{0A4C19BD-FADF-4292-9858-2C139C62F5E5}"/>
+              </a:ext>
+            </a:extLst>
+          </p:cNvPr>
+          <p:cNvPicPr>
+            <a:picLocks noChangeAspect="1"/>
+          </p:cNvPicPr>
+          <p:nvPr/>
+        </p:nvPicPr>
+        <p:blipFill>
+          <a:blip r:embed="rId2">
+            <a:extLst>
+              <a:ext uri="{28A0092B-C50C-407E-A947-70E740481C1C}">
+                <a14:useLocalDpi xmlns:a14="http://schemas.microsoft.com/office/drawing/2010/main" val="0"/>
+              </a:ext>
+            </a:extLst>
+          </a:blip>
+          <a:stretch>
+            <a:fillRect/>
+          </a:stretch>
+        </p:blipFill>
+        <p:spPr>
+          <a:xfrm>
+            <a:off x="5365666" y="2618362"/>
+            <a:ext cx="1146499" cy="1276721"/>
+          </a:xfrm>
+          <a:prstGeom prst="rect">
+            <a:avLst/>
+          </a:prstGeom>
+        </p:spPr>
+      </p:pic>
+      <p:pic>
+        <p:nvPicPr>
+          <p:cNvPr id="22" name="Рисунок 21">
+            <a:extLst>
+              <a:ext uri="{FF2B5EF4-FFF2-40B4-BE49-F238E27FC236}">
+                <a16:creationId xmlns:a16="http://schemas.microsoft.com/office/drawing/2014/main" id="{ABC07818-CF44-4767-AC69-5B19DDA3658C}"/>
+              </a:ext>
+            </a:extLst>
+          </p:cNvPr>
+          <p:cNvPicPr>
+            <a:picLocks noChangeAspect="1"/>
+          </p:cNvPicPr>
+          <p:nvPr/>
+        </p:nvPicPr>
+        <p:blipFill>
+          <a:blip r:embed="rId2">
+            <a:extLst>
+              <a:ext uri="{28A0092B-C50C-407E-A947-70E740481C1C}">
+                <a14:useLocalDpi xmlns:a14="http://schemas.microsoft.com/office/drawing/2010/main" val="0"/>
+              </a:ext>
+            </a:extLst>
+          </a:blip>
+          <a:stretch>
+            <a:fillRect/>
+          </a:stretch>
+        </p:blipFill>
+        <p:spPr>
+          <a:xfrm>
+            <a:off x="7346148" y="2794980"/>
+            <a:ext cx="923483" cy="923483"/>
+          </a:xfrm>
+          <a:prstGeom prst="rect">
+            <a:avLst/>
+          </a:prstGeom>
+        </p:spPr>
+      </p:pic>
+      <p:pic>
+        <p:nvPicPr>
+          <p:cNvPr id="23" name="Рисунок 22">
+            <a:extLst>
+              <a:ext uri="{FF2B5EF4-FFF2-40B4-BE49-F238E27FC236}">
+                <a16:creationId xmlns:a16="http://schemas.microsoft.com/office/drawing/2014/main" id="{448FDF32-49FC-494B-9DC5-4ABA5EF946A2}"/>
+              </a:ext>
+            </a:extLst>
+          </p:cNvPr>
+          <p:cNvPicPr>
+            <a:picLocks noChangeAspect="1"/>
+          </p:cNvPicPr>
+          <p:nvPr/>
+        </p:nvPicPr>
+        <p:blipFill>
+          <a:blip r:embed="rId2">
+            <a:extLst>
+              <a:ext uri="{28A0092B-C50C-407E-A947-70E740481C1C}">
+                <a14:useLocalDpi xmlns:a14="http://schemas.microsoft.com/office/drawing/2010/main" val="0"/>
+              </a:ext>
+            </a:extLst>
+          </a:blip>
+          <a:stretch>
+            <a:fillRect/>
+          </a:stretch>
+        </p:blipFill>
+        <p:spPr>
+          <a:xfrm>
+            <a:off x="9103614" y="2847736"/>
+            <a:ext cx="800100" cy="800100"/>
+          </a:xfrm>
+          <a:prstGeom prst="rect">
+            <a:avLst/>
+          </a:prstGeom>
+        </p:spPr>
+      </p:pic>
     </p:spTree>
     <p:extLst>
       <p:ext uri="{BB962C8B-B14F-4D97-AF65-F5344CB8AC3E}">
-        <p14:creationId xmlns:p14="http://schemas.microsoft.com/office/powerpoint/2010/main" val="1654560545"/>
+        <p14:creationId xmlns:p14="http://schemas.microsoft.com/office/powerpoint/2010/main" val="205627022"/>
+      </p:ext>
+    </p:extLst>
+  </p:cSld>
+  <p:clrMapOvr>
+    <a:masterClrMapping/>
+  </p:clrMapOvr>
+</p:sld>
+</file>
+
+<file path=ppt/slides/slide7.xml><?xml version="1.0" encoding="utf-8"?>
+<p:sld xmlns:a="http://schemas.openxmlformats.org/drawingml/2006/main" xmlns:r="http://schemas.openxmlformats.org/officeDocument/2006/relationships" xmlns:p="http://schemas.openxmlformats.org/presentationml/2006/main">
+  <p:cSld>
+    <p:bg>
+      <p:bgPr>
+        <a:solidFill>
+          <a:schemeClr val="bg1"/>
+        </a:solidFill>
+        <a:effectLst/>
+      </p:bgPr>
+    </p:bg>
+    <p:spTree>
+      <p:nvGrpSpPr>
+        <p:cNvPr id="1" name=""/>
+        <p:cNvGrpSpPr/>
+        <p:nvPr/>
+      </p:nvGrpSpPr>
+      <p:grpSpPr>
+        <a:xfrm>
+          <a:off x="0" y="0"/>
+          <a:ext cx="0" cy="0"/>
+          <a:chOff x="0" y="0"/>
+          <a:chExt cx="0" cy="0"/>
+        </a:xfrm>
+      </p:grpSpPr>
+      <p:sp>
+        <p:nvSpPr>
+          <p:cNvPr id="4" name="Заголовок 3">
+            <a:extLst>
+              <a:ext uri="{FF2B5EF4-FFF2-40B4-BE49-F238E27FC236}">
+                <a16:creationId xmlns:a16="http://schemas.microsoft.com/office/drawing/2014/main" id="{4A115AD6-B700-4B08-BB76-3A31B864B8AF}"/>
+              </a:ext>
+            </a:extLst>
+          </p:cNvPr>
+          <p:cNvSpPr>
+            <a:spLocks noGrp="1"/>
+          </p:cNvSpPr>
+          <p:nvPr>
+            <p:ph type="title"/>
+          </p:nvPr>
+        </p:nvSpPr>
+        <p:spPr>
+          <a:xfrm>
+            <a:off x="1914787" y="527288"/>
+            <a:ext cx="8362426" cy="976911"/>
+          </a:xfrm>
+        </p:spPr>
+        <p:txBody>
+          <a:bodyPr>
+            <a:normAutofit fontScale="90000"/>
+          </a:bodyPr>
+          <a:lstStyle/>
+          <a:p>
+            <a:r>
+              <a:rPr lang="ru-RU" b="1" dirty="0">
+                <a:solidFill>
+                  <a:schemeClr val="accent5">
+                    <a:lumMod val="75000"/>
+                  </a:schemeClr>
+                </a:solidFill>
+              </a:rPr>
+              <a:t>Анимация с помощью состояний</a:t>
+            </a:r>
+          </a:p>
+        </p:txBody>
+      </p:sp>
+      <p:sp>
+        <p:nvSpPr>
+          <p:cNvPr id="9" name="Заголовок 3">
+            <a:extLst>
+              <a:ext uri="{FF2B5EF4-FFF2-40B4-BE49-F238E27FC236}">
+                <a16:creationId xmlns:a16="http://schemas.microsoft.com/office/drawing/2014/main" id="{7BBA4A03-7F70-4DAE-9489-2F06D46DB9E3}"/>
+              </a:ext>
+            </a:extLst>
+          </p:cNvPr>
+          <p:cNvSpPr txBox="1">
+            <a:spLocks/>
+          </p:cNvSpPr>
+          <p:nvPr/>
+        </p:nvSpPr>
+        <p:spPr>
+          <a:xfrm>
+            <a:off x="4323530" y="1637974"/>
+            <a:ext cx="4307225" cy="1544788"/>
+          </a:xfrm>
+          <a:prstGeom prst="rect">
+            <a:avLst/>
+          </a:prstGeom>
+        </p:spPr>
+        <p:txBody>
+          <a:bodyPr vert="horz" lIns="91440" tIns="45720" rIns="91440" bIns="45720" rtlCol="0" anchor="ctr">
+            <a:normAutofit/>
+          </a:bodyPr>
+          <a:lstStyle>
+            <a:lvl1pPr algn="l" defTabSz="914400" rtl="0" eaLnBrk="1" latinLnBrk="0" hangingPunct="1">
+              <a:lnSpc>
+                <a:spcPct val="90000"/>
+              </a:lnSpc>
+              <a:spcBef>
+                <a:spcPct val="0"/>
+              </a:spcBef>
+              <a:buNone/>
+              <a:defRPr lang="en-US" sz="4000" i="0" kern="1200" cap="none" spc="0" baseline="0" dirty="0">
+                <a:solidFill>
+                  <a:schemeClr val="tx1">
+                    <a:lumMod val="85000"/>
+                    <a:lumOff val="15000"/>
+                  </a:schemeClr>
+                </a:solidFill>
+                <a:effectLst/>
+                <a:latin typeface="+mj-lt"/>
+                <a:ea typeface="+mn-ea"/>
+                <a:cs typeface="+mn-cs"/>
+              </a:defRPr>
+            </a:lvl1pPr>
+          </a:lstStyle>
+          <a:p>
+            <a:endParaRPr lang="ru-RU" sz="2800" b="1" dirty="0"/>
+          </a:p>
+          <a:p>
+            <a:endParaRPr lang="ru-RU" sz="2800" dirty="0">
+              <a:solidFill>
+                <a:srgbClr val="FFC000"/>
+              </a:solidFill>
+            </a:endParaRPr>
+          </a:p>
+        </p:txBody>
+      </p:sp>
+      <p:pic>
+        <p:nvPicPr>
+          <p:cNvPr id="18" name="Рисунок 17">
+            <a:extLst>
+              <a:ext uri="{FF2B5EF4-FFF2-40B4-BE49-F238E27FC236}">
+                <a16:creationId xmlns:a16="http://schemas.microsoft.com/office/drawing/2014/main" id="{213675EF-0A6E-4DC0-B365-4982EC067983}"/>
+              </a:ext>
+            </a:extLst>
+          </p:cNvPr>
+          <p:cNvPicPr>
+            <a:picLocks noChangeAspect="1"/>
+          </p:cNvPicPr>
+          <p:nvPr/>
+        </p:nvPicPr>
+        <p:blipFill>
+          <a:blip r:embed="rId2">
+            <a:extLst>
+              <a:ext uri="{28A0092B-C50C-407E-A947-70E740481C1C}">
+                <a14:useLocalDpi xmlns:a14="http://schemas.microsoft.com/office/drawing/2010/main" val="0"/>
+              </a:ext>
+            </a:extLst>
+          </a:blip>
+          <a:stretch>
+            <a:fillRect/>
+          </a:stretch>
+        </p:blipFill>
+        <p:spPr>
+          <a:xfrm>
+            <a:off x="1914787" y="2176994"/>
+            <a:ext cx="767457" cy="767457"/>
+          </a:xfrm>
+          <a:prstGeom prst="rect">
+            <a:avLst/>
+          </a:prstGeom>
+        </p:spPr>
+      </p:pic>
+      <p:pic>
+        <p:nvPicPr>
+          <p:cNvPr id="19" name="Рисунок 18">
+            <a:extLst>
+              <a:ext uri="{FF2B5EF4-FFF2-40B4-BE49-F238E27FC236}">
+                <a16:creationId xmlns:a16="http://schemas.microsoft.com/office/drawing/2014/main" id="{BEA2C46A-6DDE-442B-9123-2FE426D09E4D}"/>
+              </a:ext>
+            </a:extLst>
+          </p:cNvPr>
+          <p:cNvPicPr>
+            <a:picLocks noChangeAspect="1"/>
+          </p:cNvPicPr>
+          <p:nvPr/>
+        </p:nvPicPr>
+        <p:blipFill>
+          <a:blip r:embed="rId2">
+            <a:extLst>
+              <a:ext uri="{28A0092B-C50C-407E-A947-70E740481C1C}">
+                <a14:useLocalDpi xmlns:a14="http://schemas.microsoft.com/office/drawing/2010/main" val="0"/>
+              </a:ext>
+            </a:extLst>
+          </a:blip>
+          <a:stretch>
+            <a:fillRect/>
+          </a:stretch>
+        </p:blipFill>
+        <p:spPr>
+          <a:xfrm>
+            <a:off x="3514372" y="2129275"/>
+            <a:ext cx="885806" cy="885806"/>
+          </a:xfrm>
+          <a:prstGeom prst="rect">
+            <a:avLst/>
+          </a:prstGeom>
+        </p:spPr>
+      </p:pic>
+      <p:pic>
+        <p:nvPicPr>
+          <p:cNvPr id="20" name="Рисунок 19">
+            <a:extLst>
+              <a:ext uri="{FF2B5EF4-FFF2-40B4-BE49-F238E27FC236}">
+                <a16:creationId xmlns:a16="http://schemas.microsoft.com/office/drawing/2014/main" id="{0A4C19BD-FADF-4292-9858-2C139C62F5E5}"/>
+              </a:ext>
+            </a:extLst>
+          </p:cNvPr>
+          <p:cNvPicPr>
+            <a:picLocks noChangeAspect="1"/>
+          </p:cNvPicPr>
+          <p:nvPr/>
+        </p:nvPicPr>
+        <p:blipFill>
+          <a:blip r:embed="rId2">
+            <a:extLst>
+              <a:ext uri="{28A0092B-C50C-407E-A947-70E740481C1C}">
+                <a14:useLocalDpi xmlns:a14="http://schemas.microsoft.com/office/drawing/2010/main" val="0"/>
+              </a:ext>
+            </a:extLst>
+          </a:blip>
+          <a:stretch>
+            <a:fillRect/>
+          </a:stretch>
+        </p:blipFill>
+        <p:spPr>
+          <a:xfrm>
+            <a:off x="5280937" y="1967067"/>
+            <a:ext cx="1099723" cy="1224632"/>
+          </a:xfrm>
+          <a:prstGeom prst="rect">
+            <a:avLst/>
+          </a:prstGeom>
+        </p:spPr>
+      </p:pic>
+      <p:pic>
+        <p:nvPicPr>
+          <p:cNvPr id="22" name="Рисунок 21">
+            <a:extLst>
+              <a:ext uri="{FF2B5EF4-FFF2-40B4-BE49-F238E27FC236}">
+                <a16:creationId xmlns:a16="http://schemas.microsoft.com/office/drawing/2014/main" id="{ABC07818-CF44-4767-AC69-5B19DDA3658C}"/>
+              </a:ext>
+            </a:extLst>
+          </p:cNvPr>
+          <p:cNvPicPr>
+            <a:picLocks noChangeAspect="1"/>
+          </p:cNvPicPr>
+          <p:nvPr/>
+        </p:nvPicPr>
+        <p:blipFill>
+          <a:blip r:embed="rId2">
+            <a:extLst>
+              <a:ext uri="{28A0092B-C50C-407E-A947-70E740481C1C}">
+                <a14:useLocalDpi xmlns:a14="http://schemas.microsoft.com/office/drawing/2010/main" val="0"/>
+              </a:ext>
+            </a:extLst>
+          </a:blip>
+          <a:stretch>
+            <a:fillRect/>
+          </a:stretch>
+        </p:blipFill>
+        <p:spPr>
+          <a:xfrm>
+            <a:off x="7252320" y="2129273"/>
+            <a:ext cx="885806" cy="885806"/>
+          </a:xfrm>
+          <a:prstGeom prst="rect">
+            <a:avLst/>
+          </a:prstGeom>
+        </p:spPr>
+      </p:pic>
+      <p:pic>
+        <p:nvPicPr>
+          <p:cNvPr id="23" name="Рисунок 22">
+            <a:extLst>
+              <a:ext uri="{FF2B5EF4-FFF2-40B4-BE49-F238E27FC236}">
+                <a16:creationId xmlns:a16="http://schemas.microsoft.com/office/drawing/2014/main" id="{448FDF32-49FC-494B-9DC5-4ABA5EF946A2}"/>
+              </a:ext>
+            </a:extLst>
+          </p:cNvPr>
+          <p:cNvPicPr>
+            <a:picLocks noChangeAspect="1"/>
+          </p:cNvPicPr>
+          <p:nvPr/>
+        </p:nvPicPr>
+        <p:blipFill>
+          <a:blip r:embed="rId2">
+            <a:extLst>
+              <a:ext uri="{28A0092B-C50C-407E-A947-70E740481C1C}">
+                <a14:useLocalDpi xmlns:a14="http://schemas.microsoft.com/office/drawing/2010/main" val="0"/>
+              </a:ext>
+            </a:extLst>
+          </a:blip>
+          <a:stretch>
+            <a:fillRect/>
+          </a:stretch>
+        </p:blipFill>
+        <p:spPr>
+          <a:xfrm>
+            <a:off x="9004751" y="2176994"/>
+            <a:ext cx="767457" cy="767457"/>
+          </a:xfrm>
+          <a:prstGeom prst="rect">
+            <a:avLst/>
+          </a:prstGeom>
+        </p:spPr>
+      </p:pic>
+      <p:cxnSp>
+        <p:nvCxnSpPr>
+          <p:cNvPr id="6" name="Прямая соединительная линия 5">
+            <a:extLst>
+              <a:ext uri="{FF2B5EF4-FFF2-40B4-BE49-F238E27FC236}">
+                <a16:creationId xmlns:a16="http://schemas.microsoft.com/office/drawing/2014/main" id="{D1F33DF3-1B86-4397-98BA-BD3C93387461}"/>
+              </a:ext>
+            </a:extLst>
+          </p:cNvPr>
+          <p:cNvCxnSpPr>
+            <a:cxnSpLocks/>
+          </p:cNvCxnSpPr>
+          <p:nvPr/>
+        </p:nvCxnSpPr>
+        <p:spPr>
+          <a:xfrm>
+            <a:off x="1504762" y="2532185"/>
+            <a:ext cx="9805456" cy="0"/>
+          </a:xfrm>
+          <a:prstGeom prst="line">
+            <a:avLst/>
+          </a:prstGeom>
+        </p:spPr>
+        <p:style>
+          <a:lnRef idx="1">
+            <a:schemeClr val="accent1"/>
+          </a:lnRef>
+          <a:fillRef idx="0">
+            <a:schemeClr val="accent1"/>
+          </a:fillRef>
+          <a:effectRef idx="0">
+            <a:schemeClr val="accent1"/>
+          </a:effectRef>
+          <a:fontRef idx="minor">
+            <a:schemeClr val="tx1"/>
+          </a:fontRef>
+        </p:style>
+      </p:cxnSp>
+      <p:pic>
+        <p:nvPicPr>
+          <p:cNvPr id="5" name="Рисунок 4">
+            <a:extLst>
+              <a:ext uri="{FF2B5EF4-FFF2-40B4-BE49-F238E27FC236}">
+                <a16:creationId xmlns:a16="http://schemas.microsoft.com/office/drawing/2014/main" id="{CF7EC829-5AB5-4E6C-ADA8-D46AF4281CD2}"/>
+              </a:ext>
+            </a:extLst>
+          </p:cNvPr>
+          <p:cNvPicPr>
+            <a:picLocks noChangeAspect="1"/>
+          </p:cNvPicPr>
+          <p:nvPr/>
+        </p:nvPicPr>
+        <p:blipFill>
+          <a:blip r:embed="rId3">
+            <a:extLst>
+              <a:ext uri="{28A0092B-C50C-407E-A947-70E740481C1C}">
+                <a14:useLocalDpi xmlns:a14="http://schemas.microsoft.com/office/drawing/2010/main" val="0"/>
+              </a:ext>
+            </a:extLst>
+          </a:blip>
+          <a:stretch>
+            <a:fillRect/>
+          </a:stretch>
+        </p:blipFill>
+        <p:spPr>
+          <a:xfrm>
+            <a:off x="1776046" y="4325815"/>
+            <a:ext cx="762000" cy="1047750"/>
+          </a:xfrm>
+          <a:prstGeom prst="rect">
+            <a:avLst/>
+          </a:prstGeom>
+        </p:spPr>
+      </p:pic>
+      <p:pic>
+        <p:nvPicPr>
+          <p:cNvPr id="14" name="Рисунок 13">
+            <a:extLst>
+              <a:ext uri="{FF2B5EF4-FFF2-40B4-BE49-F238E27FC236}">
+                <a16:creationId xmlns:a16="http://schemas.microsoft.com/office/drawing/2014/main" id="{93B441C2-7F76-406A-87D3-EBE4402F619D}"/>
+              </a:ext>
+            </a:extLst>
+          </p:cNvPr>
+          <p:cNvPicPr>
+            <a:picLocks noChangeAspect="1"/>
+          </p:cNvPicPr>
+          <p:nvPr/>
+        </p:nvPicPr>
+        <p:blipFill>
+          <a:blip r:embed="rId3">
+            <a:extLst>
+              <a:ext uri="{28A0092B-C50C-407E-A947-70E740481C1C}">
+                <a14:useLocalDpi xmlns:a14="http://schemas.microsoft.com/office/drawing/2010/main" val="0"/>
+              </a:ext>
+            </a:extLst>
+          </a:blip>
+          <a:stretch>
+            <a:fillRect/>
+          </a:stretch>
+        </p:blipFill>
+        <p:spPr>
+          <a:xfrm>
+            <a:off x="3514373" y="4155583"/>
+            <a:ext cx="885805" cy="1217982"/>
+          </a:xfrm>
+          <a:prstGeom prst="rect">
+            <a:avLst/>
+          </a:prstGeom>
+        </p:spPr>
+      </p:pic>
+      <p:pic>
+        <p:nvPicPr>
+          <p:cNvPr id="15" name="Рисунок 14">
+            <a:extLst>
+              <a:ext uri="{FF2B5EF4-FFF2-40B4-BE49-F238E27FC236}">
+                <a16:creationId xmlns:a16="http://schemas.microsoft.com/office/drawing/2014/main" id="{30943B2E-BB61-4A59-B31F-44DB8C1F27F6}"/>
+              </a:ext>
+            </a:extLst>
+          </p:cNvPr>
+          <p:cNvPicPr>
+            <a:picLocks noChangeAspect="1"/>
+          </p:cNvPicPr>
+          <p:nvPr/>
+        </p:nvPicPr>
+        <p:blipFill>
+          <a:blip r:embed="rId3">
+            <a:extLst>
+              <a:ext uri="{28A0092B-C50C-407E-A947-70E740481C1C}">
+                <a14:useLocalDpi xmlns:a14="http://schemas.microsoft.com/office/drawing/2010/main" val="0"/>
+              </a:ext>
+            </a:extLst>
+          </a:blip>
+          <a:stretch>
+            <a:fillRect/>
+          </a:stretch>
+        </p:blipFill>
+        <p:spPr>
+          <a:xfrm>
+            <a:off x="5280937" y="4003003"/>
+            <a:ext cx="996772" cy="1370562"/>
+          </a:xfrm>
+          <a:prstGeom prst="rect">
+            <a:avLst/>
+          </a:prstGeom>
+        </p:spPr>
+      </p:pic>
+      <p:pic>
+        <p:nvPicPr>
+          <p:cNvPr id="16" name="Рисунок 15">
+            <a:extLst>
+              <a:ext uri="{FF2B5EF4-FFF2-40B4-BE49-F238E27FC236}">
+                <a16:creationId xmlns:a16="http://schemas.microsoft.com/office/drawing/2014/main" id="{6E429D64-0832-4142-9867-C4BDC64AC0C1}"/>
+              </a:ext>
+            </a:extLst>
+          </p:cNvPr>
+          <p:cNvPicPr>
+            <a:picLocks noChangeAspect="1"/>
+          </p:cNvPicPr>
+          <p:nvPr/>
+        </p:nvPicPr>
+        <p:blipFill>
+          <a:blip r:embed="rId3">
+            <a:extLst>
+              <a:ext uri="{28A0092B-C50C-407E-A947-70E740481C1C}">
+                <a14:useLocalDpi xmlns:a14="http://schemas.microsoft.com/office/drawing/2010/main" val="0"/>
+              </a:ext>
+            </a:extLst>
+          </a:blip>
+          <a:stretch>
+            <a:fillRect/>
+          </a:stretch>
+        </p:blipFill>
+        <p:spPr>
+          <a:xfrm>
+            <a:off x="7252321" y="4155583"/>
+            <a:ext cx="885805" cy="1217982"/>
+          </a:xfrm>
+          <a:prstGeom prst="rect">
+            <a:avLst/>
+          </a:prstGeom>
+        </p:spPr>
+      </p:pic>
+      <p:pic>
+        <p:nvPicPr>
+          <p:cNvPr id="17" name="Рисунок 16">
+            <a:extLst>
+              <a:ext uri="{FF2B5EF4-FFF2-40B4-BE49-F238E27FC236}">
+                <a16:creationId xmlns:a16="http://schemas.microsoft.com/office/drawing/2014/main" id="{172A9DB4-976A-4BC7-9E46-835AB7E134D2}"/>
+              </a:ext>
+            </a:extLst>
+          </p:cNvPr>
+          <p:cNvPicPr>
+            <a:picLocks noChangeAspect="1"/>
+          </p:cNvPicPr>
+          <p:nvPr/>
+        </p:nvPicPr>
+        <p:blipFill>
+          <a:blip r:embed="rId3">
+            <a:extLst>
+              <a:ext uri="{28A0092B-C50C-407E-A947-70E740481C1C}">
+                <a14:useLocalDpi xmlns:a14="http://schemas.microsoft.com/office/drawing/2010/main" val="0"/>
+              </a:ext>
+            </a:extLst>
+          </a:blip>
+          <a:stretch>
+            <a:fillRect/>
+          </a:stretch>
+        </p:blipFill>
+        <p:spPr>
+          <a:xfrm>
+            <a:off x="9004751" y="4325815"/>
+            <a:ext cx="762000" cy="1047750"/>
+          </a:xfrm>
+          <a:prstGeom prst="rect">
+            <a:avLst/>
+          </a:prstGeom>
+        </p:spPr>
+      </p:pic>
+      <p:cxnSp>
+        <p:nvCxnSpPr>
+          <p:cNvPr id="21" name="Прямая соединительная линия 20">
+            <a:extLst>
+              <a:ext uri="{FF2B5EF4-FFF2-40B4-BE49-F238E27FC236}">
+                <a16:creationId xmlns:a16="http://schemas.microsoft.com/office/drawing/2014/main" id="{59B12762-009C-4E9A-BF81-69F8FEC9D1AD}"/>
+              </a:ext>
+            </a:extLst>
+          </p:cNvPr>
+          <p:cNvCxnSpPr>
+            <a:cxnSpLocks/>
+          </p:cNvCxnSpPr>
+          <p:nvPr/>
+        </p:nvCxnSpPr>
+        <p:spPr>
+          <a:xfrm>
+            <a:off x="1193272" y="5373565"/>
+            <a:ext cx="9805456" cy="0"/>
+          </a:xfrm>
+          <a:prstGeom prst="line">
+            <a:avLst/>
+          </a:prstGeom>
+        </p:spPr>
+        <p:style>
+          <a:lnRef idx="1">
+            <a:schemeClr val="accent1"/>
+          </a:lnRef>
+          <a:fillRef idx="0">
+            <a:schemeClr val="accent1"/>
+          </a:fillRef>
+          <a:effectRef idx="0">
+            <a:schemeClr val="accent1"/>
+          </a:effectRef>
+          <a:fontRef idx="minor">
+            <a:schemeClr val="tx1"/>
+          </a:fontRef>
+        </p:style>
+      </p:cxnSp>
+    </p:spTree>
+    <p:extLst>
+      <p:ext uri="{BB962C8B-B14F-4D97-AF65-F5344CB8AC3E}">
+        <p14:creationId xmlns:p14="http://schemas.microsoft.com/office/powerpoint/2010/main" val="3526325253"/>
+      </p:ext>
+    </p:extLst>
+  </p:cSld>
+  <p:clrMapOvr>
+    <a:masterClrMapping/>
+  </p:clrMapOvr>
+</p:sld>
+</file>
+
+<file path=ppt/slides/slide8.xml><?xml version="1.0" encoding="utf-8"?>
+<p:sld xmlns:a="http://schemas.openxmlformats.org/drawingml/2006/main" xmlns:r="http://schemas.openxmlformats.org/officeDocument/2006/relationships" xmlns:p="http://schemas.openxmlformats.org/presentationml/2006/main">
+  <p:cSld>
+    <p:bg>
+      <p:bgPr>
+        <a:solidFill>
+          <a:schemeClr val="bg1"/>
+        </a:solidFill>
+        <a:effectLst/>
+      </p:bgPr>
+    </p:bg>
+    <p:spTree>
+      <p:nvGrpSpPr>
+        <p:cNvPr id="1" name=""/>
+        <p:cNvGrpSpPr/>
+        <p:nvPr/>
+      </p:nvGrpSpPr>
+      <p:grpSpPr>
+        <a:xfrm>
+          <a:off x="0" y="0"/>
+          <a:ext cx="0" cy="0"/>
+          <a:chOff x="0" y="0"/>
+          <a:chExt cx="0" cy="0"/>
+        </a:xfrm>
+      </p:grpSpPr>
+      <p:sp>
+        <p:nvSpPr>
+          <p:cNvPr id="4" name="Заголовок 3">
+            <a:extLst>
+              <a:ext uri="{FF2B5EF4-FFF2-40B4-BE49-F238E27FC236}">
+                <a16:creationId xmlns:a16="http://schemas.microsoft.com/office/drawing/2014/main" id="{4A115AD6-B700-4B08-BB76-3A31B864B8AF}"/>
+              </a:ext>
+            </a:extLst>
+          </p:cNvPr>
+          <p:cNvSpPr>
+            <a:spLocks noGrp="1"/>
+          </p:cNvSpPr>
+          <p:nvPr>
+            <p:ph type="title"/>
+          </p:nvPr>
+        </p:nvSpPr>
+        <p:spPr>
+          <a:xfrm>
+            <a:off x="1914787" y="527288"/>
+            <a:ext cx="8362426" cy="976911"/>
+          </a:xfrm>
+        </p:spPr>
+        <p:txBody>
+          <a:bodyPr>
+            <a:normAutofit/>
+          </a:bodyPr>
+          <a:lstStyle/>
+          <a:p>
+            <a:r>
+              <a:rPr lang="ru-RU" b="1" dirty="0">
+                <a:solidFill>
+                  <a:schemeClr val="accent5">
+                    <a:lumMod val="75000"/>
+                  </a:schemeClr>
+                </a:solidFill>
+              </a:rPr>
+              <a:t>Самостоятельное задание</a:t>
+            </a:r>
+          </a:p>
+        </p:txBody>
+      </p:sp>
+      <p:sp>
+        <p:nvSpPr>
+          <p:cNvPr id="9" name="Заголовок 3">
+            <a:extLst>
+              <a:ext uri="{FF2B5EF4-FFF2-40B4-BE49-F238E27FC236}">
+                <a16:creationId xmlns:a16="http://schemas.microsoft.com/office/drawing/2014/main" id="{7BBA4A03-7F70-4DAE-9489-2F06D46DB9E3}"/>
+              </a:ext>
+            </a:extLst>
+          </p:cNvPr>
+          <p:cNvSpPr txBox="1">
+            <a:spLocks/>
+          </p:cNvSpPr>
+          <p:nvPr/>
+        </p:nvSpPr>
+        <p:spPr>
+          <a:xfrm>
+            <a:off x="4271831" y="2223525"/>
+            <a:ext cx="4490429" cy="1662621"/>
+          </a:xfrm>
+          <a:prstGeom prst="rect">
+            <a:avLst/>
+          </a:prstGeom>
+        </p:spPr>
+        <p:txBody>
+          <a:bodyPr vert="horz" lIns="91440" tIns="45720" rIns="91440" bIns="45720" rtlCol="0" anchor="ctr">
+            <a:normAutofit/>
+          </a:bodyPr>
+          <a:lstStyle>
+            <a:lvl1pPr algn="l" defTabSz="914400" rtl="0" eaLnBrk="1" latinLnBrk="0" hangingPunct="1">
+              <a:lnSpc>
+                <a:spcPct val="90000"/>
+              </a:lnSpc>
+              <a:spcBef>
+                <a:spcPct val="0"/>
+              </a:spcBef>
+              <a:buNone/>
+              <a:defRPr lang="en-US" sz="4000" i="0" kern="1200" cap="none" spc="0" baseline="0" dirty="0">
+                <a:solidFill>
+                  <a:schemeClr val="tx1">
+                    <a:lumMod val="85000"/>
+                    <a:lumOff val="15000"/>
+                  </a:schemeClr>
+                </a:solidFill>
+                <a:effectLst/>
+                <a:latin typeface="+mj-lt"/>
+                <a:ea typeface="+mn-ea"/>
+                <a:cs typeface="+mn-cs"/>
+              </a:defRPr>
+            </a:lvl1pPr>
+          </a:lstStyle>
+          <a:p>
+            <a:endParaRPr lang="ru-RU" sz="2800" b="1" dirty="0"/>
+          </a:p>
+          <a:p>
+            <a:endParaRPr lang="ru-RU" sz="2800" dirty="0">
+              <a:solidFill>
+                <a:srgbClr val="FFC000"/>
+              </a:solidFill>
+            </a:endParaRPr>
+          </a:p>
+        </p:txBody>
+      </p:sp>
+      <p:sp>
+        <p:nvSpPr>
+          <p:cNvPr id="10" name="Заголовок 3">
+            <a:extLst>
+              <a:ext uri="{FF2B5EF4-FFF2-40B4-BE49-F238E27FC236}">
+                <a16:creationId xmlns:a16="http://schemas.microsoft.com/office/drawing/2014/main" id="{BDA02902-0D72-4B20-B34D-D8B0A5DB3DE7}"/>
+              </a:ext>
+            </a:extLst>
+          </p:cNvPr>
+          <p:cNvSpPr txBox="1">
+            <a:spLocks/>
+          </p:cNvSpPr>
+          <p:nvPr/>
+        </p:nvSpPr>
+        <p:spPr>
+          <a:xfrm>
+            <a:off x="1595438" y="824603"/>
+            <a:ext cx="10154383" cy="2350309"/>
+          </a:xfrm>
+          <a:prstGeom prst="rect">
+            <a:avLst/>
+          </a:prstGeom>
+        </p:spPr>
+        <p:txBody>
+          <a:bodyPr vert="horz" lIns="91440" tIns="45720" rIns="91440" bIns="45720" rtlCol="0" anchor="ctr">
+            <a:normAutofit/>
+          </a:bodyPr>
+          <a:lstStyle>
+            <a:lvl1pPr algn="l" defTabSz="914400" rtl="0" eaLnBrk="1" latinLnBrk="0" hangingPunct="1">
+              <a:lnSpc>
+                <a:spcPct val="90000"/>
+              </a:lnSpc>
+              <a:spcBef>
+                <a:spcPct val="0"/>
+              </a:spcBef>
+              <a:buNone/>
+              <a:defRPr lang="en-US" sz="4000" i="0" kern="1200" cap="none" spc="0" baseline="0" dirty="0">
+                <a:solidFill>
+                  <a:schemeClr val="tx1">
+                    <a:lumMod val="85000"/>
+                    <a:lumOff val="15000"/>
+                  </a:schemeClr>
+                </a:solidFill>
+                <a:effectLst/>
+                <a:latin typeface="+mj-lt"/>
+                <a:ea typeface="+mn-ea"/>
+                <a:cs typeface="+mn-cs"/>
+              </a:defRPr>
+            </a:lvl1pPr>
+          </a:lstStyle>
+          <a:p>
+            <a:r>
+              <a:rPr lang="ru-RU" sz="2800" b="1" dirty="0"/>
+              <a:t>Создать анимацию вращения шестеренки</a:t>
+            </a:r>
+          </a:p>
+          <a:p>
+            <a:endParaRPr lang="ru-RU" sz="2800" dirty="0">
+              <a:solidFill>
+                <a:srgbClr val="FFC000"/>
+              </a:solidFill>
+            </a:endParaRPr>
+          </a:p>
+        </p:txBody>
+      </p:sp>
+    </p:spTree>
+    <p:extLst>
+      <p:ext uri="{BB962C8B-B14F-4D97-AF65-F5344CB8AC3E}">
+        <p14:creationId xmlns:p14="http://schemas.microsoft.com/office/powerpoint/2010/main" val="3175867812"/>
+      </p:ext>
+    </p:extLst>
+  </p:cSld>
+  <p:clrMapOvr>
+    <a:masterClrMapping/>
+  </p:clrMapOvr>
+</p:sld>
+</file>
+
+<file path=ppt/slides/slide9.xml><?xml version="1.0" encoding="utf-8"?>
+<p:sld xmlns:a="http://schemas.openxmlformats.org/drawingml/2006/main" xmlns:r="http://schemas.openxmlformats.org/officeDocument/2006/relationships" xmlns:p="http://schemas.openxmlformats.org/presentationml/2006/main">
+  <p:cSld>
+    <p:bg>
+      <p:bgPr>
+        <a:solidFill>
+          <a:schemeClr val="bg1"/>
+        </a:solidFill>
+        <a:effectLst/>
+      </p:bgPr>
+    </p:bg>
+    <p:spTree>
+      <p:nvGrpSpPr>
+        <p:cNvPr id="1" name=""/>
+        <p:cNvGrpSpPr/>
+        <p:nvPr/>
+      </p:nvGrpSpPr>
+      <p:grpSpPr>
+        <a:xfrm>
+          <a:off x="0" y="0"/>
+          <a:ext cx="0" cy="0"/>
+          <a:chOff x="0" y="0"/>
+          <a:chExt cx="0" cy="0"/>
+        </a:xfrm>
+      </p:grpSpPr>
+      <p:sp>
+        <p:nvSpPr>
+          <p:cNvPr id="4" name="Заголовок 3">
+            <a:extLst>
+              <a:ext uri="{FF2B5EF4-FFF2-40B4-BE49-F238E27FC236}">
+                <a16:creationId xmlns:a16="http://schemas.microsoft.com/office/drawing/2014/main" id="{4A115AD6-B700-4B08-BB76-3A31B864B8AF}"/>
+              </a:ext>
+            </a:extLst>
+          </p:cNvPr>
+          <p:cNvSpPr>
+            <a:spLocks noGrp="1"/>
+          </p:cNvSpPr>
+          <p:nvPr>
+            <p:ph type="title"/>
+          </p:nvPr>
+        </p:nvSpPr>
+        <p:spPr>
+          <a:xfrm>
+            <a:off x="3192603" y="445227"/>
+            <a:ext cx="8362426" cy="976911"/>
+          </a:xfrm>
+        </p:spPr>
+        <p:txBody>
+          <a:bodyPr>
+            <a:normAutofit/>
+          </a:bodyPr>
+          <a:lstStyle/>
+          <a:p>
+            <a:r>
+              <a:rPr lang="ru-RU" b="1" dirty="0">
+                <a:solidFill>
+                  <a:schemeClr val="accent5">
+                    <a:lumMod val="75000"/>
+                  </a:schemeClr>
+                </a:solidFill>
+              </a:rPr>
+              <a:t>Анимация в скрипте</a:t>
+            </a:r>
+          </a:p>
+        </p:txBody>
+      </p:sp>
+      <p:sp>
+        <p:nvSpPr>
+          <p:cNvPr id="9" name="Заголовок 3">
+            <a:extLst>
+              <a:ext uri="{FF2B5EF4-FFF2-40B4-BE49-F238E27FC236}">
+                <a16:creationId xmlns:a16="http://schemas.microsoft.com/office/drawing/2014/main" id="{7BBA4A03-7F70-4DAE-9489-2F06D46DB9E3}"/>
+              </a:ext>
+            </a:extLst>
+          </p:cNvPr>
+          <p:cNvSpPr txBox="1">
+            <a:spLocks/>
+          </p:cNvSpPr>
+          <p:nvPr/>
+        </p:nvSpPr>
+        <p:spPr>
+          <a:xfrm>
+            <a:off x="4271831" y="2223525"/>
+            <a:ext cx="4490429" cy="1662621"/>
+          </a:xfrm>
+          <a:prstGeom prst="rect">
+            <a:avLst/>
+          </a:prstGeom>
+        </p:spPr>
+        <p:txBody>
+          <a:bodyPr vert="horz" lIns="91440" tIns="45720" rIns="91440" bIns="45720" rtlCol="0" anchor="ctr">
+            <a:normAutofit/>
+          </a:bodyPr>
+          <a:lstStyle>
+            <a:lvl1pPr algn="l" defTabSz="914400" rtl="0" eaLnBrk="1" latinLnBrk="0" hangingPunct="1">
+              <a:lnSpc>
+                <a:spcPct val="90000"/>
+              </a:lnSpc>
+              <a:spcBef>
+                <a:spcPct val="0"/>
+              </a:spcBef>
+              <a:buNone/>
+              <a:defRPr lang="en-US" sz="4000" i="0" kern="1200" cap="none" spc="0" baseline="0" dirty="0">
+                <a:solidFill>
+                  <a:schemeClr val="tx1">
+                    <a:lumMod val="85000"/>
+                    <a:lumOff val="15000"/>
+                  </a:schemeClr>
+                </a:solidFill>
+                <a:effectLst/>
+                <a:latin typeface="+mj-lt"/>
+                <a:ea typeface="+mn-ea"/>
+                <a:cs typeface="+mn-cs"/>
+              </a:defRPr>
+            </a:lvl1pPr>
+          </a:lstStyle>
+          <a:p>
+            <a:endParaRPr lang="ru-RU" sz="2800" b="1" dirty="0"/>
+          </a:p>
+          <a:p>
+            <a:endParaRPr lang="ru-RU" sz="2800" dirty="0">
+              <a:solidFill>
+                <a:srgbClr val="FFC000"/>
+              </a:solidFill>
+            </a:endParaRPr>
+          </a:p>
+        </p:txBody>
+      </p:sp>
+    </p:spTree>
+    <p:extLst>
+      <p:ext uri="{BB962C8B-B14F-4D97-AF65-F5344CB8AC3E}">
+        <p14:creationId xmlns:p14="http://schemas.microsoft.com/office/powerpoint/2010/main" val="1455843240"/>
       </p:ext>
     </p:extLst>
   </p:cSld>

--- a/Unity/Lesson9/Animation.pptx
+++ b/Unity/Lesson9/Animation.pptx
@@ -5,23 +5,26 @@
     <p:sldMasterId id="2147483673" r:id="rId1"/>
   </p:sldMasterIdLst>
   <p:notesMasterIdLst>
-    <p:notesMasterId r:id="rId13"/>
+    <p:notesMasterId r:id="rId16"/>
   </p:notesMasterIdLst>
   <p:handoutMasterIdLst>
-    <p:handoutMasterId r:id="rId14"/>
+    <p:handoutMasterId r:id="rId17"/>
   </p:handoutMasterIdLst>
   <p:sldIdLst>
     <p:sldId id="257" r:id="rId2"/>
-    <p:sldId id="262" r:id="rId3"/>
-    <p:sldId id="263" r:id="rId4"/>
-    <p:sldId id="261" r:id="rId5"/>
-    <p:sldId id="264" r:id="rId6"/>
-    <p:sldId id="267" r:id="rId7"/>
-    <p:sldId id="269" r:id="rId8"/>
-    <p:sldId id="268" r:id="rId9"/>
-    <p:sldId id="270" r:id="rId10"/>
-    <p:sldId id="265" r:id="rId11"/>
-    <p:sldId id="266" r:id="rId12"/>
+    <p:sldId id="271" r:id="rId3"/>
+    <p:sldId id="270" r:id="rId4"/>
+    <p:sldId id="262" r:id="rId5"/>
+    <p:sldId id="263" r:id="rId6"/>
+    <p:sldId id="261" r:id="rId7"/>
+    <p:sldId id="264" r:id="rId8"/>
+    <p:sldId id="267" r:id="rId9"/>
+    <p:sldId id="269" r:id="rId10"/>
+    <p:sldId id="268" r:id="rId11"/>
+    <p:sldId id="265" r:id="rId12"/>
+    <p:sldId id="266" r:id="rId13"/>
+    <p:sldId id="272" r:id="rId14"/>
+    <p:sldId id="273" r:id="rId15"/>
   </p:sldIdLst>
   <p:sldSz cx="12192000" cy="6858000"/>
   <p:notesSz cx="6858000" cy="9144000"/>
@@ -140,10 +143,41 @@
       </p:ext>
     </p:extLst>
   </p:cmAuthor>
+  <p:cmAuthor id="2" name=" " initials="" lastIdx="5" clrIdx="1">
+    <p:extLst>
+      <p:ext uri="{19B8F6BF-5375-455C-9EA6-DF929625EA0E}">
+        <p15:presenceInfo xmlns:p15="http://schemas.microsoft.com/office/powerpoint/2012/main" userId="478e54c2027d6035" providerId="Windows Live"/>
+      </p:ext>
+    </p:extLst>
+  </p:cmAuthor>
 </p:cmAuthorLst>
 </file>
 
 <file path=ppt/comments/comment1.xml><?xml version="1.0" encoding="utf-8"?>
+<p:cmLst xmlns:a="http://schemas.openxmlformats.org/drawingml/2006/main" xmlns:r="http://schemas.openxmlformats.org/officeDocument/2006/relationships" xmlns:p="http://schemas.openxmlformats.org/presentationml/2006/main">
+  <p:cm authorId="2" dt="2020-11-01T18:44:56.731" idx="1">
+    <p:pos x="10" y="10"/>
+    <p:text>float moveX = Input.GetAxis("Horizontal");
+        Rigidbody2D rb = GetComponent&lt;Rigidbody2D&gt;();
+        rb.MovePosition(rb.position + Vector2.right * moveX * speed); 
+        if ((moveX &gt; 0f &amp;&amp; !isRightSide) || (moveX &lt; 0f &amp;&amp; isRightSide))
+        { 
+            if (moveX != 0f) //Если он не стоит
+            {
+                isRightSide = !isRightSide;
+                transform.localScale = new Vector3(transform.localScale.x * -1, 1f, 1f);
+            }
+        }</p:text>
+    <p:extLst>
+      <p:ext uri="{C676402C-5697-4E1C-873F-D02D1690AC5C}">
+        <p15:threadingInfo xmlns:p15="http://schemas.microsoft.com/office/powerpoint/2012/main" timeZoneBias="-300"/>
+      </p:ext>
+    </p:extLst>
+  </p:cm>
+</p:cmLst>
+</file>
+
+<file path=ppt/comments/comment2.xml><?xml version="1.0" encoding="utf-8"?>
 <p:cmLst xmlns:a="http://schemas.openxmlformats.org/drawingml/2006/main" xmlns:r="http://schemas.openxmlformats.org/officeDocument/2006/relationships" xmlns:p="http://schemas.openxmlformats.org/presentationml/2006/main">
   <p:cm authorId="1" dt="2020-10-30T09:08:48.152" idx="2">
     <p:pos x="10" y="10"/>
@@ -157,7 +191,7 @@
 </p:cmLst>
 </file>
 
-<file path=ppt/comments/comment2.xml><?xml version="1.0" encoding="utf-8"?>
+<file path=ppt/comments/comment3.xml><?xml version="1.0" encoding="utf-8"?>
 <p:cmLst xmlns:a="http://schemas.openxmlformats.org/drawingml/2006/main" xmlns:r="http://schemas.openxmlformats.org/officeDocument/2006/relationships" xmlns:p="http://schemas.openxmlformats.org/presentationml/2006/main">
   <p:cm authorId="1" dt="2020-10-30T09:42:47.234" idx="3">
     <p:pos x="10" y="10"/>
@@ -171,11 +205,62 @@
 </p:cmLst>
 </file>
 
-<file path=ppt/comments/comment3.xml><?xml version="1.0" encoding="utf-8"?>
+<file path=ppt/comments/comment4.xml><?xml version="1.0" encoding="utf-8"?>
 <p:cmLst xmlns:a="http://schemas.openxmlformats.org/drawingml/2006/main" xmlns:r="http://schemas.openxmlformats.org/officeDocument/2006/relationships" xmlns:p="http://schemas.openxmlformats.org/presentationml/2006/main">
   <p:cm authorId="1" dt="2020-10-30T09:08:48.152" idx="2">
     <p:pos x="10" y="10"/>
     <p:text>Закидываем монетку на сцену, идем Window-Animation, там кнопка Create, создаем файл с новой анимацией,далее addProperty и для кадлого кадра настраивем scale. Внимательно, последний кадр обычно далеко вправо, его нужно подтянуть на действительно последний за верхний ромбик</p:text>
+    <p:extLst>
+      <p:ext uri="{C676402C-5697-4E1C-873F-D02D1690AC5C}">
+        <p15:threadingInfo xmlns:p15="http://schemas.microsoft.com/office/powerpoint/2012/main" timeZoneBias="-300"/>
+      </p:ext>
+    </p:extLst>
+  </p:cm>
+</p:cmLst>
+</file>
+
+<file path=ppt/comments/comment5.xml><?xml version="1.0" encoding="utf-8"?>
+<p:cmLst xmlns:a="http://schemas.openxmlformats.org/drawingml/2006/main" xmlns:r="http://schemas.openxmlformats.org/officeDocument/2006/relationships" xmlns:p="http://schemas.openxmlformats.org/presentationml/2006/main">
+  <p:cm authorId="2" dt="2020-11-01T22:41:51.978" idx="2">
+    <p:pos x="10" y="10"/>
+    <p:text>сначала создаем пустую анимацию для состояния покоя и анимацию для хотьбы. Затем переходи в окно аниматора и настраиваем анимацию, по умолчанию анимация покая, а для anystate - хотьба. Добавляем флаг isWalk для определения .</p:text>
+    <p:extLst>
+      <p:ext uri="{C676402C-5697-4E1C-873F-D02D1690AC5C}">
+        <p15:threadingInfo xmlns:p15="http://schemas.microsoft.com/office/powerpoint/2012/main" timeZoneBias="-300"/>
+      </p:ext>
+    </p:extLst>
+  </p:cm>
+</p:cmLst>
+</file>
+
+<file path=ppt/comments/comment6.xml><?xml version="1.0" encoding="utf-8"?>
+<p:cmLst xmlns:a="http://schemas.openxmlformats.org/drawingml/2006/main" xmlns:r="http://schemas.openxmlformats.org/officeDocument/2006/relationships" xmlns:p="http://schemas.openxmlformats.org/presentationml/2006/main">
+  <p:cm authorId="2" dt="2020-11-01T22:56:44.048" idx="3">
+    <p:pos x="6325" y="1245"/>
+    <p:text>При нажатии на стрелку нужно задавать условия Condition</p:text>
+    <p:extLst>
+      <p:ext uri="{C676402C-5697-4E1C-873F-D02D1690AC5C}">
+        <p15:threadingInfo xmlns:p15="http://schemas.microsoft.com/office/powerpoint/2012/main" timeZoneBias="-300"/>
+      </p:ext>
+    </p:extLst>
+  </p:cm>
+  <p:cm authorId="2" dt="2020-11-01T22:57:19.848" idx="5">
+    <p:pos x="6325" y="1381"/>
+    <p:text>if(moveX != 0F)
+            GetComponent&lt;Animator&gt;().SetBool("isWalk", true);
+        else
+            GetComponent&lt;Animator&gt;().SetBool("isWalk", false);</p:text>
+    <p:extLst>
+      <p:ext uri="{C676402C-5697-4E1C-873F-D02D1690AC5C}">
+        <p15:threadingInfo xmlns:p15="http://schemas.microsoft.com/office/powerpoint/2012/main" timeZoneBias="-300">
+          <p15:parentCm authorId="2" idx="3"/>
+        </p15:threadingInfo>
+      </p:ext>
+    </p:extLst>
+  </p:cm>
+  <p:cm authorId="2" dt="2020-11-01T22:57:07.437" idx="4">
+    <p:pos x="10" y="10"/>
+    <p:text/>
     <p:extLst>
       <p:ext uri="{C676402C-5697-4E1C-873F-D02D1690AC5C}">
         <p15:threadingInfo xmlns:p15="http://schemas.microsoft.com/office/powerpoint/2012/main" timeZoneBias="-300"/>
@@ -269,7 +354,7 @@
             <a:pPr rtl="0"/>
             <a:fld id="{6B5C320A-F5C8-4FD6-86FF-35D2EBF085B6}" type="datetime1">
               <a:rPr lang="ru-RU" smtClean="0"/>
-              <a:t>30.10.2020</a:t>
+              <a:t>01.11.2020</a:t>
             </a:fld>
             <a:endParaRPr lang="en-US" dirty="0"/>
           </a:p>
@@ -439,7 +524,7 @@
             <a:pPr rtl="0"/>
             <a:fld id="{15C702C7-E599-40D9-B30E-0392896973B5}" type="datetime1">
               <a:rPr lang="ru-RU" smtClean="0"/>
-              <a:t>30.10.2020</a:t>
+              <a:t>01.11.2020</a:t>
             </a:fld>
             <a:endParaRPr lang="en-US"/>
           </a:p>
@@ -1184,7 +1269,7 @@
             <a:pPr rtl="0"/>
             <a:fld id="{6506E9A3-1561-45B7-908B-DACC52528ABB}" type="datetime1">
               <a:rPr lang="ru-RU" smtClean="0"/>
-              <a:t>30.10.2020</a:t>
+              <a:t>01.11.2020</a:t>
             </a:fld>
             <a:endParaRPr lang="en-US" dirty="0"/>
           </a:p>
@@ -1390,7 +1475,7 @@
             <a:pPr rtl="0"/>
             <a:fld id="{3E92B999-6CB2-48D4-8AF6-3D1A5D13436B}" type="datetime1">
               <a:rPr lang="ru-RU" smtClean="0"/>
-              <a:t>30.10.2020</a:t>
+              <a:t>01.11.2020</a:t>
             </a:fld>
             <a:endParaRPr lang="en-US"/>
           </a:p>
@@ -1574,7 +1659,7 @@
             <a:pPr rtl="0"/>
             <a:fld id="{B52C98DB-1092-48C4-AD4E-BD3E9D2E2345}" type="datetime1">
               <a:rPr lang="ru-RU" smtClean="0"/>
-              <a:t>30.10.2020</a:t>
+              <a:t>01.11.2020</a:t>
             </a:fld>
             <a:endParaRPr lang="en-US"/>
           </a:p>
@@ -1748,7 +1833,7 @@
             <a:pPr rtl="0"/>
             <a:fld id="{629C2F20-7994-4D1E-A01C-96ECBA4612EB}" type="datetime1">
               <a:rPr lang="ru-RU" smtClean="0"/>
-              <a:t>30.10.2020</a:t>
+              <a:t>01.11.2020</a:t>
             </a:fld>
             <a:endParaRPr lang="en-US"/>
           </a:p>
@@ -2351,7 +2436,7 @@
             <a:pPr rtl="0"/>
             <a:fld id="{7B2CE4EA-3B49-4A00-ADF3-7C7272A626C1}" type="datetime1">
               <a:rPr lang="ru-RU" smtClean="0"/>
-              <a:t>30.10.2020</a:t>
+              <a:t>01.11.2020</a:t>
             </a:fld>
             <a:endParaRPr lang="en-US" dirty="0"/>
           </a:p>
@@ -2675,7 +2760,7 @@
             <a:pPr rtl="0"/>
             <a:fld id="{9A16848F-27AD-43B9-904C-1CF05D24EB3C}" type="datetime1">
               <a:rPr lang="ru-RU" smtClean="0"/>
-              <a:t>30.10.2020</a:t>
+              <a:t>01.11.2020</a:t>
             </a:fld>
             <a:endParaRPr lang="en-US"/>
           </a:p>
@@ -3116,7 +3201,7 @@
             <a:pPr rtl="0"/>
             <a:fld id="{23090412-2DE5-405A-816E-F08FB54EB168}" type="datetime1">
               <a:rPr lang="ru-RU" smtClean="0"/>
-              <a:t>30.10.2020</a:t>
+              <a:t>01.11.2020</a:t>
             </a:fld>
             <a:endParaRPr lang="en-US"/>
           </a:p>
@@ -3238,7 +3323,7 @@
             <a:pPr rtl="0"/>
             <a:fld id="{F4C2D7CB-4DC1-4BB7-BF00-4C36160857E0}" type="datetime1">
               <a:rPr lang="ru-RU" smtClean="0"/>
-              <a:t>30.10.2020</a:t>
+              <a:t>01.11.2020</a:t>
             </a:fld>
             <a:endParaRPr lang="en-US"/>
           </a:p>
@@ -3336,7 +3421,7 @@
             <a:pPr rtl="0"/>
             <a:fld id="{4060D38F-E364-4ED4-9BF4-D7F00FFBE76A}" type="datetime1">
               <a:rPr lang="ru-RU" smtClean="0"/>
-              <a:t>30.10.2020</a:t>
+              <a:t>01.11.2020</a:t>
             </a:fld>
             <a:endParaRPr lang="en-US"/>
           </a:p>
@@ -3757,7 +3842,7 @@
             <a:pPr rtl="0"/>
             <a:fld id="{F183FEFD-AB08-4CB5-AE4D-2F6B12D8E3B0}" type="datetime1">
               <a:rPr lang="ru-RU" smtClean="0"/>
-              <a:t>30.10.2020</a:t>
+              <a:t>01.11.2020</a:t>
             </a:fld>
             <a:endParaRPr lang="en-US"/>
           </a:p>
@@ -4022,7 +4107,7 @@
             <a:pPr rtl="0"/>
             <a:fld id="{EBEA1583-5CEF-4E36-A7FC-D34B7E954D76}" type="datetime1">
               <a:rPr lang="ru-RU" smtClean="0"/>
-              <a:t>30.10.2020</a:t>
+              <a:t>01.11.2020</a:t>
             </a:fld>
             <a:endParaRPr lang="en-US" dirty="0"/>
           </a:p>
@@ -4542,7 +4627,7 @@
             <a:pPr rtl="0"/>
             <a:fld id="{1068A786-B8BF-4988-ACBA-DD9B5BC8D522}" type="datetime1">
               <a:rPr lang="ru-RU" smtClean="0"/>
-              <a:t>30.10.2020</a:t>
+              <a:t>01.11.2020</a:t>
             </a:fld>
             <a:endParaRPr lang="en-US" dirty="0"/>
           </a:p>
@@ -5294,39 +5379,25 @@
         </p:nvSpPr>
         <p:spPr>
           <a:xfrm>
-            <a:off x="1882066" y="512065"/>
-            <a:ext cx="9001957" cy="976911"/>
+            <a:off x="1914787" y="527288"/>
+            <a:ext cx="8362426" cy="976911"/>
           </a:xfrm>
         </p:spPr>
         <p:txBody>
           <a:bodyPr>
-            <a:normAutofit fontScale="90000"/>
+            <a:normAutofit/>
           </a:bodyPr>
           <a:lstStyle/>
           <a:p>
             <a:r>
-              <a:rPr lang="az-Cyrl-AZ" b="1" dirty="0">
+              <a:rPr lang="ru-RU" b="1" dirty="0">
                 <a:solidFill>
-                  <a:srgbClr val="FFC000"/>
+                  <a:schemeClr val="accent5">
+                    <a:lumMod val="75000"/>
+                  </a:schemeClr>
                 </a:solidFill>
               </a:rPr>
-              <a:t>Анима</a:t>
-            </a:r>
-            <a:r>
-              <a:rPr lang="ru-RU" b="1" dirty="0" err="1">
-                <a:solidFill>
-                  <a:srgbClr val="FFC000"/>
-                </a:solidFill>
-              </a:rPr>
-              <a:t>ция</a:t>
-            </a:r>
-            <a:r>
-              <a:rPr lang="ru-RU" b="1" dirty="0">
-                <a:solidFill>
-                  <a:srgbClr val="FFC000"/>
-                </a:solidFill>
-              </a:rPr>
-              <a:t> – просто набор кадров</a:t>
+              <a:t>Самостоятельное задание</a:t>
             </a:r>
           </a:p>
         </p:txBody>
@@ -5393,57 +5464,75 @@
           </a:p>
         </p:txBody>
       </p:sp>
-      <p:pic>
-        <p:nvPicPr>
-          <p:cNvPr id="5" name="Picture 2" descr="Примеры технологий в анимации. Понятие и виды анимации">
+      <p:sp>
+        <p:nvSpPr>
+          <p:cNvPr id="10" name="Заголовок 3">
             <a:extLst>
               <a:ext uri="{FF2B5EF4-FFF2-40B4-BE49-F238E27FC236}">
-                <a16:creationId xmlns:a16="http://schemas.microsoft.com/office/drawing/2014/main" id="{C6FA8253-AB8C-4AF2-B10D-0B6F516A5685}"/>
+                <a16:creationId xmlns:a16="http://schemas.microsoft.com/office/drawing/2014/main" id="{BDA02902-0D72-4B20-B34D-D8B0A5DB3DE7}"/>
               </a:ext>
             </a:extLst>
           </p:cNvPr>
-          <p:cNvPicPr>
-            <a:picLocks noChangeAspect="1" noChangeArrowheads="1"/>
-          </p:cNvPicPr>
+          <p:cNvSpPr txBox="1">
+            <a:spLocks/>
+          </p:cNvSpPr>
           <p:nvPr/>
-        </p:nvPicPr>
-        <p:blipFill>
-          <a:blip r:embed="rId2">
-            <a:extLst>
-              <a:ext uri="{28A0092B-C50C-407E-A947-70E740481C1C}">
-                <a14:useLocalDpi xmlns:a14="http://schemas.microsoft.com/office/drawing/2010/main" val="0"/>
-              </a:ext>
-            </a:extLst>
-          </a:blip>
-          <a:srcRect/>
-          <a:stretch>
-            <a:fillRect/>
-          </a:stretch>
-        </p:blipFill>
-        <p:spPr bwMode="auto">
-          <a:xfrm>
-            <a:off x="2174566" y="1733826"/>
-            <a:ext cx="7842867" cy="3590710"/>
+        </p:nvSpPr>
+        <p:spPr>
+          <a:xfrm>
+            <a:off x="1595438" y="824603"/>
+            <a:ext cx="10154383" cy="2350309"/>
           </a:xfrm>
           <a:prstGeom prst="rect">
             <a:avLst/>
           </a:prstGeom>
-          <a:noFill/>
-          <a:extLst>
-            <a:ext uri="{909E8E84-426E-40DD-AFC4-6F175D3DCCD1}">
-              <a14:hiddenFill xmlns:a14="http://schemas.microsoft.com/office/drawing/2010/main">
+        </p:spPr>
+        <p:txBody>
+          <a:bodyPr vert="horz" lIns="91440" tIns="45720" rIns="91440" bIns="45720" rtlCol="0" anchor="ctr">
+            <a:normAutofit/>
+          </a:bodyPr>
+          <a:lstStyle>
+            <a:lvl1pPr algn="l" defTabSz="914400" rtl="0" eaLnBrk="1" latinLnBrk="0" hangingPunct="1">
+              <a:lnSpc>
+                <a:spcPct val="90000"/>
+              </a:lnSpc>
+              <a:spcBef>
+                <a:spcPct val="0"/>
+              </a:spcBef>
+              <a:buNone/>
+              <a:defRPr lang="en-US" sz="4000" i="0" kern="1200" cap="none" spc="0" baseline="0" dirty="0">
                 <a:solidFill>
-                  <a:srgbClr val="FFFFFF"/>
+                  <a:schemeClr val="tx1">
+                    <a:lumMod val="85000"/>
+                    <a:lumOff val="15000"/>
+                  </a:schemeClr>
                 </a:solidFill>
-              </a14:hiddenFill>
-            </a:ext>
-          </a:extLst>
-        </p:spPr>
-      </p:pic>
+                <a:effectLst/>
+                <a:latin typeface="+mj-lt"/>
+                <a:ea typeface="+mn-ea"/>
+                <a:cs typeface="+mn-cs"/>
+              </a:defRPr>
+            </a:lvl1pPr>
+          </a:lstStyle>
+          <a:p>
+            <a:r>
+              <a:rPr lang="ru-RU" sz="2800" b="1" dirty="0"/>
+              <a:t>Создать анимацию вращения шестеренки</a:t>
+            </a:r>
+          </a:p>
+          <a:p>
+            <a:endParaRPr lang="ru-RU" sz="2800" dirty="0">
+              <a:solidFill>
+                <a:srgbClr val="FFC000"/>
+              </a:solidFill>
+            </a:endParaRPr>
+          </a:p>
+        </p:txBody>
+      </p:sp>
     </p:spTree>
     <p:extLst>
       <p:ext uri="{BB962C8B-B14F-4D97-AF65-F5344CB8AC3E}">
-        <p14:creationId xmlns:p14="http://schemas.microsoft.com/office/powerpoint/2010/main" val="1654560545"/>
+        <p14:creationId xmlns:p14="http://schemas.microsoft.com/office/powerpoint/2010/main" val="3175867812"/>
       </p:ext>
     </p:extLst>
   </p:cSld>
@@ -5496,13 +5585,13 @@
         </p:nvSpPr>
         <p:spPr>
           <a:xfrm>
-            <a:off x="2556769" y="472451"/>
-            <a:ext cx="8966447" cy="1751074"/>
+            <a:off x="1882066" y="512065"/>
+            <a:ext cx="9001957" cy="976911"/>
           </a:xfrm>
         </p:spPr>
         <p:txBody>
           <a:bodyPr>
-            <a:normAutofit/>
+            <a:normAutofit fontScale="90000"/>
           </a:bodyPr>
           <a:lstStyle/>
           <a:p>
@@ -5512,13 +5601,24 @@
                   <a:srgbClr val="FFC000"/>
                 </a:solidFill>
               </a:rPr>
-              <a:t>Аниматор – компонент, управляющий анимацией </a:t>
-            </a:r>
-            <a:endParaRPr lang="ru-RU" b="1" dirty="0">
-              <a:solidFill>
-                <a:srgbClr val="FFC000"/>
-              </a:solidFill>
-            </a:endParaRPr>
+              <a:t>Анима</a:t>
+            </a:r>
+            <a:r>
+              <a:rPr lang="ru-RU" b="1" dirty="0" err="1">
+                <a:solidFill>
+                  <a:srgbClr val="FFC000"/>
+                </a:solidFill>
+              </a:rPr>
+              <a:t>ция</a:t>
+            </a:r>
+            <a:r>
+              <a:rPr lang="ru-RU" b="1" dirty="0">
+                <a:solidFill>
+                  <a:srgbClr val="FFC000"/>
+                </a:solidFill>
+              </a:rPr>
+              <a:t> – просто набор кадров</a:t>
+            </a:r>
           </a:p>
         </p:txBody>
       </p:sp>
@@ -5584,10 +5684,805 @@
           </a:p>
         </p:txBody>
       </p:sp>
+      <p:pic>
+        <p:nvPicPr>
+          <p:cNvPr id="5" name="Picture 2" descr="Примеры технологий в анимации. Понятие и виды анимации">
+            <a:extLst>
+              <a:ext uri="{FF2B5EF4-FFF2-40B4-BE49-F238E27FC236}">
+                <a16:creationId xmlns:a16="http://schemas.microsoft.com/office/drawing/2014/main" id="{C6FA8253-AB8C-4AF2-B10D-0B6F516A5685}"/>
+              </a:ext>
+            </a:extLst>
+          </p:cNvPr>
+          <p:cNvPicPr>
+            <a:picLocks noChangeAspect="1" noChangeArrowheads="1"/>
+          </p:cNvPicPr>
+          <p:nvPr/>
+        </p:nvPicPr>
+        <p:blipFill>
+          <a:blip r:embed="rId2">
+            <a:extLst>
+              <a:ext uri="{28A0092B-C50C-407E-A947-70E740481C1C}">
+                <a14:useLocalDpi xmlns:a14="http://schemas.microsoft.com/office/drawing/2010/main" val="0"/>
+              </a:ext>
+            </a:extLst>
+          </a:blip>
+          <a:srcRect/>
+          <a:stretch>
+            <a:fillRect/>
+          </a:stretch>
+        </p:blipFill>
+        <p:spPr bwMode="auto">
+          <a:xfrm>
+            <a:off x="2174566" y="1733826"/>
+            <a:ext cx="7842867" cy="3590710"/>
+          </a:xfrm>
+          <a:prstGeom prst="rect">
+            <a:avLst/>
+          </a:prstGeom>
+          <a:noFill/>
+          <a:extLst>
+            <a:ext uri="{909E8E84-426E-40DD-AFC4-6F175D3DCCD1}">
+              <a14:hiddenFill xmlns:a14="http://schemas.microsoft.com/office/drawing/2010/main">
+                <a:solidFill>
+                  <a:srgbClr val="FFFFFF"/>
+                </a:solidFill>
+              </a14:hiddenFill>
+            </a:ext>
+          </a:extLst>
+        </p:spPr>
+      </p:pic>
+    </p:spTree>
+    <p:extLst>
+      <p:ext uri="{BB962C8B-B14F-4D97-AF65-F5344CB8AC3E}">
+        <p14:creationId xmlns:p14="http://schemas.microsoft.com/office/powerpoint/2010/main" val="1654560545"/>
+      </p:ext>
+    </p:extLst>
+  </p:cSld>
+  <p:clrMapOvr>
+    <a:masterClrMapping/>
+  </p:clrMapOvr>
+</p:sld>
+</file>
+
+<file path=ppt/slides/slide12.xml><?xml version="1.0" encoding="utf-8"?>
+<p:sld xmlns:a="http://schemas.openxmlformats.org/drawingml/2006/main" xmlns:r="http://schemas.openxmlformats.org/officeDocument/2006/relationships" xmlns:p="http://schemas.openxmlformats.org/presentationml/2006/main">
+  <p:cSld>
+    <p:bg>
+      <p:bgPr>
+        <a:solidFill>
+          <a:schemeClr val="bg1"/>
+        </a:solidFill>
+        <a:effectLst/>
+      </p:bgPr>
+    </p:bg>
+    <p:spTree>
+      <p:nvGrpSpPr>
+        <p:cNvPr id="1" name=""/>
+        <p:cNvGrpSpPr/>
+        <p:nvPr/>
+      </p:nvGrpSpPr>
+      <p:grpSpPr>
+        <a:xfrm>
+          <a:off x="0" y="0"/>
+          <a:ext cx="0" cy="0"/>
+          <a:chOff x="0" y="0"/>
+          <a:chExt cx="0" cy="0"/>
+        </a:xfrm>
+      </p:grpSpPr>
+      <p:sp>
+        <p:nvSpPr>
+          <p:cNvPr id="4" name="Заголовок 3">
+            <a:extLst>
+              <a:ext uri="{FF2B5EF4-FFF2-40B4-BE49-F238E27FC236}">
+                <a16:creationId xmlns:a16="http://schemas.microsoft.com/office/drawing/2014/main" id="{4A115AD6-B700-4B08-BB76-3A31B864B8AF}"/>
+              </a:ext>
+            </a:extLst>
+          </p:cNvPr>
+          <p:cNvSpPr>
+            <a:spLocks noGrp="1"/>
+          </p:cNvSpPr>
+          <p:nvPr>
+            <p:ph type="title"/>
+          </p:nvPr>
+        </p:nvSpPr>
+        <p:spPr>
+          <a:xfrm>
+            <a:off x="2970493" y="414265"/>
+            <a:ext cx="7405378" cy="1179886"/>
+          </a:xfrm>
+        </p:spPr>
+        <p:txBody>
+          <a:bodyPr>
+            <a:normAutofit fontScale="90000"/>
+          </a:bodyPr>
+          <a:lstStyle/>
+          <a:p>
+            <a:r>
+              <a:rPr lang="az-Cyrl-AZ" b="1" dirty="0">
+                <a:solidFill>
+                  <a:srgbClr val="FFC000"/>
+                </a:solidFill>
+              </a:rPr>
+              <a:t>Аниматор – компонент, управляющий анимацией </a:t>
+            </a:r>
+            <a:endParaRPr lang="ru-RU" b="1" dirty="0">
+              <a:solidFill>
+                <a:srgbClr val="FFC000"/>
+              </a:solidFill>
+            </a:endParaRPr>
+          </a:p>
+        </p:txBody>
+      </p:sp>
+      <p:sp>
+        <p:nvSpPr>
+          <p:cNvPr id="9" name="Заголовок 3">
+            <a:extLst>
+              <a:ext uri="{FF2B5EF4-FFF2-40B4-BE49-F238E27FC236}">
+                <a16:creationId xmlns:a16="http://schemas.microsoft.com/office/drawing/2014/main" id="{7BBA4A03-7F70-4DAE-9489-2F06D46DB9E3}"/>
+              </a:ext>
+            </a:extLst>
+          </p:cNvPr>
+          <p:cNvSpPr txBox="1">
+            <a:spLocks/>
+          </p:cNvSpPr>
+          <p:nvPr/>
+        </p:nvSpPr>
+        <p:spPr>
+          <a:xfrm>
+            <a:off x="4271831" y="2223525"/>
+            <a:ext cx="4490429" cy="1662621"/>
+          </a:xfrm>
+          <a:prstGeom prst="rect">
+            <a:avLst/>
+          </a:prstGeom>
+        </p:spPr>
+        <p:txBody>
+          <a:bodyPr vert="horz" lIns="91440" tIns="45720" rIns="91440" bIns="45720" rtlCol="0" anchor="ctr">
+            <a:normAutofit/>
+          </a:bodyPr>
+          <a:lstStyle>
+            <a:lvl1pPr algn="l" defTabSz="914400" rtl="0" eaLnBrk="1" latinLnBrk="0" hangingPunct="1">
+              <a:lnSpc>
+                <a:spcPct val="90000"/>
+              </a:lnSpc>
+              <a:spcBef>
+                <a:spcPct val="0"/>
+              </a:spcBef>
+              <a:buNone/>
+              <a:defRPr lang="en-US" sz="4000" i="0" kern="1200" cap="none" spc="0" baseline="0" dirty="0">
+                <a:solidFill>
+                  <a:schemeClr val="tx1">
+                    <a:lumMod val="85000"/>
+                    <a:lumOff val="15000"/>
+                  </a:schemeClr>
+                </a:solidFill>
+                <a:effectLst/>
+                <a:latin typeface="+mj-lt"/>
+                <a:ea typeface="+mn-ea"/>
+                <a:cs typeface="+mn-cs"/>
+              </a:defRPr>
+            </a:lvl1pPr>
+          </a:lstStyle>
+          <a:p>
+            <a:endParaRPr lang="ru-RU" sz="2800" b="1" dirty="0"/>
+          </a:p>
+          <a:p>
+            <a:endParaRPr lang="ru-RU" sz="2800" dirty="0">
+              <a:solidFill>
+                <a:srgbClr val="FFC000"/>
+              </a:solidFill>
+            </a:endParaRPr>
+          </a:p>
+        </p:txBody>
+      </p:sp>
+      <p:pic>
+        <p:nvPicPr>
+          <p:cNvPr id="3" name="Рисунок 2">
+            <a:extLst>
+              <a:ext uri="{FF2B5EF4-FFF2-40B4-BE49-F238E27FC236}">
+                <a16:creationId xmlns:a16="http://schemas.microsoft.com/office/drawing/2014/main" id="{17EBAF00-8378-4EA5-96C4-E32154F644CB}"/>
+              </a:ext>
+            </a:extLst>
+          </p:cNvPr>
+          <p:cNvPicPr>
+            <a:picLocks noChangeAspect="1"/>
+          </p:cNvPicPr>
+          <p:nvPr/>
+        </p:nvPicPr>
+        <p:blipFill>
+          <a:blip r:embed="rId2">
+            <a:extLst>
+              <a:ext uri="{28A0092B-C50C-407E-A947-70E740481C1C}">
+                <a14:useLocalDpi xmlns:a14="http://schemas.microsoft.com/office/drawing/2010/main" val="0"/>
+              </a:ext>
+            </a:extLst>
+          </a:blip>
+          <a:stretch>
+            <a:fillRect/>
+          </a:stretch>
+        </p:blipFill>
+        <p:spPr>
+          <a:xfrm>
+            <a:off x="2529980" y="2223525"/>
+            <a:ext cx="762000" cy="1047750"/>
+          </a:xfrm>
+          <a:prstGeom prst="rect">
+            <a:avLst/>
+          </a:prstGeom>
+        </p:spPr>
+      </p:pic>
+      <p:pic>
+        <p:nvPicPr>
+          <p:cNvPr id="6" name="Рисунок 5">
+            <a:extLst>
+              <a:ext uri="{FF2B5EF4-FFF2-40B4-BE49-F238E27FC236}">
+                <a16:creationId xmlns:a16="http://schemas.microsoft.com/office/drawing/2014/main" id="{412BD904-FF55-4ADB-8CE2-AC7404BEF9C6}"/>
+              </a:ext>
+            </a:extLst>
+          </p:cNvPr>
+          <p:cNvPicPr>
+            <a:picLocks noChangeAspect="1"/>
+          </p:cNvPicPr>
+          <p:nvPr/>
+        </p:nvPicPr>
+        <p:blipFill>
+          <a:blip r:embed="rId3">
+            <a:extLst>
+              <a:ext uri="{28A0092B-C50C-407E-A947-70E740481C1C}">
+                <a14:useLocalDpi xmlns:a14="http://schemas.microsoft.com/office/drawing/2010/main" val="0"/>
+              </a:ext>
+            </a:extLst>
+          </a:blip>
+          <a:stretch>
+            <a:fillRect/>
+          </a:stretch>
+        </p:blipFill>
+        <p:spPr>
+          <a:xfrm>
+            <a:off x="7858006" y="2223525"/>
+            <a:ext cx="762000" cy="1047750"/>
+          </a:xfrm>
+          <a:prstGeom prst="rect">
+            <a:avLst/>
+          </a:prstGeom>
+        </p:spPr>
+      </p:pic>
+      <p:pic>
+        <p:nvPicPr>
+          <p:cNvPr id="8" name="Рисунок 7">
+            <a:extLst>
+              <a:ext uri="{FF2B5EF4-FFF2-40B4-BE49-F238E27FC236}">
+                <a16:creationId xmlns:a16="http://schemas.microsoft.com/office/drawing/2014/main" id="{A9D319E6-C4FB-4AD1-92E0-453061799F5A}"/>
+              </a:ext>
+            </a:extLst>
+          </p:cNvPr>
+          <p:cNvPicPr>
+            <a:picLocks noChangeAspect="1"/>
+          </p:cNvPicPr>
+          <p:nvPr/>
+        </p:nvPicPr>
+        <p:blipFill>
+          <a:blip r:embed="rId4">
+            <a:extLst>
+              <a:ext uri="{28A0092B-C50C-407E-A947-70E740481C1C}">
+                <a14:useLocalDpi xmlns:a14="http://schemas.microsoft.com/office/drawing/2010/main" val="0"/>
+              </a:ext>
+            </a:extLst>
+          </a:blip>
+          <a:stretch>
+            <a:fillRect/>
+          </a:stretch>
+        </p:blipFill>
+        <p:spPr>
+          <a:xfrm>
+            <a:off x="9271774" y="2223525"/>
+            <a:ext cx="762000" cy="1047750"/>
+          </a:xfrm>
+          <a:prstGeom prst="rect">
+            <a:avLst/>
+          </a:prstGeom>
+        </p:spPr>
+      </p:pic>
+      <p:sp>
+        <p:nvSpPr>
+          <p:cNvPr id="10" name="TextBox 9">
+            <a:extLst>
+              <a:ext uri="{FF2B5EF4-FFF2-40B4-BE49-F238E27FC236}">
+                <a16:creationId xmlns:a16="http://schemas.microsoft.com/office/drawing/2014/main" id="{4890AF5D-321B-4696-A1DA-B2BDACAA67E5}"/>
+              </a:ext>
+            </a:extLst>
+          </p:cNvPr>
+          <p:cNvSpPr txBox="1"/>
+          <p:nvPr/>
+        </p:nvSpPr>
+        <p:spPr>
+          <a:xfrm>
+            <a:off x="1749646" y="3328311"/>
+            <a:ext cx="2475358" cy="1323439"/>
+          </a:xfrm>
+          <a:prstGeom prst="rect">
+            <a:avLst/>
+          </a:prstGeom>
+          <a:noFill/>
+        </p:spPr>
+        <p:txBody>
+          <a:bodyPr wrap="none" rtlCol="0">
+            <a:spAutoFit/>
+          </a:bodyPr>
+          <a:lstStyle/>
+          <a:p>
+            <a:r>
+              <a:rPr lang="ru-RU" sz="2000" b="1" dirty="0"/>
+              <a:t>Состояние покоя</a:t>
+            </a:r>
+            <a:endParaRPr lang="en-US" sz="2000" b="1" dirty="0"/>
+          </a:p>
+          <a:p>
+            <a:endParaRPr lang="en-US" sz="2000" b="1" dirty="0"/>
+          </a:p>
+          <a:p>
+            <a:endParaRPr lang="en-US" sz="2000" b="1" dirty="0"/>
+          </a:p>
+          <a:p>
+            <a:r>
+              <a:rPr lang="en-US" sz="2000" b="1" dirty="0"/>
+              <a:t>bool </a:t>
+            </a:r>
+            <a:r>
+              <a:rPr lang="en-US" sz="2000" b="1" dirty="0" err="1"/>
+              <a:t>isWalk</a:t>
+            </a:r>
+            <a:r>
+              <a:rPr lang="en-US" sz="2000" b="1" dirty="0"/>
+              <a:t> = false</a:t>
+            </a:r>
+            <a:endParaRPr lang="ru-RU" sz="2000" b="1" dirty="0"/>
+          </a:p>
+        </p:txBody>
+      </p:sp>
+      <p:sp>
+        <p:nvSpPr>
+          <p:cNvPr id="12" name="TextBox 11">
+            <a:extLst>
+              <a:ext uri="{FF2B5EF4-FFF2-40B4-BE49-F238E27FC236}">
+                <a16:creationId xmlns:a16="http://schemas.microsoft.com/office/drawing/2014/main" id="{24863252-0597-4E72-A6C3-97D2D46876E5}"/>
+              </a:ext>
+            </a:extLst>
+          </p:cNvPr>
+          <p:cNvSpPr txBox="1"/>
+          <p:nvPr/>
+        </p:nvSpPr>
+        <p:spPr>
+          <a:xfrm>
+            <a:off x="7552662" y="3328311"/>
+            <a:ext cx="2959465" cy="1631216"/>
+          </a:xfrm>
+          <a:prstGeom prst="rect">
+            <a:avLst/>
+          </a:prstGeom>
+          <a:noFill/>
+        </p:spPr>
+        <p:txBody>
+          <a:bodyPr wrap="none" rtlCol="0">
+            <a:spAutoFit/>
+          </a:bodyPr>
+          <a:lstStyle/>
+          <a:p>
+            <a:r>
+              <a:rPr lang="ru-RU" sz="2000" b="1" dirty="0"/>
+              <a:t>Состояние движения</a:t>
+            </a:r>
+            <a:endParaRPr lang="en-US" sz="2000" b="1" dirty="0"/>
+          </a:p>
+          <a:p>
+            <a:endParaRPr lang="en-US" sz="2000" b="1" dirty="0"/>
+          </a:p>
+          <a:p>
+            <a:endParaRPr lang="en-US" sz="2000" b="1" dirty="0"/>
+          </a:p>
+          <a:p>
+            <a:r>
+              <a:rPr lang="en-US" sz="2000" b="1" dirty="0"/>
+              <a:t>bool </a:t>
+            </a:r>
+            <a:r>
+              <a:rPr lang="en-US" sz="2000" b="1" dirty="0" err="1"/>
+              <a:t>isWalk</a:t>
+            </a:r>
+            <a:r>
+              <a:rPr lang="en-US" sz="2000" b="1" dirty="0"/>
+              <a:t> = true</a:t>
+            </a:r>
+            <a:endParaRPr lang="ru-RU" sz="2000" b="1" dirty="0"/>
+          </a:p>
+          <a:p>
+            <a:endParaRPr lang="ru-RU" sz="2000" b="1" dirty="0"/>
+          </a:p>
+        </p:txBody>
+      </p:sp>
     </p:spTree>
     <p:extLst>
       <p:ext uri="{BB962C8B-B14F-4D97-AF65-F5344CB8AC3E}">
         <p14:creationId xmlns:p14="http://schemas.microsoft.com/office/powerpoint/2010/main" val="1541017144"/>
+      </p:ext>
+    </p:extLst>
+  </p:cSld>
+  <p:clrMapOvr>
+    <a:masterClrMapping/>
+  </p:clrMapOvr>
+</p:sld>
+</file>
+
+<file path=ppt/slides/slide13.xml><?xml version="1.0" encoding="utf-8"?>
+<p:sld xmlns:a="http://schemas.openxmlformats.org/drawingml/2006/main" xmlns:r="http://schemas.openxmlformats.org/officeDocument/2006/relationships" xmlns:p="http://schemas.openxmlformats.org/presentationml/2006/main">
+  <p:cSld>
+    <p:bg>
+      <p:bgPr>
+        <a:solidFill>
+          <a:schemeClr val="bg1"/>
+        </a:solidFill>
+        <a:effectLst/>
+      </p:bgPr>
+    </p:bg>
+    <p:spTree>
+      <p:nvGrpSpPr>
+        <p:cNvPr id="1" name=""/>
+        <p:cNvGrpSpPr/>
+        <p:nvPr/>
+      </p:nvGrpSpPr>
+      <p:grpSpPr>
+        <a:xfrm>
+          <a:off x="0" y="0"/>
+          <a:ext cx="0" cy="0"/>
+          <a:chOff x="0" y="0"/>
+          <a:chExt cx="0" cy="0"/>
+        </a:xfrm>
+      </p:grpSpPr>
+      <p:sp>
+        <p:nvSpPr>
+          <p:cNvPr id="4" name="Заголовок 3">
+            <a:extLst>
+              <a:ext uri="{FF2B5EF4-FFF2-40B4-BE49-F238E27FC236}">
+                <a16:creationId xmlns:a16="http://schemas.microsoft.com/office/drawing/2014/main" id="{4A115AD6-B700-4B08-BB76-3A31B864B8AF}"/>
+              </a:ext>
+            </a:extLst>
+          </p:cNvPr>
+          <p:cNvSpPr>
+            <a:spLocks noGrp="1"/>
+          </p:cNvSpPr>
+          <p:nvPr>
+            <p:ph type="title"/>
+          </p:nvPr>
+        </p:nvSpPr>
+        <p:spPr>
+          <a:xfrm>
+            <a:off x="2970493" y="414265"/>
+            <a:ext cx="7405378" cy="1179886"/>
+          </a:xfrm>
+        </p:spPr>
+        <p:txBody>
+          <a:bodyPr>
+            <a:normAutofit fontScale="90000"/>
+          </a:bodyPr>
+          <a:lstStyle/>
+          <a:p>
+            <a:r>
+              <a:rPr lang="az-Cyrl-AZ" b="1" dirty="0">
+                <a:solidFill>
+                  <a:srgbClr val="FFC000"/>
+                </a:solidFill>
+              </a:rPr>
+              <a:t>Аниматор – компонент, управляющий анимацией </a:t>
+            </a:r>
+            <a:endParaRPr lang="ru-RU" b="1" dirty="0">
+              <a:solidFill>
+                <a:srgbClr val="FFC000"/>
+              </a:solidFill>
+            </a:endParaRPr>
+          </a:p>
+        </p:txBody>
+      </p:sp>
+      <p:sp>
+        <p:nvSpPr>
+          <p:cNvPr id="9" name="Заголовок 3">
+            <a:extLst>
+              <a:ext uri="{FF2B5EF4-FFF2-40B4-BE49-F238E27FC236}">
+                <a16:creationId xmlns:a16="http://schemas.microsoft.com/office/drawing/2014/main" id="{7BBA4A03-7F70-4DAE-9489-2F06D46DB9E3}"/>
+              </a:ext>
+            </a:extLst>
+          </p:cNvPr>
+          <p:cNvSpPr txBox="1">
+            <a:spLocks/>
+          </p:cNvSpPr>
+          <p:nvPr/>
+        </p:nvSpPr>
+        <p:spPr>
+          <a:xfrm>
+            <a:off x="4271831" y="2223525"/>
+            <a:ext cx="4490429" cy="1662621"/>
+          </a:xfrm>
+          <a:prstGeom prst="rect">
+            <a:avLst/>
+          </a:prstGeom>
+        </p:spPr>
+        <p:txBody>
+          <a:bodyPr vert="horz" lIns="91440" tIns="45720" rIns="91440" bIns="45720" rtlCol="0" anchor="ctr">
+            <a:normAutofit/>
+          </a:bodyPr>
+          <a:lstStyle>
+            <a:lvl1pPr algn="l" defTabSz="914400" rtl="0" eaLnBrk="1" latinLnBrk="0" hangingPunct="1">
+              <a:lnSpc>
+                <a:spcPct val="90000"/>
+              </a:lnSpc>
+              <a:spcBef>
+                <a:spcPct val="0"/>
+              </a:spcBef>
+              <a:buNone/>
+              <a:defRPr lang="en-US" sz="4000" i="0" kern="1200" cap="none" spc="0" baseline="0" dirty="0">
+                <a:solidFill>
+                  <a:schemeClr val="tx1">
+                    <a:lumMod val="85000"/>
+                    <a:lumOff val="15000"/>
+                  </a:schemeClr>
+                </a:solidFill>
+                <a:effectLst/>
+                <a:latin typeface="+mj-lt"/>
+                <a:ea typeface="+mn-ea"/>
+                <a:cs typeface="+mn-cs"/>
+              </a:defRPr>
+            </a:lvl1pPr>
+          </a:lstStyle>
+          <a:p>
+            <a:endParaRPr lang="ru-RU" sz="2800" b="1" dirty="0"/>
+          </a:p>
+          <a:p>
+            <a:endParaRPr lang="ru-RU" sz="2800" dirty="0">
+              <a:solidFill>
+                <a:srgbClr val="FFC000"/>
+              </a:solidFill>
+            </a:endParaRPr>
+          </a:p>
+        </p:txBody>
+      </p:sp>
+      <p:pic>
+        <p:nvPicPr>
+          <p:cNvPr id="5" name="Рисунок 4">
+            <a:extLst>
+              <a:ext uri="{FF2B5EF4-FFF2-40B4-BE49-F238E27FC236}">
+                <a16:creationId xmlns:a16="http://schemas.microsoft.com/office/drawing/2014/main" id="{CA0F0657-EB09-4BA2-9F8B-01AF9E1C06E6}"/>
+              </a:ext>
+            </a:extLst>
+          </p:cNvPr>
+          <p:cNvPicPr>
+            <a:picLocks noChangeAspect="1"/>
+          </p:cNvPicPr>
+          <p:nvPr/>
+        </p:nvPicPr>
+        <p:blipFill rotWithShape="1">
+          <a:blip r:embed="rId2"/>
+          <a:srcRect l="14896" t="11678" r="20394" b="32623"/>
+          <a:stretch/>
+        </p:blipFill>
+        <p:spPr>
+          <a:xfrm>
+            <a:off x="2151327" y="1977135"/>
+            <a:ext cx="7889346" cy="3818021"/>
+          </a:xfrm>
+          <a:prstGeom prst="rect">
+            <a:avLst/>
+          </a:prstGeom>
+        </p:spPr>
+      </p:pic>
+    </p:spTree>
+    <p:extLst>
+      <p:ext uri="{BB962C8B-B14F-4D97-AF65-F5344CB8AC3E}">
+        <p14:creationId xmlns:p14="http://schemas.microsoft.com/office/powerpoint/2010/main" val="4098046075"/>
+      </p:ext>
+    </p:extLst>
+  </p:cSld>
+  <p:clrMapOvr>
+    <a:masterClrMapping/>
+  </p:clrMapOvr>
+</p:sld>
+</file>
+
+<file path=ppt/slides/slide14.xml><?xml version="1.0" encoding="utf-8"?>
+<p:sld xmlns:a="http://schemas.openxmlformats.org/drawingml/2006/main" xmlns:r="http://schemas.openxmlformats.org/officeDocument/2006/relationships" xmlns:p="http://schemas.openxmlformats.org/presentationml/2006/main">
+  <p:cSld>
+    <p:bg>
+      <p:bgPr>
+        <a:solidFill>
+          <a:schemeClr val="bg1"/>
+        </a:solidFill>
+        <a:effectLst/>
+      </p:bgPr>
+    </p:bg>
+    <p:spTree>
+      <p:nvGrpSpPr>
+        <p:cNvPr id="1" name=""/>
+        <p:cNvGrpSpPr/>
+        <p:nvPr/>
+      </p:nvGrpSpPr>
+      <p:grpSpPr>
+        <a:xfrm>
+          <a:off x="0" y="0"/>
+          <a:ext cx="0" cy="0"/>
+          <a:chOff x="0" y="0"/>
+          <a:chExt cx="0" cy="0"/>
+        </a:xfrm>
+      </p:grpSpPr>
+      <p:sp>
+        <p:nvSpPr>
+          <p:cNvPr id="4" name="Заголовок 3">
+            <a:extLst>
+              <a:ext uri="{FF2B5EF4-FFF2-40B4-BE49-F238E27FC236}">
+                <a16:creationId xmlns:a16="http://schemas.microsoft.com/office/drawing/2014/main" id="{4A115AD6-B700-4B08-BB76-3A31B864B8AF}"/>
+              </a:ext>
+            </a:extLst>
+          </p:cNvPr>
+          <p:cNvSpPr>
+            <a:spLocks noGrp="1"/>
+          </p:cNvSpPr>
+          <p:nvPr>
+            <p:ph type="title"/>
+          </p:nvPr>
+        </p:nvSpPr>
+        <p:spPr>
+          <a:xfrm>
+            <a:off x="1914787" y="527288"/>
+            <a:ext cx="8362426" cy="976911"/>
+          </a:xfrm>
+        </p:spPr>
+        <p:txBody>
+          <a:bodyPr>
+            <a:normAutofit/>
+          </a:bodyPr>
+          <a:lstStyle/>
+          <a:p>
+            <a:r>
+              <a:rPr lang="ru-RU" b="1" dirty="0">
+                <a:solidFill>
+                  <a:schemeClr val="accent5">
+                    <a:lumMod val="75000"/>
+                  </a:schemeClr>
+                </a:solidFill>
+              </a:rPr>
+              <a:t>Самостоятельное задание</a:t>
+            </a:r>
+          </a:p>
+        </p:txBody>
+      </p:sp>
+      <p:sp>
+        <p:nvSpPr>
+          <p:cNvPr id="9" name="Заголовок 3">
+            <a:extLst>
+              <a:ext uri="{FF2B5EF4-FFF2-40B4-BE49-F238E27FC236}">
+                <a16:creationId xmlns:a16="http://schemas.microsoft.com/office/drawing/2014/main" id="{7BBA4A03-7F70-4DAE-9489-2F06D46DB9E3}"/>
+              </a:ext>
+            </a:extLst>
+          </p:cNvPr>
+          <p:cNvSpPr txBox="1">
+            <a:spLocks/>
+          </p:cNvSpPr>
+          <p:nvPr/>
+        </p:nvSpPr>
+        <p:spPr>
+          <a:xfrm>
+            <a:off x="4271831" y="2223525"/>
+            <a:ext cx="4490429" cy="1662621"/>
+          </a:xfrm>
+          <a:prstGeom prst="rect">
+            <a:avLst/>
+          </a:prstGeom>
+        </p:spPr>
+        <p:txBody>
+          <a:bodyPr vert="horz" lIns="91440" tIns="45720" rIns="91440" bIns="45720" rtlCol="0" anchor="ctr">
+            <a:normAutofit/>
+          </a:bodyPr>
+          <a:lstStyle>
+            <a:lvl1pPr algn="l" defTabSz="914400" rtl="0" eaLnBrk="1" latinLnBrk="0" hangingPunct="1">
+              <a:lnSpc>
+                <a:spcPct val="90000"/>
+              </a:lnSpc>
+              <a:spcBef>
+                <a:spcPct val="0"/>
+              </a:spcBef>
+              <a:buNone/>
+              <a:defRPr lang="en-US" sz="4000" i="0" kern="1200" cap="none" spc="0" baseline="0" dirty="0">
+                <a:solidFill>
+                  <a:schemeClr val="tx1">
+                    <a:lumMod val="85000"/>
+                    <a:lumOff val="15000"/>
+                  </a:schemeClr>
+                </a:solidFill>
+                <a:effectLst/>
+                <a:latin typeface="+mj-lt"/>
+                <a:ea typeface="+mn-ea"/>
+                <a:cs typeface="+mn-cs"/>
+              </a:defRPr>
+            </a:lvl1pPr>
+          </a:lstStyle>
+          <a:p>
+            <a:endParaRPr lang="ru-RU" sz="2800" b="1" dirty="0"/>
+          </a:p>
+          <a:p>
+            <a:endParaRPr lang="ru-RU" sz="2800" dirty="0">
+              <a:solidFill>
+                <a:srgbClr val="FFC000"/>
+              </a:solidFill>
+            </a:endParaRPr>
+          </a:p>
+        </p:txBody>
+      </p:sp>
+      <p:sp>
+        <p:nvSpPr>
+          <p:cNvPr id="10" name="Заголовок 3">
+            <a:extLst>
+              <a:ext uri="{FF2B5EF4-FFF2-40B4-BE49-F238E27FC236}">
+                <a16:creationId xmlns:a16="http://schemas.microsoft.com/office/drawing/2014/main" id="{BDA02902-0D72-4B20-B34D-D8B0A5DB3DE7}"/>
+              </a:ext>
+            </a:extLst>
+          </p:cNvPr>
+          <p:cNvSpPr txBox="1">
+            <a:spLocks/>
+          </p:cNvSpPr>
+          <p:nvPr/>
+        </p:nvSpPr>
+        <p:spPr>
+          <a:xfrm>
+            <a:off x="1058780" y="824603"/>
+            <a:ext cx="10691042" cy="2816955"/>
+          </a:xfrm>
+          <a:prstGeom prst="rect">
+            <a:avLst/>
+          </a:prstGeom>
+        </p:spPr>
+        <p:txBody>
+          <a:bodyPr vert="horz" lIns="91440" tIns="45720" rIns="91440" bIns="45720" rtlCol="0" anchor="ctr">
+            <a:normAutofit/>
+          </a:bodyPr>
+          <a:lstStyle>
+            <a:lvl1pPr algn="l" defTabSz="914400" rtl="0" eaLnBrk="1" latinLnBrk="0" hangingPunct="1">
+              <a:lnSpc>
+                <a:spcPct val="90000"/>
+              </a:lnSpc>
+              <a:spcBef>
+                <a:spcPct val="0"/>
+              </a:spcBef>
+              <a:buNone/>
+              <a:defRPr lang="en-US" sz="4000" i="0" kern="1200" cap="none" spc="0" baseline="0" dirty="0">
+                <a:solidFill>
+                  <a:schemeClr val="tx1">
+                    <a:lumMod val="85000"/>
+                    <a:lumOff val="15000"/>
+                  </a:schemeClr>
+                </a:solidFill>
+                <a:effectLst/>
+                <a:latin typeface="+mj-lt"/>
+                <a:ea typeface="+mn-ea"/>
+                <a:cs typeface="+mn-cs"/>
+              </a:defRPr>
+            </a:lvl1pPr>
+          </a:lstStyle>
+          <a:p>
+            <a:r>
+              <a:rPr lang="ru-RU" sz="2800" b="1" dirty="0"/>
+              <a:t>Добавить еще одно анимационное состояние для персонажа </a:t>
+            </a:r>
+          </a:p>
+          <a:p>
+            <a:endParaRPr lang="ru-RU" sz="2800" dirty="0">
+              <a:solidFill>
+                <a:srgbClr val="FFC000"/>
+              </a:solidFill>
+            </a:endParaRPr>
+          </a:p>
+        </p:txBody>
+      </p:sp>
+    </p:spTree>
+    <p:extLst>
+      <p:ext uri="{BB962C8B-B14F-4D97-AF65-F5344CB8AC3E}">
+        <p14:creationId xmlns:p14="http://schemas.microsoft.com/office/powerpoint/2010/main" val="3806697577"/>
       </p:ext>
     </p:extLst>
   </p:cSld>
@@ -5661,95 +6556,99 @@
           </a:p>
         </p:txBody>
       </p:sp>
-      <p:pic>
-        <p:nvPicPr>
-          <p:cNvPr id="1026" name="Picture 2" descr="Примеры технологий в анимации. Понятие и виды анимации">
+      <p:sp>
+        <p:nvSpPr>
+          <p:cNvPr id="6" name="TextBox 5">
             <a:extLst>
               <a:ext uri="{FF2B5EF4-FFF2-40B4-BE49-F238E27FC236}">
-                <a16:creationId xmlns:a16="http://schemas.microsoft.com/office/drawing/2014/main" id="{D3CC4E10-2A1E-414A-BA24-B38B79A816EE}"/>
+                <a16:creationId xmlns:a16="http://schemas.microsoft.com/office/drawing/2014/main" id="{82ABB636-5F6B-422A-8333-80D38C4E2B34}"/>
               </a:ext>
             </a:extLst>
           </p:cNvPr>
-          <p:cNvPicPr>
-            <a:picLocks noChangeAspect="1" noChangeArrowheads="1"/>
-          </p:cNvPicPr>
+          <p:cNvSpPr txBox="1"/>
           <p:nvPr/>
-        </p:nvPicPr>
-        <p:blipFill>
-          <a:blip r:embed="rId2">
-            <a:extLst>
-              <a:ext uri="{28A0092B-C50C-407E-A947-70E740481C1C}">
-                <a14:useLocalDpi xmlns:a14="http://schemas.microsoft.com/office/drawing/2010/main" val="0"/>
-              </a:ext>
-            </a:extLst>
-          </a:blip>
-          <a:srcRect/>
-          <a:stretch>
-            <a:fillRect/>
-          </a:stretch>
-        </p:blipFill>
-        <p:spPr bwMode="auto">
-          <a:xfrm>
-            <a:off x="1047565" y="1494129"/>
-            <a:ext cx="7842867" cy="3590710"/>
+        </p:nvSpPr>
+        <p:spPr>
+          <a:xfrm>
+            <a:off x="1047565" y="1773758"/>
+            <a:ext cx="6096000" cy="2479974"/>
           </a:xfrm>
           <a:prstGeom prst="rect">
             <a:avLst/>
           </a:prstGeom>
           <a:noFill/>
-          <a:extLst>
-            <a:ext uri="{909E8E84-426E-40DD-AFC4-6F175D3DCCD1}">
-              <a14:hiddenFill xmlns:a14="http://schemas.microsoft.com/office/drawing/2010/main">
-                <a:solidFill>
-                  <a:srgbClr val="FFFFFF"/>
-                </a:solidFill>
-              </a14:hiddenFill>
-            </a:ext>
-          </a:extLst>
-        </p:spPr>
-      </p:pic>
-      <p:sp>
-        <p:nvSpPr>
-          <p:cNvPr id="2" name="TextBox 1">
-            <a:extLst>
-              <a:ext uri="{FF2B5EF4-FFF2-40B4-BE49-F238E27FC236}">
-                <a16:creationId xmlns:a16="http://schemas.microsoft.com/office/drawing/2014/main" id="{9DC586E9-A104-4475-847F-BCBCCD5D94CF}"/>
-              </a:ext>
-            </a:extLst>
-          </p:cNvPr>
-          <p:cNvSpPr txBox="1"/>
-          <p:nvPr/>
-        </p:nvSpPr>
-        <p:spPr>
-          <a:xfrm>
-            <a:off x="1047565" y="5477522"/>
-            <a:ext cx="5360763" cy="707886"/>
-          </a:xfrm>
-          <a:prstGeom prst="rect">
-            <a:avLst/>
-          </a:prstGeom>
-          <a:noFill/>
-        </p:spPr>
-        <p:txBody>
-          <a:bodyPr wrap="none" rtlCol="0">
+        </p:spPr>
+        <p:txBody>
+          <a:bodyPr wrap="square">
             <a:spAutoFit/>
           </a:bodyPr>
           <a:lstStyle/>
           <a:p>
-            <a:r>
-              <a:rPr lang="ru-RU" sz="2000" dirty="0"/>
-              <a:t>Как быстро происходит смена кадров?</a:t>
-            </a:r>
-          </a:p>
-          <a:p>
-            <a:endParaRPr lang="ru-RU" sz="2000" dirty="0"/>
+            <a:pPr fontAlgn="base">
+              <a:lnSpc>
+                <a:spcPct val="150000"/>
+              </a:lnSpc>
+              <a:buFont typeface="Arial" panose="020B0604020202020204" pitchFamily="34" charset="0"/>
+              <a:buChar char="•"/>
+            </a:pPr>
+            <a:r>
+              <a:rPr lang="ru-RU" sz="3600" b="0" i="0" u="none" strike="noStrike" dirty="0">
+                <a:solidFill>
+                  <a:schemeClr val="accent5">
+                    <a:lumMod val="50000"/>
+                  </a:schemeClr>
+                </a:solidFill>
+                <a:effectLst/>
+              </a:rPr>
+              <a:t> скрипты</a:t>
+            </a:r>
+          </a:p>
+          <a:p>
+            <a:pPr fontAlgn="base">
+              <a:lnSpc>
+                <a:spcPct val="150000"/>
+              </a:lnSpc>
+              <a:buFont typeface="Arial" panose="020B0604020202020204" pitchFamily="34" charset="0"/>
+              <a:buChar char="•"/>
+            </a:pPr>
+            <a:r>
+              <a:rPr lang="ru-RU" sz="3600" b="0" i="0" u="none" strike="noStrike" dirty="0">
+                <a:solidFill>
+                  <a:schemeClr val="accent5">
+                    <a:lumMod val="50000"/>
+                  </a:schemeClr>
+                </a:solidFill>
+                <a:effectLst/>
+              </a:rPr>
+              <a:t> кадры</a:t>
+            </a:r>
+          </a:p>
+          <a:p>
+            <a:pPr fontAlgn="base">
+              <a:lnSpc>
+                <a:spcPct val="150000"/>
+              </a:lnSpc>
+              <a:buFont typeface="Arial" panose="020B0604020202020204" pitchFamily="34" charset="0"/>
+              <a:buChar char="•"/>
+            </a:pPr>
+            <a:r>
+              <a:rPr lang="ru-RU" sz="3600" b="0" i="0" u="none" strike="noStrike" dirty="0">
+                <a:solidFill>
+                  <a:schemeClr val="accent5">
+                    <a:lumMod val="50000"/>
+                  </a:schemeClr>
+                </a:solidFill>
+                <a:effectLst/>
+              </a:rPr>
+              <a:t> скелеты.</a:t>
+            </a:r>
           </a:p>
         </p:txBody>
       </p:sp>
     </p:spTree>
     <p:extLst>
       <p:ext uri="{BB962C8B-B14F-4D97-AF65-F5344CB8AC3E}">
-        <p14:creationId xmlns:p14="http://schemas.microsoft.com/office/powerpoint/2010/main" val="125239072"/>
+        <p14:creationId xmlns:p14="http://schemas.microsoft.com/office/powerpoint/2010/main" val="3405771140"/>
       </p:ext>
     </p:extLst>
   </p:cSld>
@@ -5802,12 +6701,14 @@
         </p:nvSpPr>
         <p:spPr>
           <a:xfrm>
-            <a:off x="4543073" y="392930"/>
-            <a:ext cx="3105853" cy="976911"/>
-          </a:xfrm>
-        </p:spPr>
-        <p:txBody>
-          <a:bodyPr/>
+            <a:off x="3192603" y="445227"/>
+            <a:ext cx="8362426" cy="976911"/>
+          </a:xfrm>
+        </p:spPr>
+        <p:txBody>
+          <a:bodyPr>
+            <a:normAutofit/>
+          </a:bodyPr>
           <a:lstStyle/>
           <a:p>
             <a:r>
@@ -5818,7 +6719,7 @@
                   </a:schemeClr>
                 </a:solidFill>
               </a:rPr>
-              <a:t>Анимация</a:t>
+              <a:t>Анимация в скрипте</a:t>
             </a:r>
           </a:p>
         </p:txBody>
@@ -5839,8 +6740,8 @@
         </p:nvSpPr>
         <p:spPr>
           <a:xfrm>
-            <a:off x="4254075" y="2396971"/>
-            <a:ext cx="4667983" cy="2350309"/>
+            <a:off x="4271831" y="2223525"/>
+            <a:ext cx="4490429" cy="1662621"/>
           </a:xfrm>
           <a:prstGeom prst="rect">
             <a:avLst/>
@@ -5874,14 +6775,7 @@
             </a:lvl1pPr>
           </a:lstStyle>
           <a:p>
-            <a:r>
-              <a:rPr lang="ru-RU" sz="2800" dirty="0">
-                <a:solidFill>
-                  <a:srgbClr val="FFC000"/>
-                </a:solidFill>
-              </a:rPr>
-              <a:t>Ссылка на ресурсы</a:t>
-            </a:r>
+            <a:endParaRPr lang="ru-RU" sz="2800" b="1" dirty="0"/>
           </a:p>
           <a:p>
             <a:endParaRPr lang="ru-RU" sz="2800" dirty="0">
@@ -5890,33 +6784,242 @@
               </a:solidFill>
             </a:endParaRPr>
           </a:p>
-          <a:p>
-            <a:endParaRPr lang="ru-RU" sz="2800" dirty="0">
-              <a:solidFill>
-                <a:srgbClr val="FFC000"/>
-              </a:solidFill>
-            </a:endParaRPr>
-          </a:p>
-          <a:p>
-            <a:r>
-              <a:rPr lang="en-US" sz="2800" b="1" dirty="0"/>
-              <a:t>https://goo.su/2pRa</a:t>
-            </a:r>
-            <a:endParaRPr lang="ru-RU" sz="2800" b="1" dirty="0"/>
-          </a:p>
-          <a:p>
-            <a:endParaRPr lang="ru-RU" sz="2800" dirty="0">
-              <a:solidFill>
-                <a:srgbClr val="FFC000"/>
-              </a:solidFill>
-            </a:endParaRPr>
+        </p:txBody>
+      </p:sp>
+      <p:pic>
+        <p:nvPicPr>
+          <p:cNvPr id="3" name="Рисунок 2">
+            <a:extLst>
+              <a:ext uri="{FF2B5EF4-FFF2-40B4-BE49-F238E27FC236}">
+                <a16:creationId xmlns:a16="http://schemas.microsoft.com/office/drawing/2014/main" id="{8F57678E-EF2D-4DDD-89F8-D8A9F12D8329}"/>
+              </a:ext>
+            </a:extLst>
+          </p:cNvPr>
+          <p:cNvPicPr>
+            <a:picLocks noChangeAspect="1"/>
+          </p:cNvPicPr>
+          <p:nvPr/>
+        </p:nvPicPr>
+        <p:blipFill>
+          <a:blip r:embed="rId2">
+            <a:extLst>
+              <a:ext uri="{28A0092B-C50C-407E-A947-70E740481C1C}">
+                <a14:useLocalDpi xmlns:a14="http://schemas.microsoft.com/office/drawing/2010/main" val="0"/>
+              </a:ext>
+            </a:extLst>
+          </a:blip>
+          <a:stretch>
+            <a:fillRect/>
+          </a:stretch>
+        </p:blipFill>
+        <p:spPr>
+          <a:xfrm>
+            <a:off x="2149366" y="1813654"/>
+            <a:ext cx="762000" cy="1047750"/>
+          </a:xfrm>
+          <a:prstGeom prst="rect">
+            <a:avLst/>
+          </a:prstGeom>
+        </p:spPr>
+      </p:pic>
+      <p:pic>
+        <p:nvPicPr>
+          <p:cNvPr id="6" name="Рисунок 5">
+            <a:extLst>
+              <a:ext uri="{FF2B5EF4-FFF2-40B4-BE49-F238E27FC236}">
+                <a16:creationId xmlns:a16="http://schemas.microsoft.com/office/drawing/2014/main" id="{6FC13556-021D-4839-8B4D-4D8539F1A797}"/>
+              </a:ext>
+            </a:extLst>
+          </p:cNvPr>
+          <p:cNvPicPr>
+            <a:picLocks noChangeAspect="1"/>
+          </p:cNvPicPr>
+          <p:nvPr/>
+        </p:nvPicPr>
+        <p:blipFill>
+          <a:blip r:embed="rId3">
+            <a:extLst>
+              <a:ext uri="{28A0092B-C50C-407E-A947-70E740481C1C}">
+                <a14:useLocalDpi xmlns:a14="http://schemas.microsoft.com/office/drawing/2010/main" val="0"/>
+              </a:ext>
+            </a:extLst>
+          </a:blip>
+          <a:stretch>
+            <a:fillRect/>
+          </a:stretch>
+        </p:blipFill>
+        <p:spPr>
+          <a:xfrm>
+            <a:off x="517543" y="2861404"/>
+            <a:ext cx="5350120" cy="895350"/>
+          </a:xfrm>
+          <a:prstGeom prst="rect">
+            <a:avLst/>
+          </a:prstGeom>
+        </p:spPr>
+      </p:pic>
+      <p:pic>
+        <p:nvPicPr>
+          <p:cNvPr id="7" name="Рисунок 6">
+            <a:extLst>
+              <a:ext uri="{FF2B5EF4-FFF2-40B4-BE49-F238E27FC236}">
+                <a16:creationId xmlns:a16="http://schemas.microsoft.com/office/drawing/2014/main" id="{D35A458B-D620-4B5A-84CB-859FC444C5F9}"/>
+              </a:ext>
+            </a:extLst>
+          </p:cNvPr>
+          <p:cNvPicPr>
+            <a:picLocks noChangeAspect="1"/>
+          </p:cNvPicPr>
+          <p:nvPr/>
+        </p:nvPicPr>
+        <p:blipFill>
+          <a:blip r:embed="rId2">
+            <a:extLst>
+              <a:ext uri="{28A0092B-C50C-407E-A947-70E740481C1C}">
+                <a14:useLocalDpi xmlns:a14="http://schemas.microsoft.com/office/drawing/2010/main" val="0"/>
+              </a:ext>
+            </a:extLst>
+          </a:blip>
+          <a:stretch>
+            <a:fillRect/>
+          </a:stretch>
+        </p:blipFill>
+        <p:spPr>
+          <a:xfrm>
+            <a:off x="7228128" y="3639783"/>
+            <a:ext cx="762000" cy="1047750"/>
+          </a:xfrm>
+          <a:prstGeom prst="rect">
+            <a:avLst/>
+          </a:prstGeom>
+          <a:scene3d>
+            <a:camera prst="orthographicFront">
+              <a:rot lat="600000" lon="10800000" rev="0"/>
+            </a:camera>
+            <a:lightRig rig="threePt" dir="t"/>
+          </a:scene3d>
+        </p:spPr>
+      </p:pic>
+      <p:pic>
+        <p:nvPicPr>
+          <p:cNvPr id="11" name="Рисунок 10">
+            <a:extLst>
+              <a:ext uri="{FF2B5EF4-FFF2-40B4-BE49-F238E27FC236}">
+                <a16:creationId xmlns:a16="http://schemas.microsoft.com/office/drawing/2014/main" id="{9A0D3E7C-2087-4A47-B963-6E907AA2E38B}"/>
+              </a:ext>
+            </a:extLst>
+          </p:cNvPr>
+          <p:cNvPicPr>
+            <a:picLocks noChangeAspect="1"/>
+          </p:cNvPicPr>
+          <p:nvPr/>
+        </p:nvPicPr>
+        <p:blipFill>
+          <a:blip r:embed="rId3">
+            <a:extLst>
+              <a:ext uri="{28A0092B-C50C-407E-A947-70E740481C1C}">
+                <a14:useLocalDpi xmlns:a14="http://schemas.microsoft.com/office/drawing/2010/main" val="0"/>
+              </a:ext>
+            </a:extLst>
+          </a:blip>
+          <a:stretch>
+            <a:fillRect/>
+          </a:stretch>
+        </p:blipFill>
+        <p:spPr>
+          <a:xfrm>
+            <a:off x="6324337" y="4687533"/>
+            <a:ext cx="5350120" cy="895350"/>
+          </a:xfrm>
+          <a:prstGeom prst="rect">
+            <a:avLst/>
+          </a:prstGeom>
+        </p:spPr>
+      </p:pic>
+      <p:sp>
+        <p:nvSpPr>
+          <p:cNvPr id="15" name="TextBox 14">
+            <a:extLst>
+              <a:ext uri="{FF2B5EF4-FFF2-40B4-BE49-F238E27FC236}">
+                <a16:creationId xmlns:a16="http://schemas.microsoft.com/office/drawing/2014/main" id="{C0B6EDB2-98D2-4B8B-9D66-3E8EC05ECAFA}"/>
+              </a:ext>
+            </a:extLst>
+          </p:cNvPr>
+          <p:cNvSpPr txBox="1"/>
+          <p:nvPr/>
+        </p:nvSpPr>
+        <p:spPr>
+          <a:xfrm>
+            <a:off x="3192603" y="1869582"/>
+            <a:ext cx="2974096" cy="707886"/>
+          </a:xfrm>
+          <a:prstGeom prst="rect">
+            <a:avLst/>
+          </a:prstGeom>
+          <a:noFill/>
+        </p:spPr>
+        <p:txBody>
+          <a:bodyPr wrap="square">
+            <a:spAutoFit/>
+          </a:bodyPr>
+          <a:lstStyle/>
+          <a:p>
+            <a:r>
+              <a:rPr lang="en-US" sz="4000" dirty="0"/>
+              <a:t>s</a:t>
+            </a:r>
+            <a:r>
+              <a:rPr lang="ru-RU" sz="4000" dirty="0" err="1"/>
+              <a:t>cale.x</a:t>
+            </a:r>
+            <a:endParaRPr lang="ru-RU" sz="4000" dirty="0"/>
+          </a:p>
+        </p:txBody>
+      </p:sp>
+      <p:sp>
+        <p:nvSpPr>
+          <p:cNvPr id="17" name="TextBox 16">
+            <a:extLst>
+              <a:ext uri="{FF2B5EF4-FFF2-40B4-BE49-F238E27FC236}">
+                <a16:creationId xmlns:a16="http://schemas.microsoft.com/office/drawing/2014/main" id="{F5CA2DB8-4CC1-4873-BFD3-C62770123CFA}"/>
+              </a:ext>
+            </a:extLst>
+          </p:cNvPr>
+          <p:cNvSpPr txBox="1"/>
+          <p:nvPr/>
+        </p:nvSpPr>
+        <p:spPr>
+          <a:xfrm>
+            <a:off x="8345244" y="3932896"/>
+            <a:ext cx="2974096" cy="707886"/>
+          </a:xfrm>
+          <a:prstGeom prst="rect">
+            <a:avLst/>
+          </a:prstGeom>
+          <a:noFill/>
+        </p:spPr>
+        <p:txBody>
+          <a:bodyPr wrap="square">
+            <a:spAutoFit/>
+          </a:bodyPr>
+          <a:lstStyle/>
+          <a:p>
+            <a:r>
+              <a:rPr lang="en-US" sz="4000" dirty="0"/>
+              <a:t>-1 * s</a:t>
+            </a:r>
+            <a:r>
+              <a:rPr lang="ru-RU" sz="4000" dirty="0" err="1"/>
+              <a:t>cale.x</a:t>
+            </a:r>
+            <a:endParaRPr lang="ru-RU" sz="4000" dirty="0"/>
           </a:p>
         </p:txBody>
       </p:sp>
     </p:spTree>
     <p:extLst>
       <p:ext uri="{BB962C8B-B14F-4D97-AF65-F5344CB8AC3E}">
-        <p14:creationId xmlns:p14="http://schemas.microsoft.com/office/powerpoint/2010/main" val="2114233866"/>
+        <p14:creationId xmlns:p14="http://schemas.microsoft.com/office/powerpoint/2010/main" val="1455843240"/>
       </p:ext>
     </p:extLst>
   </p:cSld>
@@ -5951,79 +7054,134 @@
           <a:chExt cx="0" cy="0"/>
         </a:xfrm>
       </p:grpSpPr>
+      <p:sp>
+        <p:nvSpPr>
+          <p:cNvPr id="4" name="Заголовок 3">
+            <a:extLst>
+              <a:ext uri="{FF2B5EF4-FFF2-40B4-BE49-F238E27FC236}">
+                <a16:creationId xmlns:a16="http://schemas.microsoft.com/office/drawing/2014/main" id="{4A115AD6-B700-4B08-BB76-3A31B864B8AF}"/>
+              </a:ext>
+            </a:extLst>
+          </p:cNvPr>
+          <p:cNvSpPr>
+            <a:spLocks noGrp="1"/>
+          </p:cNvSpPr>
+          <p:nvPr>
+            <p:ph type="title"/>
+          </p:nvPr>
+        </p:nvSpPr>
+        <p:spPr>
+          <a:xfrm>
+            <a:off x="4543073" y="392930"/>
+            <a:ext cx="3105853" cy="976911"/>
+          </a:xfrm>
+        </p:spPr>
+        <p:txBody>
+          <a:bodyPr/>
+          <a:lstStyle/>
+          <a:p>
+            <a:r>
+              <a:rPr lang="ru-RU" b="1" dirty="0">
+                <a:solidFill>
+                  <a:schemeClr val="accent5">
+                    <a:lumMod val="75000"/>
+                  </a:schemeClr>
+                </a:solidFill>
+              </a:rPr>
+              <a:t>Анимация</a:t>
+            </a:r>
+          </a:p>
+        </p:txBody>
+      </p:sp>
       <p:pic>
         <p:nvPicPr>
-          <p:cNvPr id="6" name="Рисунок 5">
+          <p:cNvPr id="1026" name="Picture 2" descr="Примеры технологий в анимации. Понятие и виды анимации">
             <a:extLst>
               <a:ext uri="{FF2B5EF4-FFF2-40B4-BE49-F238E27FC236}">
-                <a16:creationId xmlns:a16="http://schemas.microsoft.com/office/drawing/2014/main" id="{49DC9CB4-5FC1-4251-9334-E6FB5CB7FD8A}"/>
+                <a16:creationId xmlns:a16="http://schemas.microsoft.com/office/drawing/2014/main" id="{D3CC4E10-2A1E-414A-BA24-B38B79A816EE}"/>
               </a:ext>
             </a:extLst>
           </p:cNvPr>
           <p:cNvPicPr>
-            <a:picLocks noChangeAspect="1"/>
+            <a:picLocks noChangeAspect="1" noChangeArrowheads="1"/>
           </p:cNvPicPr>
           <p:nvPr/>
         </p:nvPicPr>
         <p:blipFill>
-          <a:blip r:embed="rId2"/>
+          <a:blip r:embed="rId2">
+            <a:extLst>
+              <a:ext uri="{28A0092B-C50C-407E-A947-70E740481C1C}">
+                <a14:useLocalDpi xmlns:a14="http://schemas.microsoft.com/office/drawing/2010/main" val="0"/>
+              </a:ext>
+            </a:extLst>
+          </a:blip>
+          <a:srcRect/>
           <a:stretch>
             <a:fillRect/>
           </a:stretch>
         </p:blipFill>
-        <p:spPr>
-          <a:xfrm>
-            <a:off x="1710801" y="1250223"/>
-            <a:ext cx="8770398" cy="4933349"/>
+        <p:spPr bwMode="auto">
+          <a:xfrm>
+            <a:off x="1047565" y="1494129"/>
+            <a:ext cx="7842867" cy="3590710"/>
           </a:xfrm>
           <a:prstGeom prst="rect">
             <a:avLst/>
           </a:prstGeom>
+          <a:noFill/>
+          <a:extLst>
+            <a:ext uri="{909E8E84-426E-40DD-AFC4-6F175D3DCCD1}">
+              <a14:hiddenFill xmlns:a14="http://schemas.microsoft.com/office/drawing/2010/main">
+                <a:solidFill>
+                  <a:srgbClr val="FFFFFF"/>
+                </a:solidFill>
+              </a14:hiddenFill>
+            </a:ext>
+          </a:extLst>
         </p:spPr>
       </p:pic>
       <p:sp>
         <p:nvSpPr>
-          <p:cNvPr id="13" name="Заголовок 3">
+          <p:cNvPr id="2" name="TextBox 1">
             <a:extLst>
               <a:ext uri="{FF2B5EF4-FFF2-40B4-BE49-F238E27FC236}">
-                <a16:creationId xmlns:a16="http://schemas.microsoft.com/office/drawing/2014/main" id="{627E584E-CD82-4554-B933-8EB86EF7ACAF}"/>
+                <a16:creationId xmlns:a16="http://schemas.microsoft.com/office/drawing/2014/main" id="{9DC586E9-A104-4475-847F-BCBCCD5D94CF}"/>
               </a:ext>
             </a:extLst>
           </p:cNvPr>
-          <p:cNvSpPr>
-            <a:spLocks noGrp="1"/>
-          </p:cNvSpPr>
-          <p:nvPr>
-            <p:ph type="title"/>
-          </p:nvPr>
-        </p:nvSpPr>
-        <p:spPr>
-          <a:xfrm>
-            <a:off x="3220300" y="333099"/>
-            <a:ext cx="6438605" cy="976911"/>
-          </a:xfrm>
-        </p:spPr>
-        <p:txBody>
-          <a:bodyPr>
-            <a:normAutofit fontScale="90000"/>
+          <p:cNvSpPr txBox="1"/>
+          <p:nvPr/>
+        </p:nvSpPr>
+        <p:spPr>
+          <a:xfrm>
+            <a:off x="1047565" y="5477522"/>
+            <a:ext cx="5360763" cy="707886"/>
+          </a:xfrm>
+          <a:prstGeom prst="rect">
+            <a:avLst/>
+          </a:prstGeom>
+          <a:noFill/>
+        </p:spPr>
+        <p:txBody>
+          <a:bodyPr wrap="none" rtlCol="0">
+            <a:spAutoFit/>
           </a:bodyPr>
           <a:lstStyle/>
           <a:p>
             <a:r>
-              <a:rPr lang="ru-RU" b="1" dirty="0">
-                <a:solidFill>
-                  <a:srgbClr val="FFC000"/>
-                </a:solidFill>
-              </a:rPr>
-              <a:t>Меняем частоту кадров</a:t>
-            </a:r>
+              <a:rPr lang="ru-RU" sz="2000" dirty="0"/>
+              <a:t>Как быстро происходит смена кадров?</a:t>
+            </a:r>
+          </a:p>
+          <a:p>
+            <a:endParaRPr lang="ru-RU" sz="2000" dirty="0"/>
           </a:p>
         </p:txBody>
       </p:sp>
     </p:spTree>
     <p:extLst>
       <p:ext uri="{BB962C8B-B14F-4D97-AF65-F5344CB8AC3E}">
-        <p14:creationId xmlns:p14="http://schemas.microsoft.com/office/powerpoint/2010/main" val="183243182"/>
+        <p14:creationId xmlns:p14="http://schemas.microsoft.com/office/powerpoint/2010/main" val="125239072"/>
       </p:ext>
     </p:extLst>
   </p:cSld>
@@ -6076,14 +7234,12 @@
         </p:nvSpPr>
         <p:spPr>
           <a:xfrm>
-            <a:off x="2432483" y="375175"/>
-            <a:ext cx="7546018" cy="976911"/>
-          </a:xfrm>
-        </p:spPr>
-        <p:txBody>
-          <a:bodyPr>
-            <a:normAutofit/>
-          </a:bodyPr>
+            <a:off x="4543073" y="392930"/>
+            <a:ext cx="3105853" cy="976911"/>
+          </a:xfrm>
+        </p:spPr>
+        <p:txBody>
+          <a:bodyPr/>
           <a:lstStyle/>
           <a:p>
             <a:r>
@@ -6094,7 +7250,7 @@
                   </a:schemeClr>
                 </a:solidFill>
               </a:rPr>
-              <a:t>Самостоятельное задание</a:t>
+              <a:t>Анимация</a:t>
             </a:r>
           </a:p>
         </p:txBody>
@@ -6115,8 +7271,8 @@
         </p:nvSpPr>
         <p:spPr>
           <a:xfrm>
-            <a:off x="4271831" y="2223525"/>
-            <a:ext cx="4490429" cy="1662621"/>
+            <a:off x="4254075" y="2396971"/>
+            <a:ext cx="4667983" cy="2350309"/>
           </a:xfrm>
           <a:prstGeom prst="rect">
             <a:avLst/>
@@ -6150,7 +7306,14 @@
             </a:lvl1pPr>
           </a:lstStyle>
           <a:p>
-            <a:endParaRPr lang="ru-RU" sz="2800" b="1" dirty="0"/>
+            <a:r>
+              <a:rPr lang="ru-RU" sz="2800" dirty="0">
+                <a:solidFill>
+                  <a:srgbClr val="FFC000"/>
+                </a:solidFill>
+              </a:rPr>
+              <a:t>Ссылка на ресурсы</a:t>
+            </a:r>
           </a:p>
           <a:p>
             <a:endParaRPr lang="ru-RU" sz="2800" dirty="0">
@@ -6159,64 +7322,6 @@
               </a:solidFill>
             </a:endParaRPr>
           </a:p>
-        </p:txBody>
-      </p:sp>
-      <p:sp>
-        <p:nvSpPr>
-          <p:cNvPr id="5" name="Заголовок 3">
-            <a:extLst>
-              <a:ext uri="{FF2B5EF4-FFF2-40B4-BE49-F238E27FC236}">
-                <a16:creationId xmlns:a16="http://schemas.microsoft.com/office/drawing/2014/main" id="{DE7B1569-6771-4DCC-9222-4401B4B4E2D0}"/>
-              </a:ext>
-            </a:extLst>
-          </p:cNvPr>
-          <p:cNvSpPr txBox="1">
-            <a:spLocks/>
-          </p:cNvSpPr>
-          <p:nvPr/>
-        </p:nvSpPr>
-        <p:spPr>
-          <a:xfrm>
-            <a:off x="1302362" y="1879680"/>
-            <a:ext cx="10154383" cy="2350309"/>
-          </a:xfrm>
-          <a:prstGeom prst="rect">
-            <a:avLst/>
-          </a:prstGeom>
-        </p:spPr>
-        <p:txBody>
-          <a:bodyPr vert="horz" lIns="91440" tIns="45720" rIns="91440" bIns="45720" rtlCol="0" anchor="ctr">
-            <a:normAutofit/>
-          </a:bodyPr>
-          <a:lstStyle>
-            <a:lvl1pPr algn="l" defTabSz="914400" rtl="0" eaLnBrk="1" latinLnBrk="0" hangingPunct="1">
-              <a:lnSpc>
-                <a:spcPct val="90000"/>
-              </a:lnSpc>
-              <a:spcBef>
-                <a:spcPct val="0"/>
-              </a:spcBef>
-              <a:buNone/>
-              <a:defRPr lang="en-US" sz="4000" i="0" kern="1200" cap="none" spc="0" baseline="0" dirty="0">
-                <a:solidFill>
-                  <a:schemeClr val="tx1">
-                    <a:lumMod val="85000"/>
-                    <a:lumOff val="15000"/>
-                  </a:schemeClr>
-                </a:solidFill>
-                <a:effectLst/>
-                <a:latin typeface="+mj-lt"/>
-                <a:ea typeface="+mn-ea"/>
-                <a:cs typeface="+mn-cs"/>
-              </a:defRPr>
-            </a:lvl1pPr>
-          </a:lstStyle>
-          <a:p>
-            <a:r>
-              <a:rPr lang="ru-RU" sz="2800" b="1" dirty="0"/>
-              <a:t>Создать анимацию монетки с частотой кадров 20</a:t>
-            </a:r>
-          </a:p>
           <a:p>
             <a:endParaRPr lang="ru-RU" sz="2800" dirty="0">
               <a:solidFill>
@@ -6224,228 +7329,26 @@
               </a:solidFill>
             </a:endParaRPr>
           </a:p>
-        </p:txBody>
-      </p:sp>
-      <p:pic>
-        <p:nvPicPr>
-          <p:cNvPr id="3" name="Рисунок 2">
-            <a:extLst>
-              <a:ext uri="{FF2B5EF4-FFF2-40B4-BE49-F238E27FC236}">
-                <a16:creationId xmlns:a16="http://schemas.microsoft.com/office/drawing/2014/main" id="{197E2709-7603-4104-9DC8-D7429B588234}"/>
-              </a:ext>
-            </a:extLst>
-          </p:cNvPr>
-          <p:cNvPicPr>
-            <a:picLocks noChangeAspect="1"/>
-          </p:cNvPicPr>
-          <p:nvPr/>
-        </p:nvPicPr>
-        <p:blipFill>
-          <a:blip r:embed="rId2">
-            <a:extLst>
-              <a:ext uri="{28A0092B-C50C-407E-A947-70E740481C1C}">
-                <a14:useLocalDpi xmlns:a14="http://schemas.microsoft.com/office/drawing/2010/main" val="0"/>
-              </a:ext>
-            </a:extLst>
-          </a:blip>
-          <a:stretch>
-            <a:fillRect/>
-          </a:stretch>
-        </p:blipFill>
-        <p:spPr>
-          <a:xfrm>
-            <a:off x="9907664" y="4302915"/>
-            <a:ext cx="628650" cy="800100"/>
-          </a:xfrm>
-          <a:prstGeom prst="rect">
-            <a:avLst/>
-          </a:prstGeom>
-        </p:spPr>
-      </p:pic>
-      <p:pic>
-        <p:nvPicPr>
-          <p:cNvPr id="7" name="Рисунок 6">
-            <a:extLst>
-              <a:ext uri="{FF2B5EF4-FFF2-40B4-BE49-F238E27FC236}">
-                <a16:creationId xmlns:a16="http://schemas.microsoft.com/office/drawing/2014/main" id="{480B1FD2-2D2F-40D2-9BDC-E3F69F211A8F}"/>
-              </a:ext>
-            </a:extLst>
-          </p:cNvPr>
-          <p:cNvPicPr>
-            <a:picLocks noChangeAspect="1"/>
-          </p:cNvPicPr>
-          <p:nvPr/>
-        </p:nvPicPr>
-        <p:blipFill>
-          <a:blip r:embed="rId3">
-            <a:extLst>
-              <a:ext uri="{28A0092B-C50C-407E-A947-70E740481C1C}">
-                <a14:useLocalDpi xmlns:a14="http://schemas.microsoft.com/office/drawing/2010/main" val="0"/>
-              </a:ext>
-            </a:extLst>
-          </a:blip>
-          <a:stretch>
-            <a:fillRect/>
-          </a:stretch>
-        </p:blipFill>
-        <p:spPr>
-          <a:xfrm>
-            <a:off x="7871733" y="4328219"/>
-            <a:ext cx="800100" cy="800100"/>
-          </a:xfrm>
-          <a:prstGeom prst="rect">
-            <a:avLst/>
-          </a:prstGeom>
-        </p:spPr>
-      </p:pic>
-      <p:pic>
-        <p:nvPicPr>
-          <p:cNvPr id="10" name="Рисунок 9">
-            <a:extLst>
-              <a:ext uri="{FF2B5EF4-FFF2-40B4-BE49-F238E27FC236}">
-                <a16:creationId xmlns:a16="http://schemas.microsoft.com/office/drawing/2014/main" id="{667328AA-3DF1-4E67-836F-A24646D40859}"/>
-              </a:ext>
-            </a:extLst>
-          </p:cNvPr>
-          <p:cNvPicPr>
-            <a:picLocks noChangeAspect="1"/>
-          </p:cNvPicPr>
-          <p:nvPr/>
-        </p:nvPicPr>
-        <p:blipFill>
-          <a:blip r:embed="rId4">
-            <a:extLst>
-              <a:ext uri="{28A0092B-C50C-407E-A947-70E740481C1C}">
-                <a14:useLocalDpi xmlns:a14="http://schemas.microsoft.com/office/drawing/2010/main" val="0"/>
-              </a:ext>
-            </a:extLst>
-          </a:blip>
-          <a:stretch>
-            <a:fillRect/>
-          </a:stretch>
-        </p:blipFill>
-        <p:spPr>
-          <a:xfrm>
-            <a:off x="5826120" y="4159882"/>
-            <a:ext cx="838095" cy="1066667"/>
-          </a:xfrm>
-          <a:prstGeom prst="rect">
-            <a:avLst/>
-          </a:prstGeom>
-        </p:spPr>
-      </p:pic>
-      <p:pic>
-        <p:nvPicPr>
-          <p:cNvPr id="12" name="Рисунок 11">
-            <a:extLst>
-              <a:ext uri="{FF2B5EF4-FFF2-40B4-BE49-F238E27FC236}">
-                <a16:creationId xmlns:a16="http://schemas.microsoft.com/office/drawing/2014/main" id="{4B494BA5-DEB3-4255-B1F9-1BC9E76A4B15}"/>
-              </a:ext>
-            </a:extLst>
-          </p:cNvPr>
-          <p:cNvPicPr>
-            <a:picLocks noChangeAspect="1"/>
-          </p:cNvPicPr>
-          <p:nvPr/>
-        </p:nvPicPr>
-        <p:blipFill>
-          <a:blip r:embed="rId5">
-            <a:extLst>
-              <a:ext uri="{28A0092B-C50C-407E-A947-70E740481C1C}">
-                <a14:useLocalDpi xmlns:a14="http://schemas.microsoft.com/office/drawing/2010/main" val="0"/>
-              </a:ext>
-            </a:extLst>
-          </a:blip>
-          <a:stretch>
-            <a:fillRect/>
-          </a:stretch>
-        </p:blipFill>
-        <p:spPr>
-          <a:xfrm>
-            <a:off x="2966533" y="4159881"/>
-            <a:ext cx="634921" cy="1066667"/>
-          </a:xfrm>
-          <a:prstGeom prst="rect">
-            <a:avLst/>
-          </a:prstGeom>
-        </p:spPr>
-      </p:pic>
-      <p:pic>
-        <p:nvPicPr>
-          <p:cNvPr id="14" name="Рисунок 13">
-            <a:extLst>
-              <a:ext uri="{FF2B5EF4-FFF2-40B4-BE49-F238E27FC236}">
-                <a16:creationId xmlns:a16="http://schemas.microsoft.com/office/drawing/2014/main" id="{F78A8443-E7FC-4C4B-A3CD-92CD8598C617}"/>
-              </a:ext>
-            </a:extLst>
-          </p:cNvPr>
-          <p:cNvPicPr>
-            <a:picLocks noChangeAspect="1"/>
-          </p:cNvPicPr>
-          <p:nvPr/>
-        </p:nvPicPr>
-        <p:blipFill>
-          <a:blip r:embed="rId6">
-            <a:extLst>
-              <a:ext uri="{28A0092B-C50C-407E-A947-70E740481C1C}">
-                <a14:useLocalDpi xmlns:a14="http://schemas.microsoft.com/office/drawing/2010/main" val="0"/>
-              </a:ext>
-            </a:extLst>
-          </a:blip>
-          <a:stretch>
-            <a:fillRect/>
-          </a:stretch>
-        </p:blipFill>
-        <p:spPr>
-          <a:xfrm>
-            <a:off x="4590289" y="4302915"/>
-            <a:ext cx="142875" cy="800100"/>
-          </a:xfrm>
-          <a:prstGeom prst="rect">
-            <a:avLst/>
-          </a:prstGeom>
-        </p:spPr>
-      </p:pic>
-      <p:pic>
-        <p:nvPicPr>
-          <p:cNvPr id="16" name="Рисунок 15">
-            <a:extLst>
-              <a:ext uri="{FF2B5EF4-FFF2-40B4-BE49-F238E27FC236}">
-                <a16:creationId xmlns:a16="http://schemas.microsoft.com/office/drawing/2014/main" id="{18EEF85C-270A-4B69-A90F-C67E227DE045}"/>
-              </a:ext>
-            </a:extLst>
-          </p:cNvPr>
-          <p:cNvPicPr>
-            <a:picLocks noChangeAspect="1"/>
-          </p:cNvPicPr>
-          <p:nvPr/>
-        </p:nvPicPr>
-        <p:blipFill>
-          <a:blip r:embed="rId7">
-            <a:extLst>
-              <a:ext uri="{28A0092B-C50C-407E-A947-70E740481C1C}">
-                <a14:useLocalDpi xmlns:a14="http://schemas.microsoft.com/office/drawing/2010/main" val="0"/>
-              </a:ext>
-            </a:extLst>
-          </a:blip>
-          <a:stretch>
-            <a:fillRect/>
-          </a:stretch>
-        </p:blipFill>
-        <p:spPr>
-          <a:xfrm>
-            <a:off x="1616075" y="4328218"/>
-            <a:ext cx="476250" cy="800100"/>
-          </a:xfrm>
-          <a:prstGeom prst="rect">
-            <a:avLst/>
-          </a:prstGeom>
-        </p:spPr>
-      </p:pic>
+          <a:p>
+            <a:r>
+              <a:rPr lang="en-US" sz="2800" b="1" dirty="0"/>
+              <a:t>https://goo.su/2pRa</a:t>
+            </a:r>
+            <a:endParaRPr lang="ru-RU" sz="2800" b="1" dirty="0"/>
+          </a:p>
+          <a:p>
+            <a:endParaRPr lang="ru-RU" sz="2800" dirty="0">
+              <a:solidFill>
+                <a:srgbClr val="FFC000"/>
+              </a:solidFill>
+            </a:endParaRPr>
+          </a:p>
+        </p:txBody>
+      </p:sp>
     </p:spTree>
     <p:extLst>
       <p:ext uri="{BB962C8B-B14F-4D97-AF65-F5344CB8AC3E}">
-        <p14:creationId xmlns:p14="http://schemas.microsoft.com/office/powerpoint/2010/main" val="702244486"/>
+        <p14:creationId xmlns:p14="http://schemas.microsoft.com/office/powerpoint/2010/main" val="2114233866"/>
       </p:ext>
     </p:extLst>
   </p:cSld>
@@ -6480,115 +7383,12 @@
           <a:chExt cx="0" cy="0"/>
         </a:xfrm>
       </p:grpSpPr>
-      <p:sp>
-        <p:nvSpPr>
-          <p:cNvPr id="4" name="Заголовок 3">
-            <a:extLst>
-              <a:ext uri="{FF2B5EF4-FFF2-40B4-BE49-F238E27FC236}">
-                <a16:creationId xmlns:a16="http://schemas.microsoft.com/office/drawing/2014/main" id="{4A115AD6-B700-4B08-BB76-3A31B864B8AF}"/>
-              </a:ext>
-            </a:extLst>
-          </p:cNvPr>
-          <p:cNvSpPr>
-            <a:spLocks noGrp="1"/>
-          </p:cNvSpPr>
-          <p:nvPr>
-            <p:ph type="title"/>
-          </p:nvPr>
-        </p:nvSpPr>
-        <p:spPr>
-          <a:xfrm>
-            <a:off x="1914787" y="527288"/>
-            <a:ext cx="8362426" cy="976911"/>
-          </a:xfrm>
-        </p:spPr>
-        <p:txBody>
-          <a:bodyPr>
-            <a:normAutofit fontScale="90000"/>
-          </a:bodyPr>
-          <a:lstStyle/>
-          <a:p>
-            <a:r>
-              <a:rPr lang="ru-RU" b="1" dirty="0">
-                <a:solidFill>
-                  <a:schemeClr val="accent5">
-                    <a:lumMod val="75000"/>
-                  </a:schemeClr>
-                </a:solidFill>
-              </a:rPr>
-              <a:t>Анимация с помощью состояний</a:t>
-            </a:r>
-          </a:p>
-        </p:txBody>
-      </p:sp>
-      <p:sp>
-        <p:nvSpPr>
-          <p:cNvPr id="9" name="Заголовок 3">
-            <a:extLst>
-              <a:ext uri="{FF2B5EF4-FFF2-40B4-BE49-F238E27FC236}">
-                <a16:creationId xmlns:a16="http://schemas.microsoft.com/office/drawing/2014/main" id="{7BBA4A03-7F70-4DAE-9489-2F06D46DB9E3}"/>
-              </a:ext>
-            </a:extLst>
-          </p:cNvPr>
-          <p:cNvSpPr txBox="1">
-            <a:spLocks/>
-          </p:cNvSpPr>
-          <p:nvPr/>
-        </p:nvSpPr>
-        <p:spPr>
-          <a:xfrm>
-            <a:off x="4271831" y="2223525"/>
-            <a:ext cx="4490429" cy="1662621"/>
-          </a:xfrm>
-          <a:prstGeom prst="rect">
-            <a:avLst/>
-          </a:prstGeom>
-        </p:spPr>
-        <p:txBody>
-          <a:bodyPr vert="horz" lIns="91440" tIns="45720" rIns="91440" bIns="45720" rtlCol="0" anchor="ctr">
-            <a:normAutofit/>
-          </a:bodyPr>
-          <a:lstStyle>
-            <a:lvl1pPr algn="l" defTabSz="914400" rtl="0" eaLnBrk="1" latinLnBrk="0" hangingPunct="1">
-              <a:lnSpc>
-                <a:spcPct val="90000"/>
-              </a:lnSpc>
-              <a:spcBef>
-                <a:spcPct val="0"/>
-              </a:spcBef>
-              <a:buNone/>
-              <a:defRPr lang="en-US" sz="4000" i="0" kern="1200" cap="none" spc="0" baseline="0" dirty="0">
-                <a:solidFill>
-                  <a:schemeClr val="tx1">
-                    <a:lumMod val="85000"/>
-                    <a:lumOff val="15000"/>
-                  </a:schemeClr>
-                </a:solidFill>
-                <a:effectLst/>
-                <a:latin typeface="+mj-lt"/>
-                <a:ea typeface="+mn-ea"/>
-                <a:cs typeface="+mn-cs"/>
-              </a:defRPr>
-            </a:lvl1pPr>
-          </a:lstStyle>
-          <a:p>
-            <a:endParaRPr lang="ru-RU" sz="2800" b="1" dirty="0"/>
-          </a:p>
-          <a:p>
-            <a:endParaRPr lang="ru-RU" sz="2800" dirty="0">
-              <a:solidFill>
-                <a:srgbClr val="FFC000"/>
-              </a:solidFill>
-            </a:endParaRPr>
-          </a:p>
-        </p:txBody>
-      </p:sp>
       <p:pic>
         <p:nvPicPr>
-          <p:cNvPr id="18" name="Рисунок 17">
+          <p:cNvPr id="6" name="Рисунок 5">
             <a:extLst>
               <a:ext uri="{FF2B5EF4-FFF2-40B4-BE49-F238E27FC236}">
-                <a16:creationId xmlns:a16="http://schemas.microsoft.com/office/drawing/2014/main" id="{213675EF-0A6E-4DC0-B365-4982EC067983}"/>
+                <a16:creationId xmlns:a16="http://schemas.microsoft.com/office/drawing/2014/main" id="{49DC9CB4-5FC1-4251-9334-E6FB5CB7FD8A}"/>
               </a:ext>
             </a:extLst>
           </p:cNvPr>
@@ -6598,175 +7398,64 @@
           <p:nvPr/>
         </p:nvPicPr>
         <p:blipFill>
-          <a:blip r:embed="rId2">
-            <a:extLst>
-              <a:ext uri="{28A0092B-C50C-407E-A947-70E740481C1C}">
-                <a14:useLocalDpi xmlns:a14="http://schemas.microsoft.com/office/drawing/2010/main" val="0"/>
-              </a:ext>
-            </a:extLst>
-          </a:blip>
+          <a:blip r:embed="rId2"/>
           <a:stretch>
             <a:fillRect/>
           </a:stretch>
         </p:blipFill>
         <p:spPr>
           <a:xfrm>
-            <a:off x="2013650" y="2847736"/>
-            <a:ext cx="800100" cy="800100"/>
+            <a:off x="1710801" y="1250223"/>
+            <a:ext cx="8770398" cy="4933349"/>
           </a:xfrm>
           <a:prstGeom prst="rect">
             <a:avLst/>
           </a:prstGeom>
         </p:spPr>
       </p:pic>
-      <p:pic>
-        <p:nvPicPr>
-          <p:cNvPr id="19" name="Рисунок 18">
+      <p:sp>
+        <p:nvSpPr>
+          <p:cNvPr id="13" name="Заголовок 3">
             <a:extLst>
               <a:ext uri="{FF2B5EF4-FFF2-40B4-BE49-F238E27FC236}">
-                <a16:creationId xmlns:a16="http://schemas.microsoft.com/office/drawing/2014/main" id="{BEA2C46A-6DDE-442B-9123-2FE426D09E4D}"/>
+                <a16:creationId xmlns:a16="http://schemas.microsoft.com/office/drawing/2014/main" id="{627E584E-CD82-4554-B933-8EB86EF7ACAF}"/>
               </a:ext>
             </a:extLst>
           </p:cNvPr>
-          <p:cNvPicPr>
-            <a:picLocks noChangeAspect="1"/>
-          </p:cNvPicPr>
-          <p:nvPr/>
-        </p:nvPicPr>
-        <p:blipFill>
-          <a:blip r:embed="rId2">
-            <a:extLst>
-              <a:ext uri="{28A0092B-C50C-407E-A947-70E740481C1C}">
-                <a14:useLocalDpi xmlns:a14="http://schemas.microsoft.com/office/drawing/2010/main" val="0"/>
-              </a:ext>
-            </a:extLst>
-          </a:blip>
-          <a:stretch>
-            <a:fillRect/>
-          </a:stretch>
-        </p:blipFill>
-        <p:spPr>
-          <a:xfrm>
-            <a:off x="3608200" y="2794982"/>
-            <a:ext cx="923483" cy="923483"/>
-          </a:xfrm>
-          <a:prstGeom prst="rect">
-            <a:avLst/>
-          </a:prstGeom>
-        </p:spPr>
-      </p:pic>
-      <p:pic>
-        <p:nvPicPr>
-          <p:cNvPr id="20" name="Рисунок 19">
-            <a:extLst>
-              <a:ext uri="{FF2B5EF4-FFF2-40B4-BE49-F238E27FC236}">
-                <a16:creationId xmlns:a16="http://schemas.microsoft.com/office/drawing/2014/main" id="{0A4C19BD-FADF-4292-9858-2C139C62F5E5}"/>
-              </a:ext>
-            </a:extLst>
-          </p:cNvPr>
-          <p:cNvPicPr>
-            <a:picLocks noChangeAspect="1"/>
-          </p:cNvPicPr>
-          <p:nvPr/>
-        </p:nvPicPr>
-        <p:blipFill>
-          <a:blip r:embed="rId2">
-            <a:extLst>
-              <a:ext uri="{28A0092B-C50C-407E-A947-70E740481C1C}">
-                <a14:useLocalDpi xmlns:a14="http://schemas.microsoft.com/office/drawing/2010/main" val="0"/>
-              </a:ext>
-            </a:extLst>
-          </a:blip>
-          <a:stretch>
-            <a:fillRect/>
-          </a:stretch>
-        </p:blipFill>
-        <p:spPr>
-          <a:xfrm>
-            <a:off x="5365666" y="2618362"/>
-            <a:ext cx="1146499" cy="1276721"/>
-          </a:xfrm>
-          <a:prstGeom prst="rect">
-            <a:avLst/>
-          </a:prstGeom>
-        </p:spPr>
-      </p:pic>
-      <p:pic>
-        <p:nvPicPr>
-          <p:cNvPr id="22" name="Рисунок 21">
-            <a:extLst>
-              <a:ext uri="{FF2B5EF4-FFF2-40B4-BE49-F238E27FC236}">
-                <a16:creationId xmlns:a16="http://schemas.microsoft.com/office/drawing/2014/main" id="{ABC07818-CF44-4767-AC69-5B19DDA3658C}"/>
-              </a:ext>
-            </a:extLst>
-          </p:cNvPr>
-          <p:cNvPicPr>
-            <a:picLocks noChangeAspect="1"/>
-          </p:cNvPicPr>
-          <p:nvPr/>
-        </p:nvPicPr>
-        <p:blipFill>
-          <a:blip r:embed="rId2">
-            <a:extLst>
-              <a:ext uri="{28A0092B-C50C-407E-A947-70E740481C1C}">
-                <a14:useLocalDpi xmlns:a14="http://schemas.microsoft.com/office/drawing/2010/main" val="0"/>
-              </a:ext>
-            </a:extLst>
-          </a:blip>
-          <a:stretch>
-            <a:fillRect/>
-          </a:stretch>
-        </p:blipFill>
-        <p:spPr>
-          <a:xfrm>
-            <a:off x="7346148" y="2794980"/>
-            <a:ext cx="923483" cy="923483"/>
-          </a:xfrm>
-          <a:prstGeom prst="rect">
-            <a:avLst/>
-          </a:prstGeom>
-        </p:spPr>
-      </p:pic>
-      <p:pic>
-        <p:nvPicPr>
-          <p:cNvPr id="23" name="Рисунок 22">
-            <a:extLst>
-              <a:ext uri="{FF2B5EF4-FFF2-40B4-BE49-F238E27FC236}">
-                <a16:creationId xmlns:a16="http://schemas.microsoft.com/office/drawing/2014/main" id="{448FDF32-49FC-494B-9DC5-4ABA5EF946A2}"/>
-              </a:ext>
-            </a:extLst>
-          </p:cNvPr>
-          <p:cNvPicPr>
-            <a:picLocks noChangeAspect="1"/>
-          </p:cNvPicPr>
-          <p:nvPr/>
-        </p:nvPicPr>
-        <p:blipFill>
-          <a:blip r:embed="rId2">
-            <a:extLst>
-              <a:ext uri="{28A0092B-C50C-407E-A947-70E740481C1C}">
-                <a14:useLocalDpi xmlns:a14="http://schemas.microsoft.com/office/drawing/2010/main" val="0"/>
-              </a:ext>
-            </a:extLst>
-          </a:blip>
-          <a:stretch>
-            <a:fillRect/>
-          </a:stretch>
-        </p:blipFill>
-        <p:spPr>
-          <a:xfrm>
-            <a:off x="9103614" y="2847736"/>
-            <a:ext cx="800100" cy="800100"/>
-          </a:xfrm>
-          <a:prstGeom prst="rect">
-            <a:avLst/>
-          </a:prstGeom>
-        </p:spPr>
-      </p:pic>
+          <p:cNvSpPr>
+            <a:spLocks noGrp="1"/>
+          </p:cNvSpPr>
+          <p:nvPr>
+            <p:ph type="title"/>
+          </p:nvPr>
+        </p:nvSpPr>
+        <p:spPr>
+          <a:xfrm>
+            <a:off x="3220300" y="333099"/>
+            <a:ext cx="6438605" cy="976911"/>
+          </a:xfrm>
+        </p:spPr>
+        <p:txBody>
+          <a:bodyPr>
+            <a:normAutofit fontScale="90000"/>
+          </a:bodyPr>
+          <a:lstStyle/>
+          <a:p>
+            <a:r>
+              <a:rPr lang="ru-RU" b="1" dirty="0">
+                <a:solidFill>
+                  <a:srgbClr val="FFC000"/>
+                </a:solidFill>
+              </a:rPr>
+              <a:t>Меняем частоту кадров</a:t>
+            </a:r>
+          </a:p>
+        </p:txBody>
+      </p:sp>
     </p:spTree>
     <p:extLst>
       <p:ext uri="{BB962C8B-B14F-4D97-AF65-F5344CB8AC3E}">
-        <p14:creationId xmlns:p14="http://schemas.microsoft.com/office/powerpoint/2010/main" val="205627022"/>
+        <p14:creationId xmlns:p14="http://schemas.microsoft.com/office/powerpoint/2010/main" val="183243182"/>
       </p:ext>
     </p:extLst>
   </p:cSld>
@@ -6819,13 +7508,13 @@
         </p:nvSpPr>
         <p:spPr>
           <a:xfrm>
-            <a:off x="1914787" y="527288"/>
-            <a:ext cx="8362426" cy="976911"/>
+            <a:off x="2432483" y="375175"/>
+            <a:ext cx="7546018" cy="976911"/>
           </a:xfrm>
         </p:spPr>
         <p:txBody>
           <a:bodyPr>
-            <a:normAutofit fontScale="90000"/>
+            <a:normAutofit/>
           </a:bodyPr>
           <a:lstStyle/>
           <a:p>
@@ -6837,7 +7526,7 @@
                   </a:schemeClr>
                 </a:solidFill>
               </a:rPr>
-              <a:t>Анимация с помощью состояний</a:t>
+              <a:t>Самостоятельное задание</a:t>
             </a:r>
           </a:p>
         </p:txBody>
@@ -6858,8 +7547,8 @@
         </p:nvSpPr>
         <p:spPr>
           <a:xfrm>
-            <a:off x="4323530" y="1637974"/>
-            <a:ext cx="4307225" cy="1544788"/>
+            <a:off x="4271831" y="2223525"/>
+            <a:ext cx="4490429" cy="1662621"/>
           </a:xfrm>
           <a:prstGeom prst="rect">
             <a:avLst/>
@@ -6904,12 +7593,77 @@
           </a:p>
         </p:txBody>
       </p:sp>
+      <p:sp>
+        <p:nvSpPr>
+          <p:cNvPr id="5" name="Заголовок 3">
+            <a:extLst>
+              <a:ext uri="{FF2B5EF4-FFF2-40B4-BE49-F238E27FC236}">
+                <a16:creationId xmlns:a16="http://schemas.microsoft.com/office/drawing/2014/main" id="{DE7B1569-6771-4DCC-9222-4401B4B4E2D0}"/>
+              </a:ext>
+            </a:extLst>
+          </p:cNvPr>
+          <p:cNvSpPr txBox="1">
+            <a:spLocks/>
+          </p:cNvSpPr>
+          <p:nvPr/>
+        </p:nvSpPr>
+        <p:spPr>
+          <a:xfrm>
+            <a:off x="1302362" y="1879680"/>
+            <a:ext cx="10154383" cy="2350309"/>
+          </a:xfrm>
+          <a:prstGeom prst="rect">
+            <a:avLst/>
+          </a:prstGeom>
+        </p:spPr>
+        <p:txBody>
+          <a:bodyPr vert="horz" lIns="91440" tIns="45720" rIns="91440" bIns="45720" rtlCol="0" anchor="ctr">
+            <a:normAutofit/>
+          </a:bodyPr>
+          <a:lstStyle>
+            <a:lvl1pPr algn="l" defTabSz="914400" rtl="0" eaLnBrk="1" latinLnBrk="0" hangingPunct="1">
+              <a:lnSpc>
+                <a:spcPct val="90000"/>
+              </a:lnSpc>
+              <a:spcBef>
+                <a:spcPct val="0"/>
+              </a:spcBef>
+              <a:buNone/>
+              <a:defRPr lang="en-US" sz="4000" i="0" kern="1200" cap="none" spc="0" baseline="0" dirty="0">
+                <a:solidFill>
+                  <a:schemeClr val="tx1">
+                    <a:lumMod val="85000"/>
+                    <a:lumOff val="15000"/>
+                  </a:schemeClr>
+                </a:solidFill>
+                <a:effectLst/>
+                <a:latin typeface="+mj-lt"/>
+                <a:ea typeface="+mn-ea"/>
+                <a:cs typeface="+mn-cs"/>
+              </a:defRPr>
+            </a:lvl1pPr>
+          </a:lstStyle>
+          <a:p>
+            <a:r>
+              <a:rPr lang="ru-RU" sz="2800" b="1" dirty="0"/>
+              <a:t>Создать анимацию монетки с частотой кадров 20</a:t>
+            </a:r>
+          </a:p>
+          <a:p>
+            <a:endParaRPr lang="ru-RU" sz="2800" dirty="0">
+              <a:solidFill>
+                <a:srgbClr val="FFC000"/>
+              </a:solidFill>
+            </a:endParaRPr>
+          </a:p>
+        </p:txBody>
+      </p:sp>
       <p:pic>
         <p:nvPicPr>
-          <p:cNvPr id="18" name="Рисунок 17">
+          <p:cNvPr id="3" name="Рисунок 2">
             <a:extLst>
               <a:ext uri="{FF2B5EF4-FFF2-40B4-BE49-F238E27FC236}">
-                <a16:creationId xmlns:a16="http://schemas.microsoft.com/office/drawing/2014/main" id="{213675EF-0A6E-4DC0-B365-4982EC067983}"/>
+                <a16:creationId xmlns:a16="http://schemas.microsoft.com/office/drawing/2014/main" id="{197E2709-7603-4104-9DC8-D7429B588234}"/>
               </a:ext>
             </a:extLst>
           </p:cNvPr>
@@ -6932,8 +7686,8 @@
         </p:blipFill>
         <p:spPr>
           <a:xfrm>
-            <a:off x="1914787" y="2176994"/>
-            <a:ext cx="767457" cy="767457"/>
+            <a:off x="9907664" y="4302915"/>
+            <a:ext cx="628650" cy="800100"/>
           </a:xfrm>
           <a:prstGeom prst="rect">
             <a:avLst/>
@@ -6942,192 +7696,10 @@
       </p:pic>
       <p:pic>
         <p:nvPicPr>
-          <p:cNvPr id="19" name="Рисунок 18">
+          <p:cNvPr id="7" name="Рисунок 6">
             <a:extLst>
               <a:ext uri="{FF2B5EF4-FFF2-40B4-BE49-F238E27FC236}">
-                <a16:creationId xmlns:a16="http://schemas.microsoft.com/office/drawing/2014/main" id="{BEA2C46A-6DDE-442B-9123-2FE426D09E4D}"/>
-              </a:ext>
-            </a:extLst>
-          </p:cNvPr>
-          <p:cNvPicPr>
-            <a:picLocks noChangeAspect="1"/>
-          </p:cNvPicPr>
-          <p:nvPr/>
-        </p:nvPicPr>
-        <p:blipFill>
-          <a:blip r:embed="rId2">
-            <a:extLst>
-              <a:ext uri="{28A0092B-C50C-407E-A947-70E740481C1C}">
-                <a14:useLocalDpi xmlns:a14="http://schemas.microsoft.com/office/drawing/2010/main" val="0"/>
-              </a:ext>
-            </a:extLst>
-          </a:blip>
-          <a:stretch>
-            <a:fillRect/>
-          </a:stretch>
-        </p:blipFill>
-        <p:spPr>
-          <a:xfrm>
-            <a:off x="3514372" y="2129275"/>
-            <a:ext cx="885806" cy="885806"/>
-          </a:xfrm>
-          <a:prstGeom prst="rect">
-            <a:avLst/>
-          </a:prstGeom>
-        </p:spPr>
-      </p:pic>
-      <p:pic>
-        <p:nvPicPr>
-          <p:cNvPr id="20" name="Рисунок 19">
-            <a:extLst>
-              <a:ext uri="{FF2B5EF4-FFF2-40B4-BE49-F238E27FC236}">
-                <a16:creationId xmlns:a16="http://schemas.microsoft.com/office/drawing/2014/main" id="{0A4C19BD-FADF-4292-9858-2C139C62F5E5}"/>
-              </a:ext>
-            </a:extLst>
-          </p:cNvPr>
-          <p:cNvPicPr>
-            <a:picLocks noChangeAspect="1"/>
-          </p:cNvPicPr>
-          <p:nvPr/>
-        </p:nvPicPr>
-        <p:blipFill>
-          <a:blip r:embed="rId2">
-            <a:extLst>
-              <a:ext uri="{28A0092B-C50C-407E-A947-70E740481C1C}">
-                <a14:useLocalDpi xmlns:a14="http://schemas.microsoft.com/office/drawing/2010/main" val="0"/>
-              </a:ext>
-            </a:extLst>
-          </a:blip>
-          <a:stretch>
-            <a:fillRect/>
-          </a:stretch>
-        </p:blipFill>
-        <p:spPr>
-          <a:xfrm>
-            <a:off x="5280937" y="1967067"/>
-            <a:ext cx="1099723" cy="1224632"/>
-          </a:xfrm>
-          <a:prstGeom prst="rect">
-            <a:avLst/>
-          </a:prstGeom>
-        </p:spPr>
-      </p:pic>
-      <p:pic>
-        <p:nvPicPr>
-          <p:cNvPr id="22" name="Рисунок 21">
-            <a:extLst>
-              <a:ext uri="{FF2B5EF4-FFF2-40B4-BE49-F238E27FC236}">
-                <a16:creationId xmlns:a16="http://schemas.microsoft.com/office/drawing/2014/main" id="{ABC07818-CF44-4767-AC69-5B19DDA3658C}"/>
-              </a:ext>
-            </a:extLst>
-          </p:cNvPr>
-          <p:cNvPicPr>
-            <a:picLocks noChangeAspect="1"/>
-          </p:cNvPicPr>
-          <p:nvPr/>
-        </p:nvPicPr>
-        <p:blipFill>
-          <a:blip r:embed="rId2">
-            <a:extLst>
-              <a:ext uri="{28A0092B-C50C-407E-A947-70E740481C1C}">
-                <a14:useLocalDpi xmlns:a14="http://schemas.microsoft.com/office/drawing/2010/main" val="0"/>
-              </a:ext>
-            </a:extLst>
-          </a:blip>
-          <a:stretch>
-            <a:fillRect/>
-          </a:stretch>
-        </p:blipFill>
-        <p:spPr>
-          <a:xfrm>
-            <a:off x="7252320" y="2129273"/>
-            <a:ext cx="885806" cy="885806"/>
-          </a:xfrm>
-          <a:prstGeom prst="rect">
-            <a:avLst/>
-          </a:prstGeom>
-        </p:spPr>
-      </p:pic>
-      <p:pic>
-        <p:nvPicPr>
-          <p:cNvPr id="23" name="Рисунок 22">
-            <a:extLst>
-              <a:ext uri="{FF2B5EF4-FFF2-40B4-BE49-F238E27FC236}">
-                <a16:creationId xmlns:a16="http://schemas.microsoft.com/office/drawing/2014/main" id="{448FDF32-49FC-494B-9DC5-4ABA5EF946A2}"/>
-              </a:ext>
-            </a:extLst>
-          </p:cNvPr>
-          <p:cNvPicPr>
-            <a:picLocks noChangeAspect="1"/>
-          </p:cNvPicPr>
-          <p:nvPr/>
-        </p:nvPicPr>
-        <p:blipFill>
-          <a:blip r:embed="rId2">
-            <a:extLst>
-              <a:ext uri="{28A0092B-C50C-407E-A947-70E740481C1C}">
-                <a14:useLocalDpi xmlns:a14="http://schemas.microsoft.com/office/drawing/2010/main" val="0"/>
-              </a:ext>
-            </a:extLst>
-          </a:blip>
-          <a:stretch>
-            <a:fillRect/>
-          </a:stretch>
-        </p:blipFill>
-        <p:spPr>
-          <a:xfrm>
-            <a:off x="9004751" y="2176994"/>
-            <a:ext cx="767457" cy="767457"/>
-          </a:xfrm>
-          <a:prstGeom prst="rect">
-            <a:avLst/>
-          </a:prstGeom>
-        </p:spPr>
-      </p:pic>
-      <p:cxnSp>
-        <p:nvCxnSpPr>
-          <p:cNvPr id="6" name="Прямая соединительная линия 5">
-            <a:extLst>
-              <a:ext uri="{FF2B5EF4-FFF2-40B4-BE49-F238E27FC236}">
-                <a16:creationId xmlns:a16="http://schemas.microsoft.com/office/drawing/2014/main" id="{D1F33DF3-1B86-4397-98BA-BD3C93387461}"/>
-              </a:ext>
-            </a:extLst>
-          </p:cNvPr>
-          <p:cNvCxnSpPr>
-            <a:cxnSpLocks/>
-          </p:cNvCxnSpPr>
-          <p:nvPr/>
-        </p:nvCxnSpPr>
-        <p:spPr>
-          <a:xfrm>
-            <a:off x="1504762" y="2532185"/>
-            <a:ext cx="9805456" cy="0"/>
-          </a:xfrm>
-          <a:prstGeom prst="line">
-            <a:avLst/>
-          </a:prstGeom>
-        </p:spPr>
-        <p:style>
-          <a:lnRef idx="1">
-            <a:schemeClr val="accent1"/>
-          </a:lnRef>
-          <a:fillRef idx="0">
-            <a:schemeClr val="accent1"/>
-          </a:fillRef>
-          <a:effectRef idx="0">
-            <a:schemeClr val="accent1"/>
-          </a:effectRef>
-          <a:fontRef idx="minor">
-            <a:schemeClr val="tx1"/>
-          </a:fontRef>
-        </p:style>
-      </p:cxnSp>
-      <p:pic>
-        <p:nvPicPr>
-          <p:cNvPr id="5" name="Рисунок 4">
-            <a:extLst>
-              <a:ext uri="{FF2B5EF4-FFF2-40B4-BE49-F238E27FC236}">
-                <a16:creationId xmlns:a16="http://schemas.microsoft.com/office/drawing/2014/main" id="{CF7EC829-5AB5-4E6C-ADA8-D46AF4281CD2}"/>
+                <a16:creationId xmlns:a16="http://schemas.microsoft.com/office/drawing/2014/main" id="{480B1FD2-2D2F-40D2-9BDC-E3F69F211A8F}"/>
               </a:ext>
             </a:extLst>
           </p:cNvPr>
@@ -7150,8 +7722,8 @@
         </p:blipFill>
         <p:spPr>
           <a:xfrm>
-            <a:off x="1776046" y="4325815"/>
-            <a:ext cx="762000" cy="1047750"/>
+            <a:off x="7871733" y="4328219"/>
+            <a:ext cx="800100" cy="800100"/>
           </a:xfrm>
           <a:prstGeom prst="rect">
             <a:avLst/>
@@ -7160,10 +7732,10 @@
       </p:pic>
       <p:pic>
         <p:nvPicPr>
-          <p:cNvPr id="14" name="Рисунок 13">
+          <p:cNvPr id="10" name="Рисунок 9">
             <a:extLst>
               <a:ext uri="{FF2B5EF4-FFF2-40B4-BE49-F238E27FC236}">
-                <a16:creationId xmlns:a16="http://schemas.microsoft.com/office/drawing/2014/main" id="{93B441C2-7F76-406A-87D3-EBE4402F619D}"/>
+                <a16:creationId xmlns:a16="http://schemas.microsoft.com/office/drawing/2014/main" id="{667328AA-3DF1-4E67-836F-A24646D40859}"/>
               </a:ext>
             </a:extLst>
           </p:cNvPr>
@@ -7173,7 +7745,7 @@
           <p:nvPr/>
         </p:nvPicPr>
         <p:blipFill>
-          <a:blip r:embed="rId3">
+          <a:blip r:embed="rId4">
             <a:extLst>
               <a:ext uri="{28A0092B-C50C-407E-A947-70E740481C1C}">
                 <a14:useLocalDpi xmlns:a14="http://schemas.microsoft.com/office/drawing/2010/main" val="0"/>
@@ -7186,8 +7758,8 @@
         </p:blipFill>
         <p:spPr>
           <a:xfrm>
-            <a:off x="3514373" y="4155583"/>
-            <a:ext cx="885805" cy="1217982"/>
+            <a:off x="5826120" y="4159882"/>
+            <a:ext cx="838095" cy="1066667"/>
           </a:xfrm>
           <a:prstGeom prst="rect">
             <a:avLst/>
@@ -7196,10 +7768,10 @@
       </p:pic>
       <p:pic>
         <p:nvPicPr>
-          <p:cNvPr id="15" name="Рисунок 14">
+          <p:cNvPr id="12" name="Рисунок 11">
             <a:extLst>
               <a:ext uri="{FF2B5EF4-FFF2-40B4-BE49-F238E27FC236}">
-                <a16:creationId xmlns:a16="http://schemas.microsoft.com/office/drawing/2014/main" id="{30943B2E-BB61-4A59-B31F-44DB8C1F27F6}"/>
+                <a16:creationId xmlns:a16="http://schemas.microsoft.com/office/drawing/2014/main" id="{4B494BA5-DEB3-4255-B1F9-1BC9E76A4B15}"/>
               </a:ext>
             </a:extLst>
           </p:cNvPr>
@@ -7209,7 +7781,7 @@
           <p:nvPr/>
         </p:nvPicPr>
         <p:blipFill>
-          <a:blip r:embed="rId3">
+          <a:blip r:embed="rId5">
             <a:extLst>
               <a:ext uri="{28A0092B-C50C-407E-A947-70E740481C1C}">
                 <a14:useLocalDpi xmlns:a14="http://schemas.microsoft.com/office/drawing/2010/main" val="0"/>
@@ -7222,8 +7794,8 @@
         </p:blipFill>
         <p:spPr>
           <a:xfrm>
-            <a:off x="5280937" y="4003003"/>
-            <a:ext cx="996772" cy="1370562"/>
+            <a:off x="2966533" y="4159881"/>
+            <a:ext cx="634921" cy="1066667"/>
           </a:xfrm>
           <a:prstGeom prst="rect">
             <a:avLst/>
@@ -7232,10 +7804,10 @@
       </p:pic>
       <p:pic>
         <p:nvPicPr>
-          <p:cNvPr id="16" name="Рисунок 15">
+          <p:cNvPr id="14" name="Рисунок 13">
             <a:extLst>
               <a:ext uri="{FF2B5EF4-FFF2-40B4-BE49-F238E27FC236}">
-                <a16:creationId xmlns:a16="http://schemas.microsoft.com/office/drawing/2014/main" id="{6E429D64-0832-4142-9867-C4BDC64AC0C1}"/>
+                <a16:creationId xmlns:a16="http://schemas.microsoft.com/office/drawing/2014/main" id="{F78A8443-E7FC-4C4B-A3CD-92CD8598C617}"/>
               </a:ext>
             </a:extLst>
           </p:cNvPr>
@@ -7245,7 +7817,7 @@
           <p:nvPr/>
         </p:nvPicPr>
         <p:blipFill>
-          <a:blip r:embed="rId3">
+          <a:blip r:embed="rId6">
             <a:extLst>
               <a:ext uri="{28A0092B-C50C-407E-A947-70E740481C1C}">
                 <a14:useLocalDpi xmlns:a14="http://schemas.microsoft.com/office/drawing/2010/main" val="0"/>
@@ -7258,8 +7830,8 @@
         </p:blipFill>
         <p:spPr>
           <a:xfrm>
-            <a:off x="7252321" y="4155583"/>
-            <a:ext cx="885805" cy="1217982"/>
+            <a:off x="4590289" y="4302915"/>
+            <a:ext cx="142875" cy="800100"/>
           </a:xfrm>
           <a:prstGeom prst="rect">
             <a:avLst/>
@@ -7268,10 +7840,10 @@
       </p:pic>
       <p:pic>
         <p:nvPicPr>
-          <p:cNvPr id="17" name="Рисунок 16">
+          <p:cNvPr id="16" name="Рисунок 15">
             <a:extLst>
               <a:ext uri="{FF2B5EF4-FFF2-40B4-BE49-F238E27FC236}">
-                <a16:creationId xmlns:a16="http://schemas.microsoft.com/office/drawing/2014/main" id="{172A9DB4-976A-4BC7-9E46-835AB7E134D2}"/>
+                <a16:creationId xmlns:a16="http://schemas.microsoft.com/office/drawing/2014/main" id="{18EEF85C-270A-4B69-A90F-C67E227DE045}"/>
               </a:ext>
             </a:extLst>
           </p:cNvPr>
@@ -7281,7 +7853,7 @@
           <p:nvPr/>
         </p:nvPicPr>
         <p:blipFill>
-          <a:blip r:embed="rId3">
+          <a:blip r:embed="rId7">
             <a:extLst>
               <a:ext uri="{28A0092B-C50C-407E-A947-70E740481C1C}">
                 <a14:useLocalDpi xmlns:a14="http://schemas.microsoft.com/office/drawing/2010/main" val="0"/>
@@ -7294,56 +7866,18 @@
         </p:blipFill>
         <p:spPr>
           <a:xfrm>
-            <a:off x="9004751" y="4325815"/>
-            <a:ext cx="762000" cy="1047750"/>
+            <a:off x="1616075" y="4328218"/>
+            <a:ext cx="476250" cy="800100"/>
           </a:xfrm>
           <a:prstGeom prst="rect">
             <a:avLst/>
           </a:prstGeom>
         </p:spPr>
       </p:pic>
-      <p:cxnSp>
-        <p:nvCxnSpPr>
-          <p:cNvPr id="21" name="Прямая соединительная линия 20">
-            <a:extLst>
-              <a:ext uri="{FF2B5EF4-FFF2-40B4-BE49-F238E27FC236}">
-                <a16:creationId xmlns:a16="http://schemas.microsoft.com/office/drawing/2014/main" id="{59B12762-009C-4E9A-BF81-69F8FEC9D1AD}"/>
-              </a:ext>
-            </a:extLst>
-          </p:cNvPr>
-          <p:cNvCxnSpPr>
-            <a:cxnSpLocks/>
-          </p:cNvCxnSpPr>
-          <p:nvPr/>
-        </p:nvCxnSpPr>
-        <p:spPr>
-          <a:xfrm>
-            <a:off x="1193272" y="5373565"/>
-            <a:ext cx="9805456" cy="0"/>
-          </a:xfrm>
-          <a:prstGeom prst="line">
-            <a:avLst/>
-          </a:prstGeom>
-        </p:spPr>
-        <p:style>
-          <a:lnRef idx="1">
-            <a:schemeClr val="accent1"/>
-          </a:lnRef>
-          <a:fillRef idx="0">
-            <a:schemeClr val="accent1"/>
-          </a:fillRef>
-          <a:effectRef idx="0">
-            <a:schemeClr val="accent1"/>
-          </a:effectRef>
-          <a:fontRef idx="minor">
-            <a:schemeClr val="tx1"/>
-          </a:fontRef>
-        </p:style>
-      </p:cxnSp>
     </p:spTree>
     <p:extLst>
       <p:ext uri="{BB962C8B-B14F-4D97-AF65-F5344CB8AC3E}">
-        <p14:creationId xmlns:p14="http://schemas.microsoft.com/office/powerpoint/2010/main" val="3526325253"/>
+        <p14:creationId xmlns:p14="http://schemas.microsoft.com/office/powerpoint/2010/main" val="702244486"/>
       </p:ext>
     </p:extLst>
   </p:cSld>
@@ -7402,7 +7936,7 @@
         </p:spPr>
         <p:txBody>
           <a:bodyPr>
-            <a:normAutofit/>
+            <a:normAutofit fontScale="90000"/>
           </a:bodyPr>
           <a:lstStyle/>
           <a:p>
@@ -7414,7 +7948,7 @@
                   </a:schemeClr>
                 </a:solidFill>
               </a:rPr>
-              <a:t>Самостоятельное задание</a:t>
+              <a:t>Анимация с помощью состояний</a:t>
             </a:r>
           </a:p>
         </p:txBody>
@@ -7481,75 +8015,190 @@
           </a:p>
         </p:txBody>
       </p:sp>
-      <p:sp>
-        <p:nvSpPr>
-          <p:cNvPr id="10" name="Заголовок 3">
+      <p:pic>
+        <p:nvPicPr>
+          <p:cNvPr id="18" name="Рисунок 17">
             <a:extLst>
               <a:ext uri="{FF2B5EF4-FFF2-40B4-BE49-F238E27FC236}">
-                <a16:creationId xmlns:a16="http://schemas.microsoft.com/office/drawing/2014/main" id="{BDA02902-0D72-4B20-B34D-D8B0A5DB3DE7}"/>
+                <a16:creationId xmlns:a16="http://schemas.microsoft.com/office/drawing/2014/main" id="{213675EF-0A6E-4DC0-B365-4982EC067983}"/>
               </a:ext>
             </a:extLst>
           </p:cNvPr>
-          <p:cNvSpPr txBox="1">
-            <a:spLocks/>
-          </p:cNvSpPr>
+          <p:cNvPicPr>
+            <a:picLocks noChangeAspect="1"/>
+          </p:cNvPicPr>
           <p:nvPr/>
-        </p:nvSpPr>
-        <p:spPr>
-          <a:xfrm>
-            <a:off x="1595438" y="824603"/>
-            <a:ext cx="10154383" cy="2350309"/>
+        </p:nvPicPr>
+        <p:blipFill>
+          <a:blip r:embed="rId2">
+            <a:extLst>
+              <a:ext uri="{28A0092B-C50C-407E-A947-70E740481C1C}">
+                <a14:useLocalDpi xmlns:a14="http://schemas.microsoft.com/office/drawing/2010/main" val="0"/>
+              </a:ext>
+            </a:extLst>
+          </a:blip>
+          <a:stretch>
+            <a:fillRect/>
+          </a:stretch>
+        </p:blipFill>
+        <p:spPr>
+          <a:xfrm>
+            <a:off x="2013650" y="2847736"/>
+            <a:ext cx="800100" cy="800100"/>
           </a:xfrm>
           <a:prstGeom prst="rect">
             <a:avLst/>
           </a:prstGeom>
         </p:spPr>
-        <p:txBody>
-          <a:bodyPr vert="horz" lIns="91440" tIns="45720" rIns="91440" bIns="45720" rtlCol="0" anchor="ctr">
-            <a:normAutofit/>
-          </a:bodyPr>
-          <a:lstStyle>
-            <a:lvl1pPr algn="l" defTabSz="914400" rtl="0" eaLnBrk="1" latinLnBrk="0" hangingPunct="1">
-              <a:lnSpc>
-                <a:spcPct val="90000"/>
-              </a:lnSpc>
-              <a:spcBef>
-                <a:spcPct val="0"/>
-              </a:spcBef>
-              <a:buNone/>
-              <a:defRPr lang="en-US" sz="4000" i="0" kern="1200" cap="none" spc="0" baseline="0" dirty="0">
-                <a:solidFill>
-                  <a:schemeClr val="tx1">
-                    <a:lumMod val="85000"/>
-                    <a:lumOff val="15000"/>
-                  </a:schemeClr>
-                </a:solidFill>
-                <a:effectLst/>
-                <a:latin typeface="+mj-lt"/>
-                <a:ea typeface="+mn-ea"/>
-                <a:cs typeface="+mn-cs"/>
-              </a:defRPr>
-            </a:lvl1pPr>
-          </a:lstStyle>
-          <a:p>
-            <a:r>
-              <a:rPr lang="ru-RU" sz="2800" b="1" dirty="0"/>
-              <a:t>Создать анимацию вращения шестеренки</a:t>
-            </a:r>
-          </a:p>
-          <a:p>
-            <a:endParaRPr lang="ru-RU" sz="2800" dirty="0">
-              <a:solidFill>
-                <a:srgbClr val="FFC000"/>
-              </a:solidFill>
-            </a:endParaRPr>
-          </a:p>
-        </p:txBody>
-      </p:sp>
+      </p:pic>
+      <p:pic>
+        <p:nvPicPr>
+          <p:cNvPr id="19" name="Рисунок 18">
+            <a:extLst>
+              <a:ext uri="{FF2B5EF4-FFF2-40B4-BE49-F238E27FC236}">
+                <a16:creationId xmlns:a16="http://schemas.microsoft.com/office/drawing/2014/main" id="{BEA2C46A-6DDE-442B-9123-2FE426D09E4D}"/>
+              </a:ext>
+            </a:extLst>
+          </p:cNvPr>
+          <p:cNvPicPr>
+            <a:picLocks noChangeAspect="1"/>
+          </p:cNvPicPr>
+          <p:nvPr/>
+        </p:nvPicPr>
+        <p:blipFill>
+          <a:blip r:embed="rId2">
+            <a:extLst>
+              <a:ext uri="{28A0092B-C50C-407E-A947-70E740481C1C}">
+                <a14:useLocalDpi xmlns:a14="http://schemas.microsoft.com/office/drawing/2010/main" val="0"/>
+              </a:ext>
+            </a:extLst>
+          </a:blip>
+          <a:stretch>
+            <a:fillRect/>
+          </a:stretch>
+        </p:blipFill>
+        <p:spPr>
+          <a:xfrm>
+            <a:off x="3608200" y="2794982"/>
+            <a:ext cx="923483" cy="923483"/>
+          </a:xfrm>
+          <a:prstGeom prst="rect">
+            <a:avLst/>
+          </a:prstGeom>
+        </p:spPr>
+      </p:pic>
+      <p:pic>
+        <p:nvPicPr>
+          <p:cNvPr id="20" name="Рисунок 19">
+            <a:extLst>
+              <a:ext uri="{FF2B5EF4-FFF2-40B4-BE49-F238E27FC236}">
+                <a16:creationId xmlns:a16="http://schemas.microsoft.com/office/drawing/2014/main" id="{0A4C19BD-FADF-4292-9858-2C139C62F5E5}"/>
+              </a:ext>
+            </a:extLst>
+          </p:cNvPr>
+          <p:cNvPicPr>
+            <a:picLocks noChangeAspect="1"/>
+          </p:cNvPicPr>
+          <p:nvPr/>
+        </p:nvPicPr>
+        <p:blipFill>
+          <a:blip r:embed="rId2">
+            <a:extLst>
+              <a:ext uri="{28A0092B-C50C-407E-A947-70E740481C1C}">
+                <a14:useLocalDpi xmlns:a14="http://schemas.microsoft.com/office/drawing/2010/main" val="0"/>
+              </a:ext>
+            </a:extLst>
+          </a:blip>
+          <a:stretch>
+            <a:fillRect/>
+          </a:stretch>
+        </p:blipFill>
+        <p:spPr>
+          <a:xfrm>
+            <a:off x="5365666" y="2618362"/>
+            <a:ext cx="1146499" cy="1276721"/>
+          </a:xfrm>
+          <a:prstGeom prst="rect">
+            <a:avLst/>
+          </a:prstGeom>
+        </p:spPr>
+      </p:pic>
+      <p:pic>
+        <p:nvPicPr>
+          <p:cNvPr id="22" name="Рисунок 21">
+            <a:extLst>
+              <a:ext uri="{FF2B5EF4-FFF2-40B4-BE49-F238E27FC236}">
+                <a16:creationId xmlns:a16="http://schemas.microsoft.com/office/drawing/2014/main" id="{ABC07818-CF44-4767-AC69-5B19DDA3658C}"/>
+              </a:ext>
+            </a:extLst>
+          </p:cNvPr>
+          <p:cNvPicPr>
+            <a:picLocks noChangeAspect="1"/>
+          </p:cNvPicPr>
+          <p:nvPr/>
+        </p:nvPicPr>
+        <p:blipFill>
+          <a:blip r:embed="rId2">
+            <a:extLst>
+              <a:ext uri="{28A0092B-C50C-407E-A947-70E740481C1C}">
+                <a14:useLocalDpi xmlns:a14="http://schemas.microsoft.com/office/drawing/2010/main" val="0"/>
+              </a:ext>
+            </a:extLst>
+          </a:blip>
+          <a:stretch>
+            <a:fillRect/>
+          </a:stretch>
+        </p:blipFill>
+        <p:spPr>
+          <a:xfrm>
+            <a:off x="7346148" y="2794980"/>
+            <a:ext cx="923483" cy="923483"/>
+          </a:xfrm>
+          <a:prstGeom prst="rect">
+            <a:avLst/>
+          </a:prstGeom>
+        </p:spPr>
+      </p:pic>
+      <p:pic>
+        <p:nvPicPr>
+          <p:cNvPr id="23" name="Рисунок 22">
+            <a:extLst>
+              <a:ext uri="{FF2B5EF4-FFF2-40B4-BE49-F238E27FC236}">
+                <a16:creationId xmlns:a16="http://schemas.microsoft.com/office/drawing/2014/main" id="{448FDF32-49FC-494B-9DC5-4ABA5EF946A2}"/>
+              </a:ext>
+            </a:extLst>
+          </p:cNvPr>
+          <p:cNvPicPr>
+            <a:picLocks noChangeAspect="1"/>
+          </p:cNvPicPr>
+          <p:nvPr/>
+        </p:nvPicPr>
+        <p:blipFill>
+          <a:blip r:embed="rId2">
+            <a:extLst>
+              <a:ext uri="{28A0092B-C50C-407E-A947-70E740481C1C}">
+                <a14:useLocalDpi xmlns:a14="http://schemas.microsoft.com/office/drawing/2010/main" val="0"/>
+              </a:ext>
+            </a:extLst>
+          </a:blip>
+          <a:stretch>
+            <a:fillRect/>
+          </a:stretch>
+        </p:blipFill>
+        <p:spPr>
+          <a:xfrm>
+            <a:off x="9103614" y="2847736"/>
+            <a:ext cx="800100" cy="800100"/>
+          </a:xfrm>
+          <a:prstGeom prst="rect">
+            <a:avLst/>
+          </a:prstGeom>
+        </p:spPr>
+      </p:pic>
     </p:spTree>
     <p:extLst>
       <p:ext uri="{BB962C8B-B14F-4D97-AF65-F5344CB8AC3E}">
-        <p14:creationId xmlns:p14="http://schemas.microsoft.com/office/powerpoint/2010/main" val="3175867812"/>
+        <p14:creationId xmlns:p14="http://schemas.microsoft.com/office/powerpoint/2010/main" val="205627022"/>
       </p:ext>
     </p:extLst>
   </p:cSld>
@@ -7602,13 +8251,13 @@
         </p:nvSpPr>
         <p:spPr>
           <a:xfrm>
-            <a:off x="3192603" y="445227"/>
+            <a:off x="1914787" y="527288"/>
             <a:ext cx="8362426" cy="976911"/>
           </a:xfrm>
         </p:spPr>
         <p:txBody>
           <a:bodyPr>
-            <a:normAutofit/>
+            <a:normAutofit fontScale="90000"/>
           </a:bodyPr>
           <a:lstStyle/>
           <a:p>
@@ -7620,7 +8269,7 @@
                   </a:schemeClr>
                 </a:solidFill>
               </a:rPr>
-              <a:t>Анимация в скрипте</a:t>
+              <a:t>Анимация с помощью состояний</a:t>
             </a:r>
           </a:p>
         </p:txBody>
@@ -7641,8 +8290,8 @@
         </p:nvSpPr>
         <p:spPr>
           <a:xfrm>
-            <a:off x="4271831" y="2223525"/>
-            <a:ext cx="4490429" cy="1662621"/>
+            <a:off x="4323530" y="1637974"/>
+            <a:ext cx="4307225" cy="1544788"/>
           </a:xfrm>
           <a:prstGeom prst="rect">
             <a:avLst/>
@@ -7687,10 +8336,446 @@
           </a:p>
         </p:txBody>
       </p:sp>
+      <p:pic>
+        <p:nvPicPr>
+          <p:cNvPr id="18" name="Рисунок 17">
+            <a:extLst>
+              <a:ext uri="{FF2B5EF4-FFF2-40B4-BE49-F238E27FC236}">
+                <a16:creationId xmlns:a16="http://schemas.microsoft.com/office/drawing/2014/main" id="{213675EF-0A6E-4DC0-B365-4982EC067983}"/>
+              </a:ext>
+            </a:extLst>
+          </p:cNvPr>
+          <p:cNvPicPr>
+            <a:picLocks noChangeAspect="1"/>
+          </p:cNvPicPr>
+          <p:nvPr/>
+        </p:nvPicPr>
+        <p:blipFill>
+          <a:blip r:embed="rId2">
+            <a:extLst>
+              <a:ext uri="{28A0092B-C50C-407E-A947-70E740481C1C}">
+                <a14:useLocalDpi xmlns:a14="http://schemas.microsoft.com/office/drawing/2010/main" val="0"/>
+              </a:ext>
+            </a:extLst>
+          </a:blip>
+          <a:stretch>
+            <a:fillRect/>
+          </a:stretch>
+        </p:blipFill>
+        <p:spPr>
+          <a:xfrm>
+            <a:off x="1914787" y="2176994"/>
+            <a:ext cx="767457" cy="767457"/>
+          </a:xfrm>
+          <a:prstGeom prst="rect">
+            <a:avLst/>
+          </a:prstGeom>
+        </p:spPr>
+      </p:pic>
+      <p:pic>
+        <p:nvPicPr>
+          <p:cNvPr id="19" name="Рисунок 18">
+            <a:extLst>
+              <a:ext uri="{FF2B5EF4-FFF2-40B4-BE49-F238E27FC236}">
+                <a16:creationId xmlns:a16="http://schemas.microsoft.com/office/drawing/2014/main" id="{BEA2C46A-6DDE-442B-9123-2FE426D09E4D}"/>
+              </a:ext>
+            </a:extLst>
+          </p:cNvPr>
+          <p:cNvPicPr>
+            <a:picLocks noChangeAspect="1"/>
+          </p:cNvPicPr>
+          <p:nvPr/>
+        </p:nvPicPr>
+        <p:blipFill>
+          <a:blip r:embed="rId2">
+            <a:extLst>
+              <a:ext uri="{28A0092B-C50C-407E-A947-70E740481C1C}">
+                <a14:useLocalDpi xmlns:a14="http://schemas.microsoft.com/office/drawing/2010/main" val="0"/>
+              </a:ext>
+            </a:extLst>
+          </a:blip>
+          <a:stretch>
+            <a:fillRect/>
+          </a:stretch>
+        </p:blipFill>
+        <p:spPr>
+          <a:xfrm>
+            <a:off x="3514372" y="2129275"/>
+            <a:ext cx="885806" cy="885806"/>
+          </a:xfrm>
+          <a:prstGeom prst="rect">
+            <a:avLst/>
+          </a:prstGeom>
+        </p:spPr>
+      </p:pic>
+      <p:pic>
+        <p:nvPicPr>
+          <p:cNvPr id="20" name="Рисунок 19">
+            <a:extLst>
+              <a:ext uri="{FF2B5EF4-FFF2-40B4-BE49-F238E27FC236}">
+                <a16:creationId xmlns:a16="http://schemas.microsoft.com/office/drawing/2014/main" id="{0A4C19BD-FADF-4292-9858-2C139C62F5E5}"/>
+              </a:ext>
+            </a:extLst>
+          </p:cNvPr>
+          <p:cNvPicPr>
+            <a:picLocks noChangeAspect="1"/>
+          </p:cNvPicPr>
+          <p:nvPr/>
+        </p:nvPicPr>
+        <p:blipFill>
+          <a:blip r:embed="rId2">
+            <a:extLst>
+              <a:ext uri="{28A0092B-C50C-407E-A947-70E740481C1C}">
+                <a14:useLocalDpi xmlns:a14="http://schemas.microsoft.com/office/drawing/2010/main" val="0"/>
+              </a:ext>
+            </a:extLst>
+          </a:blip>
+          <a:stretch>
+            <a:fillRect/>
+          </a:stretch>
+        </p:blipFill>
+        <p:spPr>
+          <a:xfrm>
+            <a:off x="5280937" y="1967067"/>
+            <a:ext cx="1099723" cy="1224632"/>
+          </a:xfrm>
+          <a:prstGeom prst="rect">
+            <a:avLst/>
+          </a:prstGeom>
+        </p:spPr>
+      </p:pic>
+      <p:pic>
+        <p:nvPicPr>
+          <p:cNvPr id="22" name="Рисунок 21">
+            <a:extLst>
+              <a:ext uri="{FF2B5EF4-FFF2-40B4-BE49-F238E27FC236}">
+                <a16:creationId xmlns:a16="http://schemas.microsoft.com/office/drawing/2014/main" id="{ABC07818-CF44-4767-AC69-5B19DDA3658C}"/>
+              </a:ext>
+            </a:extLst>
+          </p:cNvPr>
+          <p:cNvPicPr>
+            <a:picLocks noChangeAspect="1"/>
+          </p:cNvPicPr>
+          <p:nvPr/>
+        </p:nvPicPr>
+        <p:blipFill>
+          <a:blip r:embed="rId2">
+            <a:extLst>
+              <a:ext uri="{28A0092B-C50C-407E-A947-70E740481C1C}">
+                <a14:useLocalDpi xmlns:a14="http://schemas.microsoft.com/office/drawing/2010/main" val="0"/>
+              </a:ext>
+            </a:extLst>
+          </a:blip>
+          <a:stretch>
+            <a:fillRect/>
+          </a:stretch>
+        </p:blipFill>
+        <p:spPr>
+          <a:xfrm>
+            <a:off x="7252320" y="2129273"/>
+            <a:ext cx="885806" cy="885806"/>
+          </a:xfrm>
+          <a:prstGeom prst="rect">
+            <a:avLst/>
+          </a:prstGeom>
+        </p:spPr>
+      </p:pic>
+      <p:pic>
+        <p:nvPicPr>
+          <p:cNvPr id="23" name="Рисунок 22">
+            <a:extLst>
+              <a:ext uri="{FF2B5EF4-FFF2-40B4-BE49-F238E27FC236}">
+                <a16:creationId xmlns:a16="http://schemas.microsoft.com/office/drawing/2014/main" id="{448FDF32-49FC-494B-9DC5-4ABA5EF946A2}"/>
+              </a:ext>
+            </a:extLst>
+          </p:cNvPr>
+          <p:cNvPicPr>
+            <a:picLocks noChangeAspect="1"/>
+          </p:cNvPicPr>
+          <p:nvPr/>
+        </p:nvPicPr>
+        <p:blipFill>
+          <a:blip r:embed="rId2">
+            <a:extLst>
+              <a:ext uri="{28A0092B-C50C-407E-A947-70E740481C1C}">
+                <a14:useLocalDpi xmlns:a14="http://schemas.microsoft.com/office/drawing/2010/main" val="0"/>
+              </a:ext>
+            </a:extLst>
+          </a:blip>
+          <a:stretch>
+            <a:fillRect/>
+          </a:stretch>
+        </p:blipFill>
+        <p:spPr>
+          <a:xfrm>
+            <a:off x="9004751" y="2176994"/>
+            <a:ext cx="767457" cy="767457"/>
+          </a:xfrm>
+          <a:prstGeom prst="rect">
+            <a:avLst/>
+          </a:prstGeom>
+        </p:spPr>
+      </p:pic>
+      <p:cxnSp>
+        <p:nvCxnSpPr>
+          <p:cNvPr id="6" name="Прямая соединительная линия 5">
+            <a:extLst>
+              <a:ext uri="{FF2B5EF4-FFF2-40B4-BE49-F238E27FC236}">
+                <a16:creationId xmlns:a16="http://schemas.microsoft.com/office/drawing/2014/main" id="{D1F33DF3-1B86-4397-98BA-BD3C93387461}"/>
+              </a:ext>
+            </a:extLst>
+          </p:cNvPr>
+          <p:cNvCxnSpPr>
+            <a:cxnSpLocks/>
+          </p:cNvCxnSpPr>
+          <p:nvPr/>
+        </p:nvCxnSpPr>
+        <p:spPr>
+          <a:xfrm>
+            <a:off x="1504762" y="2532185"/>
+            <a:ext cx="9805456" cy="0"/>
+          </a:xfrm>
+          <a:prstGeom prst="line">
+            <a:avLst/>
+          </a:prstGeom>
+        </p:spPr>
+        <p:style>
+          <a:lnRef idx="1">
+            <a:schemeClr val="accent1"/>
+          </a:lnRef>
+          <a:fillRef idx="0">
+            <a:schemeClr val="accent1"/>
+          </a:fillRef>
+          <a:effectRef idx="0">
+            <a:schemeClr val="accent1"/>
+          </a:effectRef>
+          <a:fontRef idx="minor">
+            <a:schemeClr val="tx1"/>
+          </a:fontRef>
+        </p:style>
+      </p:cxnSp>
+      <p:pic>
+        <p:nvPicPr>
+          <p:cNvPr id="5" name="Рисунок 4">
+            <a:extLst>
+              <a:ext uri="{FF2B5EF4-FFF2-40B4-BE49-F238E27FC236}">
+                <a16:creationId xmlns:a16="http://schemas.microsoft.com/office/drawing/2014/main" id="{CF7EC829-5AB5-4E6C-ADA8-D46AF4281CD2}"/>
+              </a:ext>
+            </a:extLst>
+          </p:cNvPr>
+          <p:cNvPicPr>
+            <a:picLocks noChangeAspect="1"/>
+          </p:cNvPicPr>
+          <p:nvPr/>
+        </p:nvPicPr>
+        <p:blipFill>
+          <a:blip r:embed="rId3">
+            <a:extLst>
+              <a:ext uri="{28A0092B-C50C-407E-A947-70E740481C1C}">
+                <a14:useLocalDpi xmlns:a14="http://schemas.microsoft.com/office/drawing/2010/main" val="0"/>
+              </a:ext>
+            </a:extLst>
+          </a:blip>
+          <a:stretch>
+            <a:fillRect/>
+          </a:stretch>
+        </p:blipFill>
+        <p:spPr>
+          <a:xfrm>
+            <a:off x="1776046" y="4325815"/>
+            <a:ext cx="762000" cy="1047750"/>
+          </a:xfrm>
+          <a:prstGeom prst="rect">
+            <a:avLst/>
+          </a:prstGeom>
+        </p:spPr>
+      </p:pic>
+      <p:pic>
+        <p:nvPicPr>
+          <p:cNvPr id="14" name="Рисунок 13">
+            <a:extLst>
+              <a:ext uri="{FF2B5EF4-FFF2-40B4-BE49-F238E27FC236}">
+                <a16:creationId xmlns:a16="http://schemas.microsoft.com/office/drawing/2014/main" id="{93B441C2-7F76-406A-87D3-EBE4402F619D}"/>
+              </a:ext>
+            </a:extLst>
+          </p:cNvPr>
+          <p:cNvPicPr>
+            <a:picLocks noChangeAspect="1"/>
+          </p:cNvPicPr>
+          <p:nvPr/>
+        </p:nvPicPr>
+        <p:blipFill>
+          <a:blip r:embed="rId3">
+            <a:extLst>
+              <a:ext uri="{28A0092B-C50C-407E-A947-70E740481C1C}">
+                <a14:useLocalDpi xmlns:a14="http://schemas.microsoft.com/office/drawing/2010/main" val="0"/>
+              </a:ext>
+            </a:extLst>
+          </a:blip>
+          <a:stretch>
+            <a:fillRect/>
+          </a:stretch>
+        </p:blipFill>
+        <p:spPr>
+          <a:xfrm>
+            <a:off x="3514373" y="4155583"/>
+            <a:ext cx="885805" cy="1217982"/>
+          </a:xfrm>
+          <a:prstGeom prst="rect">
+            <a:avLst/>
+          </a:prstGeom>
+        </p:spPr>
+      </p:pic>
+      <p:pic>
+        <p:nvPicPr>
+          <p:cNvPr id="15" name="Рисунок 14">
+            <a:extLst>
+              <a:ext uri="{FF2B5EF4-FFF2-40B4-BE49-F238E27FC236}">
+                <a16:creationId xmlns:a16="http://schemas.microsoft.com/office/drawing/2014/main" id="{30943B2E-BB61-4A59-B31F-44DB8C1F27F6}"/>
+              </a:ext>
+            </a:extLst>
+          </p:cNvPr>
+          <p:cNvPicPr>
+            <a:picLocks noChangeAspect="1"/>
+          </p:cNvPicPr>
+          <p:nvPr/>
+        </p:nvPicPr>
+        <p:blipFill>
+          <a:blip r:embed="rId3">
+            <a:extLst>
+              <a:ext uri="{28A0092B-C50C-407E-A947-70E740481C1C}">
+                <a14:useLocalDpi xmlns:a14="http://schemas.microsoft.com/office/drawing/2010/main" val="0"/>
+              </a:ext>
+            </a:extLst>
+          </a:blip>
+          <a:stretch>
+            <a:fillRect/>
+          </a:stretch>
+        </p:blipFill>
+        <p:spPr>
+          <a:xfrm>
+            <a:off x="5280937" y="4003003"/>
+            <a:ext cx="996772" cy="1370562"/>
+          </a:xfrm>
+          <a:prstGeom prst="rect">
+            <a:avLst/>
+          </a:prstGeom>
+        </p:spPr>
+      </p:pic>
+      <p:pic>
+        <p:nvPicPr>
+          <p:cNvPr id="16" name="Рисунок 15">
+            <a:extLst>
+              <a:ext uri="{FF2B5EF4-FFF2-40B4-BE49-F238E27FC236}">
+                <a16:creationId xmlns:a16="http://schemas.microsoft.com/office/drawing/2014/main" id="{6E429D64-0832-4142-9867-C4BDC64AC0C1}"/>
+              </a:ext>
+            </a:extLst>
+          </p:cNvPr>
+          <p:cNvPicPr>
+            <a:picLocks noChangeAspect="1"/>
+          </p:cNvPicPr>
+          <p:nvPr/>
+        </p:nvPicPr>
+        <p:blipFill>
+          <a:blip r:embed="rId3">
+            <a:extLst>
+              <a:ext uri="{28A0092B-C50C-407E-A947-70E740481C1C}">
+                <a14:useLocalDpi xmlns:a14="http://schemas.microsoft.com/office/drawing/2010/main" val="0"/>
+              </a:ext>
+            </a:extLst>
+          </a:blip>
+          <a:stretch>
+            <a:fillRect/>
+          </a:stretch>
+        </p:blipFill>
+        <p:spPr>
+          <a:xfrm>
+            <a:off x="7252321" y="4155583"/>
+            <a:ext cx="885805" cy="1217982"/>
+          </a:xfrm>
+          <a:prstGeom prst="rect">
+            <a:avLst/>
+          </a:prstGeom>
+        </p:spPr>
+      </p:pic>
+      <p:pic>
+        <p:nvPicPr>
+          <p:cNvPr id="17" name="Рисунок 16">
+            <a:extLst>
+              <a:ext uri="{FF2B5EF4-FFF2-40B4-BE49-F238E27FC236}">
+                <a16:creationId xmlns:a16="http://schemas.microsoft.com/office/drawing/2014/main" id="{172A9DB4-976A-4BC7-9E46-835AB7E134D2}"/>
+              </a:ext>
+            </a:extLst>
+          </p:cNvPr>
+          <p:cNvPicPr>
+            <a:picLocks noChangeAspect="1"/>
+          </p:cNvPicPr>
+          <p:nvPr/>
+        </p:nvPicPr>
+        <p:blipFill>
+          <a:blip r:embed="rId3">
+            <a:extLst>
+              <a:ext uri="{28A0092B-C50C-407E-A947-70E740481C1C}">
+                <a14:useLocalDpi xmlns:a14="http://schemas.microsoft.com/office/drawing/2010/main" val="0"/>
+              </a:ext>
+            </a:extLst>
+          </a:blip>
+          <a:stretch>
+            <a:fillRect/>
+          </a:stretch>
+        </p:blipFill>
+        <p:spPr>
+          <a:xfrm>
+            <a:off x="9004751" y="4325815"/>
+            <a:ext cx="762000" cy="1047750"/>
+          </a:xfrm>
+          <a:prstGeom prst="rect">
+            <a:avLst/>
+          </a:prstGeom>
+        </p:spPr>
+      </p:pic>
+      <p:cxnSp>
+        <p:nvCxnSpPr>
+          <p:cNvPr id="21" name="Прямая соединительная линия 20">
+            <a:extLst>
+              <a:ext uri="{FF2B5EF4-FFF2-40B4-BE49-F238E27FC236}">
+                <a16:creationId xmlns:a16="http://schemas.microsoft.com/office/drawing/2014/main" id="{59B12762-009C-4E9A-BF81-69F8FEC9D1AD}"/>
+              </a:ext>
+            </a:extLst>
+          </p:cNvPr>
+          <p:cNvCxnSpPr>
+            <a:cxnSpLocks/>
+          </p:cNvCxnSpPr>
+          <p:nvPr/>
+        </p:nvCxnSpPr>
+        <p:spPr>
+          <a:xfrm>
+            <a:off x="1193272" y="5373565"/>
+            <a:ext cx="9805456" cy="0"/>
+          </a:xfrm>
+          <a:prstGeom prst="line">
+            <a:avLst/>
+          </a:prstGeom>
+        </p:spPr>
+        <p:style>
+          <a:lnRef idx="1">
+            <a:schemeClr val="accent1"/>
+          </a:lnRef>
+          <a:fillRef idx="0">
+            <a:schemeClr val="accent1"/>
+          </a:fillRef>
+          <a:effectRef idx="0">
+            <a:schemeClr val="accent1"/>
+          </a:effectRef>
+          <a:fontRef idx="minor">
+            <a:schemeClr val="tx1"/>
+          </a:fontRef>
+        </p:style>
+      </p:cxnSp>
     </p:spTree>
     <p:extLst>
       <p:ext uri="{BB962C8B-B14F-4D97-AF65-F5344CB8AC3E}">
-        <p14:creationId xmlns:p14="http://schemas.microsoft.com/office/powerpoint/2010/main" val="1455843240"/>
+        <p14:creationId xmlns:p14="http://schemas.microsoft.com/office/powerpoint/2010/main" val="3526325253"/>
       </p:ext>
     </p:extLst>
   </p:cSld>

--- a/Unity/Lesson9/Animation.pptx
+++ b/Unity/Lesson9/Animation.pptx
@@ -14,8 +14,8 @@
     <p:sldId id="257" r:id="rId2"/>
     <p:sldId id="271" r:id="rId3"/>
     <p:sldId id="270" r:id="rId4"/>
-    <p:sldId id="262" r:id="rId5"/>
-    <p:sldId id="263" r:id="rId6"/>
+    <p:sldId id="263" r:id="rId5"/>
+    <p:sldId id="262" r:id="rId6"/>
     <p:sldId id="261" r:id="rId7"/>
     <p:sldId id="264" r:id="rId8"/>
     <p:sldId id="267" r:id="rId9"/>
@@ -168,7 +168,7 @@
                 transform.localScale = new Vector3(transform.localScale.x * -1, 1f, 1f);
             }
         }</p:text>
-    <p:extLst>
+    <p:extLst mod="1">
       <p:ext uri="{C676402C-5697-4E1C-873F-D02D1690AC5C}">
         <p15:threadingInfo xmlns:p15="http://schemas.microsoft.com/office/powerpoint/2012/main" timeZoneBias="-300"/>
       </p:ext>
@@ -354,7 +354,7 @@
             <a:pPr rtl="0"/>
             <a:fld id="{6B5C320A-F5C8-4FD6-86FF-35D2EBF085B6}" type="datetime1">
               <a:rPr lang="ru-RU" smtClean="0"/>
-              <a:t>01.11.2020</a:t>
+              <a:t>02.11.2020</a:t>
             </a:fld>
             <a:endParaRPr lang="en-US" dirty="0"/>
           </a:p>
@@ -524,7 +524,7 @@
             <a:pPr rtl="0"/>
             <a:fld id="{15C702C7-E599-40D9-B30E-0392896973B5}" type="datetime1">
               <a:rPr lang="ru-RU" smtClean="0"/>
-              <a:t>01.11.2020</a:t>
+              <a:t>02.11.2020</a:t>
             </a:fld>
             <a:endParaRPr lang="en-US"/>
           </a:p>
@@ -1269,7 +1269,7 @@
             <a:pPr rtl="0"/>
             <a:fld id="{6506E9A3-1561-45B7-908B-DACC52528ABB}" type="datetime1">
               <a:rPr lang="ru-RU" smtClean="0"/>
-              <a:t>01.11.2020</a:t>
+              <a:t>02.11.2020</a:t>
             </a:fld>
             <a:endParaRPr lang="en-US" dirty="0"/>
           </a:p>
@@ -1475,7 +1475,7 @@
             <a:pPr rtl="0"/>
             <a:fld id="{3E92B999-6CB2-48D4-8AF6-3D1A5D13436B}" type="datetime1">
               <a:rPr lang="ru-RU" smtClean="0"/>
-              <a:t>01.11.2020</a:t>
+              <a:t>02.11.2020</a:t>
             </a:fld>
             <a:endParaRPr lang="en-US"/>
           </a:p>
@@ -1659,7 +1659,7 @@
             <a:pPr rtl="0"/>
             <a:fld id="{B52C98DB-1092-48C4-AD4E-BD3E9D2E2345}" type="datetime1">
               <a:rPr lang="ru-RU" smtClean="0"/>
-              <a:t>01.11.2020</a:t>
+              <a:t>02.11.2020</a:t>
             </a:fld>
             <a:endParaRPr lang="en-US"/>
           </a:p>
@@ -1833,7 +1833,7 @@
             <a:pPr rtl="0"/>
             <a:fld id="{629C2F20-7994-4D1E-A01C-96ECBA4612EB}" type="datetime1">
               <a:rPr lang="ru-RU" smtClean="0"/>
-              <a:t>01.11.2020</a:t>
+              <a:t>02.11.2020</a:t>
             </a:fld>
             <a:endParaRPr lang="en-US"/>
           </a:p>
@@ -2436,7 +2436,7 @@
             <a:pPr rtl="0"/>
             <a:fld id="{7B2CE4EA-3B49-4A00-ADF3-7C7272A626C1}" type="datetime1">
               <a:rPr lang="ru-RU" smtClean="0"/>
-              <a:t>01.11.2020</a:t>
+              <a:t>02.11.2020</a:t>
             </a:fld>
             <a:endParaRPr lang="en-US" dirty="0"/>
           </a:p>
@@ -2760,7 +2760,7 @@
             <a:pPr rtl="0"/>
             <a:fld id="{9A16848F-27AD-43B9-904C-1CF05D24EB3C}" type="datetime1">
               <a:rPr lang="ru-RU" smtClean="0"/>
-              <a:t>01.11.2020</a:t>
+              <a:t>02.11.2020</a:t>
             </a:fld>
             <a:endParaRPr lang="en-US"/>
           </a:p>
@@ -3201,7 +3201,7 @@
             <a:pPr rtl="0"/>
             <a:fld id="{23090412-2DE5-405A-816E-F08FB54EB168}" type="datetime1">
               <a:rPr lang="ru-RU" smtClean="0"/>
-              <a:t>01.11.2020</a:t>
+              <a:t>02.11.2020</a:t>
             </a:fld>
             <a:endParaRPr lang="en-US"/>
           </a:p>
@@ -3323,7 +3323,7 @@
             <a:pPr rtl="0"/>
             <a:fld id="{F4C2D7CB-4DC1-4BB7-BF00-4C36160857E0}" type="datetime1">
               <a:rPr lang="ru-RU" smtClean="0"/>
-              <a:t>01.11.2020</a:t>
+              <a:t>02.11.2020</a:t>
             </a:fld>
             <a:endParaRPr lang="en-US"/>
           </a:p>
@@ -3421,7 +3421,7 @@
             <a:pPr rtl="0"/>
             <a:fld id="{4060D38F-E364-4ED4-9BF4-D7F00FFBE76A}" type="datetime1">
               <a:rPr lang="ru-RU" smtClean="0"/>
-              <a:t>01.11.2020</a:t>
+              <a:t>02.11.2020</a:t>
             </a:fld>
             <a:endParaRPr lang="en-US"/>
           </a:p>
@@ -3842,7 +3842,7 @@
             <a:pPr rtl="0"/>
             <a:fld id="{F183FEFD-AB08-4CB5-AE4D-2F6B12D8E3B0}" type="datetime1">
               <a:rPr lang="ru-RU" smtClean="0"/>
-              <a:t>01.11.2020</a:t>
+              <a:t>02.11.2020</a:t>
             </a:fld>
             <a:endParaRPr lang="en-US"/>
           </a:p>
@@ -4107,7 +4107,7 @@
             <a:pPr rtl="0"/>
             <a:fld id="{EBEA1583-5CEF-4E36-A7FC-D34B7E954D76}" type="datetime1">
               <a:rPr lang="ru-RU" smtClean="0"/>
-              <a:t>01.11.2020</a:t>
+              <a:t>02.11.2020</a:t>
             </a:fld>
             <a:endParaRPr lang="en-US" dirty="0"/>
           </a:p>
@@ -4627,7 +4627,7 @@
             <a:pPr rtl="0"/>
             <a:fld id="{1068A786-B8BF-4988-ACBA-DD9B5BC8D522}" type="datetime1">
               <a:rPr lang="ru-RU" smtClean="0"/>
-              <a:t>01.11.2020</a:t>
+              <a:t>02.11.2020</a:t>
             </a:fld>
             <a:endParaRPr lang="en-US" dirty="0"/>
           </a:p>
@@ -7093,95 +7093,100 @@
           </a:p>
         </p:txBody>
       </p:sp>
-      <p:pic>
-        <p:nvPicPr>
-          <p:cNvPr id="1026" name="Picture 2" descr="Примеры технологий в анимации. Понятие и виды анимации">
+      <p:sp>
+        <p:nvSpPr>
+          <p:cNvPr id="9" name="Заголовок 3">
             <a:extLst>
               <a:ext uri="{FF2B5EF4-FFF2-40B4-BE49-F238E27FC236}">
-                <a16:creationId xmlns:a16="http://schemas.microsoft.com/office/drawing/2014/main" id="{D3CC4E10-2A1E-414A-BA24-B38B79A816EE}"/>
+                <a16:creationId xmlns:a16="http://schemas.microsoft.com/office/drawing/2014/main" id="{7BBA4A03-7F70-4DAE-9489-2F06D46DB9E3}"/>
               </a:ext>
             </a:extLst>
           </p:cNvPr>
-          <p:cNvPicPr>
-            <a:picLocks noChangeAspect="1" noChangeArrowheads="1"/>
-          </p:cNvPicPr>
+          <p:cNvSpPr txBox="1">
+            <a:spLocks/>
+          </p:cNvSpPr>
           <p:nvPr/>
-        </p:nvPicPr>
-        <p:blipFill>
-          <a:blip r:embed="rId2">
-            <a:extLst>
-              <a:ext uri="{28A0092B-C50C-407E-A947-70E740481C1C}">
-                <a14:useLocalDpi xmlns:a14="http://schemas.microsoft.com/office/drawing/2010/main" val="0"/>
-              </a:ext>
-            </a:extLst>
-          </a:blip>
-          <a:srcRect/>
-          <a:stretch>
-            <a:fillRect/>
-          </a:stretch>
-        </p:blipFill>
-        <p:spPr bwMode="auto">
-          <a:xfrm>
-            <a:off x="1047565" y="1494129"/>
-            <a:ext cx="7842867" cy="3590710"/>
+        </p:nvSpPr>
+        <p:spPr>
+          <a:xfrm>
+            <a:off x="4005501" y="2121762"/>
+            <a:ext cx="4667983" cy="2350309"/>
           </a:xfrm>
           <a:prstGeom prst="rect">
             <a:avLst/>
           </a:prstGeom>
-          <a:noFill/>
-          <a:extLst>
-            <a:ext uri="{909E8E84-426E-40DD-AFC4-6F175D3DCCD1}">
-              <a14:hiddenFill xmlns:a14="http://schemas.microsoft.com/office/drawing/2010/main">
+        </p:spPr>
+        <p:txBody>
+          <a:bodyPr vert="horz" lIns="91440" tIns="45720" rIns="91440" bIns="45720" rtlCol="0" anchor="ctr">
+            <a:normAutofit/>
+          </a:bodyPr>
+          <a:lstStyle>
+            <a:lvl1pPr algn="l" defTabSz="914400" rtl="0" eaLnBrk="1" latinLnBrk="0" hangingPunct="1">
+              <a:lnSpc>
+                <a:spcPct val="90000"/>
+              </a:lnSpc>
+              <a:spcBef>
+                <a:spcPct val="0"/>
+              </a:spcBef>
+              <a:buNone/>
+              <a:defRPr lang="en-US" sz="4000" i="0" kern="1200" cap="none" spc="0" baseline="0" dirty="0">
                 <a:solidFill>
-                  <a:srgbClr val="FFFFFF"/>
+                  <a:schemeClr val="tx1">
+                    <a:lumMod val="85000"/>
+                    <a:lumOff val="15000"/>
+                  </a:schemeClr>
                 </a:solidFill>
-              </a14:hiddenFill>
-            </a:ext>
-          </a:extLst>
-        </p:spPr>
-      </p:pic>
-      <p:sp>
-        <p:nvSpPr>
-          <p:cNvPr id="2" name="TextBox 1">
-            <a:extLst>
-              <a:ext uri="{FF2B5EF4-FFF2-40B4-BE49-F238E27FC236}">
-                <a16:creationId xmlns:a16="http://schemas.microsoft.com/office/drawing/2014/main" id="{9DC586E9-A104-4475-847F-BCBCCD5D94CF}"/>
-              </a:ext>
-            </a:extLst>
-          </p:cNvPr>
-          <p:cNvSpPr txBox="1"/>
-          <p:nvPr/>
-        </p:nvSpPr>
-        <p:spPr>
-          <a:xfrm>
-            <a:off x="1047565" y="5477522"/>
-            <a:ext cx="5360763" cy="707886"/>
-          </a:xfrm>
-          <a:prstGeom prst="rect">
-            <a:avLst/>
-          </a:prstGeom>
-          <a:noFill/>
-        </p:spPr>
-        <p:txBody>
-          <a:bodyPr wrap="none" rtlCol="0">
-            <a:spAutoFit/>
-          </a:bodyPr>
-          <a:lstStyle/>
-          <a:p>
-            <a:r>
-              <a:rPr lang="ru-RU" sz="2000" dirty="0"/>
-              <a:t>Как быстро происходит смена кадров?</a:t>
-            </a:r>
-          </a:p>
-          <a:p>
-            <a:endParaRPr lang="ru-RU" sz="2000" dirty="0"/>
+                <a:effectLst/>
+                <a:latin typeface="+mj-lt"/>
+                <a:ea typeface="+mn-ea"/>
+                <a:cs typeface="+mn-cs"/>
+              </a:defRPr>
+            </a:lvl1pPr>
+          </a:lstStyle>
+          <a:p>
+            <a:r>
+              <a:rPr lang="ru-RU" sz="2800" dirty="0">
+                <a:solidFill>
+                  <a:srgbClr val="FFC000"/>
+                </a:solidFill>
+              </a:rPr>
+              <a:t>Ссылка на ресурсы</a:t>
+            </a:r>
+          </a:p>
+          <a:p>
+            <a:endParaRPr lang="ru-RU" sz="2800" dirty="0">
+              <a:solidFill>
+                <a:srgbClr val="FFC000"/>
+              </a:solidFill>
+            </a:endParaRPr>
+          </a:p>
+          <a:p>
+            <a:endParaRPr lang="ru-RU" sz="2800" dirty="0">
+              <a:solidFill>
+                <a:srgbClr val="FFC000"/>
+              </a:solidFill>
+            </a:endParaRPr>
+          </a:p>
+          <a:p>
+            <a:r>
+              <a:rPr lang="en-US" sz="2800" b="1" dirty="0"/>
+              <a:t>https://goo.su/2pRa</a:t>
+            </a:r>
+            <a:endParaRPr lang="ru-RU" sz="2800" b="1" dirty="0"/>
+          </a:p>
+          <a:p>
+            <a:endParaRPr lang="ru-RU" sz="2800" dirty="0">
+              <a:solidFill>
+                <a:srgbClr val="FFC000"/>
+              </a:solidFill>
+            </a:endParaRPr>
           </a:p>
         </p:txBody>
       </p:sp>
     </p:spTree>
     <p:extLst>
       <p:ext uri="{BB962C8B-B14F-4D97-AF65-F5344CB8AC3E}">
-        <p14:creationId xmlns:p14="http://schemas.microsoft.com/office/powerpoint/2010/main" val="125239072"/>
+        <p14:creationId xmlns:p14="http://schemas.microsoft.com/office/powerpoint/2010/main" val="2114233866"/>
       </p:ext>
     </p:extLst>
   </p:cSld>
@@ -7255,100 +7260,95 @@
           </a:p>
         </p:txBody>
       </p:sp>
-      <p:sp>
-        <p:nvSpPr>
-          <p:cNvPr id="9" name="Заголовок 3">
+      <p:pic>
+        <p:nvPicPr>
+          <p:cNvPr id="1026" name="Picture 2" descr="Примеры технологий в анимации. Понятие и виды анимации">
             <a:extLst>
               <a:ext uri="{FF2B5EF4-FFF2-40B4-BE49-F238E27FC236}">
-                <a16:creationId xmlns:a16="http://schemas.microsoft.com/office/drawing/2014/main" id="{7BBA4A03-7F70-4DAE-9489-2F06D46DB9E3}"/>
+                <a16:creationId xmlns:a16="http://schemas.microsoft.com/office/drawing/2014/main" id="{D3CC4E10-2A1E-414A-BA24-B38B79A816EE}"/>
               </a:ext>
             </a:extLst>
           </p:cNvPr>
-          <p:cNvSpPr txBox="1">
-            <a:spLocks/>
-          </p:cNvSpPr>
+          <p:cNvPicPr>
+            <a:picLocks noChangeAspect="1" noChangeArrowheads="1"/>
+          </p:cNvPicPr>
           <p:nvPr/>
-        </p:nvSpPr>
-        <p:spPr>
-          <a:xfrm>
-            <a:off x="4254075" y="2396971"/>
-            <a:ext cx="4667983" cy="2350309"/>
+        </p:nvPicPr>
+        <p:blipFill>
+          <a:blip r:embed="rId2">
+            <a:extLst>
+              <a:ext uri="{28A0092B-C50C-407E-A947-70E740481C1C}">
+                <a14:useLocalDpi xmlns:a14="http://schemas.microsoft.com/office/drawing/2010/main" val="0"/>
+              </a:ext>
+            </a:extLst>
+          </a:blip>
+          <a:srcRect/>
+          <a:stretch>
+            <a:fillRect/>
+          </a:stretch>
+        </p:blipFill>
+        <p:spPr bwMode="auto">
+          <a:xfrm>
+            <a:off x="1047565" y="1494129"/>
+            <a:ext cx="7842867" cy="3590710"/>
           </a:xfrm>
           <a:prstGeom prst="rect">
             <a:avLst/>
           </a:prstGeom>
-        </p:spPr>
-        <p:txBody>
-          <a:bodyPr vert="horz" lIns="91440" tIns="45720" rIns="91440" bIns="45720" rtlCol="0" anchor="ctr">
-            <a:normAutofit/>
+          <a:noFill/>
+          <a:extLst>
+            <a:ext uri="{909E8E84-426E-40DD-AFC4-6F175D3DCCD1}">
+              <a14:hiddenFill xmlns:a14="http://schemas.microsoft.com/office/drawing/2010/main">
+                <a:solidFill>
+                  <a:srgbClr val="FFFFFF"/>
+                </a:solidFill>
+              </a14:hiddenFill>
+            </a:ext>
+          </a:extLst>
+        </p:spPr>
+      </p:pic>
+      <p:sp>
+        <p:nvSpPr>
+          <p:cNvPr id="2" name="TextBox 1">
+            <a:extLst>
+              <a:ext uri="{FF2B5EF4-FFF2-40B4-BE49-F238E27FC236}">
+                <a16:creationId xmlns:a16="http://schemas.microsoft.com/office/drawing/2014/main" id="{9DC586E9-A104-4475-847F-BCBCCD5D94CF}"/>
+              </a:ext>
+            </a:extLst>
+          </p:cNvPr>
+          <p:cNvSpPr txBox="1"/>
+          <p:nvPr/>
+        </p:nvSpPr>
+        <p:spPr>
+          <a:xfrm>
+            <a:off x="1047565" y="5477522"/>
+            <a:ext cx="5360763" cy="707886"/>
+          </a:xfrm>
+          <a:prstGeom prst="rect">
+            <a:avLst/>
+          </a:prstGeom>
+          <a:noFill/>
+        </p:spPr>
+        <p:txBody>
+          <a:bodyPr wrap="none" rtlCol="0">
+            <a:spAutoFit/>
           </a:bodyPr>
-          <a:lstStyle>
-            <a:lvl1pPr algn="l" defTabSz="914400" rtl="0" eaLnBrk="1" latinLnBrk="0" hangingPunct="1">
-              <a:lnSpc>
-                <a:spcPct val="90000"/>
-              </a:lnSpc>
-              <a:spcBef>
-                <a:spcPct val="0"/>
-              </a:spcBef>
-              <a:buNone/>
-              <a:defRPr lang="en-US" sz="4000" i="0" kern="1200" cap="none" spc="0" baseline="0" dirty="0">
-                <a:solidFill>
-                  <a:schemeClr val="tx1">
-                    <a:lumMod val="85000"/>
-                    <a:lumOff val="15000"/>
-                  </a:schemeClr>
-                </a:solidFill>
-                <a:effectLst/>
-                <a:latin typeface="+mj-lt"/>
-                <a:ea typeface="+mn-ea"/>
-                <a:cs typeface="+mn-cs"/>
-              </a:defRPr>
-            </a:lvl1pPr>
-          </a:lstStyle>
-          <a:p>
-            <a:r>
-              <a:rPr lang="ru-RU" sz="2800" dirty="0">
-                <a:solidFill>
-                  <a:srgbClr val="FFC000"/>
-                </a:solidFill>
-              </a:rPr>
-              <a:t>Ссылка на ресурсы</a:t>
-            </a:r>
-          </a:p>
-          <a:p>
-            <a:endParaRPr lang="ru-RU" sz="2800" dirty="0">
-              <a:solidFill>
-                <a:srgbClr val="FFC000"/>
-              </a:solidFill>
-            </a:endParaRPr>
-          </a:p>
-          <a:p>
-            <a:endParaRPr lang="ru-RU" sz="2800" dirty="0">
-              <a:solidFill>
-                <a:srgbClr val="FFC000"/>
-              </a:solidFill>
-            </a:endParaRPr>
-          </a:p>
-          <a:p>
-            <a:r>
-              <a:rPr lang="en-US" sz="2800" b="1" dirty="0"/>
-              <a:t>https://goo.su/2pRa</a:t>
-            </a:r>
-            <a:endParaRPr lang="ru-RU" sz="2800" b="1" dirty="0"/>
-          </a:p>
-          <a:p>
-            <a:endParaRPr lang="ru-RU" sz="2800" dirty="0">
-              <a:solidFill>
-                <a:srgbClr val="FFC000"/>
-              </a:solidFill>
-            </a:endParaRPr>
+          <a:lstStyle/>
+          <a:p>
+            <a:r>
+              <a:rPr lang="ru-RU" sz="2000" dirty="0"/>
+              <a:t>Как быстро происходит смена кадров?</a:t>
+            </a:r>
+          </a:p>
+          <a:p>
+            <a:endParaRPr lang="ru-RU" sz="2000" dirty="0"/>
           </a:p>
         </p:txBody>
       </p:sp>
     </p:spTree>
     <p:extLst>
       <p:ext uri="{BB962C8B-B14F-4D97-AF65-F5344CB8AC3E}">
-        <p14:creationId xmlns:p14="http://schemas.microsoft.com/office/powerpoint/2010/main" val="2114233866"/>
+        <p14:creationId xmlns:p14="http://schemas.microsoft.com/office/powerpoint/2010/main" val="125239072"/>
       </p:ext>
     </p:extLst>
   </p:cSld>

--- a/Unity/Lesson9/Animation.pptx
+++ b/Unity/Lesson9/Animation.pptx
@@ -5,10 +5,10 @@
     <p:sldMasterId id="2147483673" r:id="rId1"/>
   </p:sldMasterIdLst>
   <p:notesMasterIdLst>
-    <p:notesMasterId r:id="rId16"/>
+    <p:notesMasterId r:id="rId17"/>
   </p:notesMasterIdLst>
   <p:handoutMasterIdLst>
-    <p:handoutMasterId r:id="rId17"/>
+    <p:handoutMasterId r:id="rId18"/>
   </p:handoutMasterIdLst>
   <p:sldIdLst>
     <p:sldId id="257" r:id="rId2"/>
@@ -25,6 +25,7 @@
     <p:sldId id="266" r:id="rId13"/>
     <p:sldId id="272" r:id="rId14"/>
     <p:sldId id="273" r:id="rId15"/>
+    <p:sldId id="274" r:id="rId16"/>
   </p:sldIdLst>
   <p:sldSz cx="12192000" cy="6858000"/>
   <p:notesSz cx="6858000" cy="9144000"/>
@@ -270,6 +271,29 @@
 </p:cmLst>
 </file>
 
+<file path=ppt/comments/comment7.xml><?xml version="1.0" encoding="utf-8"?>
+<p:cmLst xmlns:a="http://schemas.openxmlformats.org/drawingml/2006/main" xmlns:r="http://schemas.openxmlformats.org/officeDocument/2006/relationships" xmlns:p="http://schemas.openxmlformats.org/presentationml/2006/main">
+  <p:cm authorId="2" dt="2020-11-01T22:41:51.978" idx="2">
+    <p:pos x="10" y="10"/>
+    <p:text>public GameObject player;
+    // Start is called before the first frame update
+    void Start()
+    {
+    }
+    // Update is called once per frame
+    void Update()
+    {
+        transform.position = new Vector3(player.transform.position.x, player.transform.position.y, -10f);
+    }</p:text>
+    <p:extLst mod="1">
+      <p:ext uri="{C676402C-5697-4E1C-873F-D02D1690AC5C}">
+        <p15:threadingInfo xmlns:p15="http://schemas.microsoft.com/office/powerpoint/2012/main" timeZoneBias="-300"/>
+      </p:ext>
+    </p:extLst>
+  </p:cm>
+</p:cmLst>
+</file>
+
 <file path=ppt/handoutMasters/handoutMaster1.xml><?xml version="1.0" encoding="utf-8"?>
 <p:handoutMaster xmlns:a="http://schemas.openxmlformats.org/drawingml/2006/main" xmlns:r="http://schemas.openxmlformats.org/officeDocument/2006/relationships" xmlns:p="http://schemas.openxmlformats.org/presentationml/2006/main">
   <p:cSld>
@@ -354,7 +378,7 @@
             <a:pPr rtl="0"/>
             <a:fld id="{6B5C320A-F5C8-4FD6-86FF-35D2EBF085B6}" type="datetime1">
               <a:rPr lang="ru-RU" smtClean="0"/>
-              <a:t>02.11.2020</a:t>
+              <a:t>05.11.2020</a:t>
             </a:fld>
             <a:endParaRPr lang="en-US" dirty="0"/>
           </a:p>
@@ -524,7 +548,7 @@
             <a:pPr rtl="0"/>
             <a:fld id="{15C702C7-E599-40D9-B30E-0392896973B5}" type="datetime1">
               <a:rPr lang="ru-RU" smtClean="0"/>
-              <a:t>02.11.2020</a:t>
+              <a:t>05.11.2020</a:t>
             </a:fld>
             <a:endParaRPr lang="en-US"/>
           </a:p>
@@ -1269,7 +1293,7 @@
             <a:pPr rtl="0"/>
             <a:fld id="{6506E9A3-1561-45B7-908B-DACC52528ABB}" type="datetime1">
               <a:rPr lang="ru-RU" smtClean="0"/>
-              <a:t>02.11.2020</a:t>
+              <a:t>05.11.2020</a:t>
             </a:fld>
             <a:endParaRPr lang="en-US" dirty="0"/>
           </a:p>
@@ -1475,7 +1499,7 @@
             <a:pPr rtl="0"/>
             <a:fld id="{3E92B999-6CB2-48D4-8AF6-3D1A5D13436B}" type="datetime1">
               <a:rPr lang="ru-RU" smtClean="0"/>
-              <a:t>02.11.2020</a:t>
+              <a:t>05.11.2020</a:t>
             </a:fld>
             <a:endParaRPr lang="en-US"/>
           </a:p>
@@ -1659,7 +1683,7 @@
             <a:pPr rtl="0"/>
             <a:fld id="{B52C98DB-1092-48C4-AD4E-BD3E9D2E2345}" type="datetime1">
               <a:rPr lang="ru-RU" smtClean="0"/>
-              <a:t>02.11.2020</a:t>
+              <a:t>05.11.2020</a:t>
             </a:fld>
             <a:endParaRPr lang="en-US"/>
           </a:p>
@@ -1833,7 +1857,7 @@
             <a:pPr rtl="0"/>
             <a:fld id="{629C2F20-7994-4D1E-A01C-96ECBA4612EB}" type="datetime1">
               <a:rPr lang="ru-RU" smtClean="0"/>
-              <a:t>02.11.2020</a:t>
+              <a:t>05.11.2020</a:t>
             </a:fld>
             <a:endParaRPr lang="en-US"/>
           </a:p>
@@ -2436,7 +2460,7 @@
             <a:pPr rtl="0"/>
             <a:fld id="{7B2CE4EA-3B49-4A00-ADF3-7C7272A626C1}" type="datetime1">
               <a:rPr lang="ru-RU" smtClean="0"/>
-              <a:t>02.11.2020</a:t>
+              <a:t>05.11.2020</a:t>
             </a:fld>
             <a:endParaRPr lang="en-US" dirty="0"/>
           </a:p>
@@ -2760,7 +2784,7 @@
             <a:pPr rtl="0"/>
             <a:fld id="{9A16848F-27AD-43B9-904C-1CF05D24EB3C}" type="datetime1">
               <a:rPr lang="ru-RU" smtClean="0"/>
-              <a:t>02.11.2020</a:t>
+              <a:t>05.11.2020</a:t>
             </a:fld>
             <a:endParaRPr lang="en-US"/>
           </a:p>
@@ -3201,7 +3225,7 @@
             <a:pPr rtl="0"/>
             <a:fld id="{23090412-2DE5-405A-816E-F08FB54EB168}" type="datetime1">
               <a:rPr lang="ru-RU" smtClean="0"/>
-              <a:t>02.11.2020</a:t>
+              <a:t>05.11.2020</a:t>
             </a:fld>
             <a:endParaRPr lang="en-US"/>
           </a:p>
@@ -3323,7 +3347,7 @@
             <a:pPr rtl="0"/>
             <a:fld id="{F4C2D7CB-4DC1-4BB7-BF00-4C36160857E0}" type="datetime1">
               <a:rPr lang="ru-RU" smtClean="0"/>
-              <a:t>02.11.2020</a:t>
+              <a:t>05.11.2020</a:t>
             </a:fld>
             <a:endParaRPr lang="en-US"/>
           </a:p>
@@ -3421,7 +3445,7 @@
             <a:pPr rtl="0"/>
             <a:fld id="{4060D38F-E364-4ED4-9BF4-D7F00FFBE76A}" type="datetime1">
               <a:rPr lang="ru-RU" smtClean="0"/>
-              <a:t>02.11.2020</a:t>
+              <a:t>05.11.2020</a:t>
             </a:fld>
             <a:endParaRPr lang="en-US"/>
           </a:p>
@@ -3842,7 +3866,7 @@
             <a:pPr rtl="0"/>
             <a:fld id="{F183FEFD-AB08-4CB5-AE4D-2F6B12D8E3B0}" type="datetime1">
               <a:rPr lang="ru-RU" smtClean="0"/>
-              <a:t>02.11.2020</a:t>
+              <a:t>05.11.2020</a:t>
             </a:fld>
             <a:endParaRPr lang="en-US"/>
           </a:p>
@@ -4107,7 +4131,7 @@
             <a:pPr rtl="0"/>
             <a:fld id="{EBEA1583-5CEF-4E36-A7FC-D34B7E954D76}" type="datetime1">
               <a:rPr lang="ru-RU" smtClean="0"/>
-              <a:t>02.11.2020</a:t>
+              <a:t>05.11.2020</a:t>
             </a:fld>
             <a:endParaRPr lang="en-US" dirty="0"/>
           </a:p>
@@ -4627,7 +4651,7 @@
             <a:pPr rtl="0"/>
             <a:fld id="{1068A786-B8BF-4988-ACBA-DD9B5BC8D522}" type="datetime1">
               <a:rPr lang="ru-RU" smtClean="0"/>
-              <a:t>02.11.2020</a:t>
+              <a:t>05.11.2020</a:t>
             </a:fld>
             <a:endParaRPr lang="en-US" dirty="0"/>
           </a:p>
@@ -6483,6 +6507,197 @@
     <p:extLst>
       <p:ext uri="{BB962C8B-B14F-4D97-AF65-F5344CB8AC3E}">
         <p14:creationId xmlns:p14="http://schemas.microsoft.com/office/powerpoint/2010/main" val="3806697577"/>
+      </p:ext>
+    </p:extLst>
+  </p:cSld>
+  <p:clrMapOvr>
+    <a:masterClrMapping/>
+  </p:clrMapOvr>
+</p:sld>
+</file>
+
+<file path=ppt/slides/slide15.xml><?xml version="1.0" encoding="utf-8"?>
+<p:sld xmlns:a="http://schemas.openxmlformats.org/drawingml/2006/main" xmlns:r="http://schemas.openxmlformats.org/officeDocument/2006/relationships" xmlns:p="http://schemas.openxmlformats.org/presentationml/2006/main">
+  <p:cSld>
+    <p:bg>
+      <p:bgPr>
+        <a:solidFill>
+          <a:schemeClr val="bg1"/>
+        </a:solidFill>
+        <a:effectLst/>
+      </p:bgPr>
+    </p:bg>
+    <p:spTree>
+      <p:nvGrpSpPr>
+        <p:cNvPr id="1" name=""/>
+        <p:cNvGrpSpPr/>
+        <p:nvPr/>
+      </p:nvGrpSpPr>
+      <p:grpSpPr>
+        <a:xfrm>
+          <a:off x="0" y="0"/>
+          <a:ext cx="0" cy="0"/>
+          <a:chOff x="0" y="0"/>
+          <a:chExt cx="0" cy="0"/>
+        </a:xfrm>
+      </p:grpSpPr>
+      <p:sp>
+        <p:nvSpPr>
+          <p:cNvPr id="4" name="Заголовок 3">
+            <a:extLst>
+              <a:ext uri="{FF2B5EF4-FFF2-40B4-BE49-F238E27FC236}">
+                <a16:creationId xmlns:a16="http://schemas.microsoft.com/office/drawing/2014/main" id="{4A115AD6-B700-4B08-BB76-3A31B864B8AF}"/>
+              </a:ext>
+            </a:extLst>
+          </p:cNvPr>
+          <p:cNvSpPr>
+            <a:spLocks noGrp="1"/>
+          </p:cNvSpPr>
+          <p:nvPr>
+            <p:ph type="title"/>
+          </p:nvPr>
+        </p:nvSpPr>
+        <p:spPr>
+          <a:xfrm>
+            <a:off x="2970493" y="414265"/>
+            <a:ext cx="7405378" cy="1179886"/>
+          </a:xfrm>
+        </p:spPr>
+        <p:txBody>
+          <a:bodyPr>
+            <a:normAutofit/>
+          </a:bodyPr>
+          <a:lstStyle/>
+          <a:p>
+            <a:r>
+              <a:rPr lang="az-Cyrl-AZ" b="1" dirty="0">
+                <a:solidFill>
+                  <a:srgbClr val="FFC000"/>
+                </a:solidFill>
+              </a:rPr>
+              <a:t>Следим за персонажем</a:t>
+            </a:r>
+            <a:endParaRPr lang="ru-RU" b="1" dirty="0">
+              <a:solidFill>
+                <a:srgbClr val="FFC000"/>
+              </a:solidFill>
+            </a:endParaRPr>
+          </a:p>
+        </p:txBody>
+      </p:sp>
+      <p:sp>
+        <p:nvSpPr>
+          <p:cNvPr id="9" name="Заголовок 3">
+            <a:extLst>
+              <a:ext uri="{FF2B5EF4-FFF2-40B4-BE49-F238E27FC236}">
+                <a16:creationId xmlns:a16="http://schemas.microsoft.com/office/drawing/2014/main" id="{7BBA4A03-7F70-4DAE-9489-2F06D46DB9E3}"/>
+              </a:ext>
+            </a:extLst>
+          </p:cNvPr>
+          <p:cNvSpPr txBox="1">
+            <a:spLocks/>
+          </p:cNvSpPr>
+          <p:nvPr/>
+        </p:nvSpPr>
+        <p:spPr>
+          <a:xfrm>
+            <a:off x="4271831" y="2223525"/>
+            <a:ext cx="4490429" cy="1662621"/>
+          </a:xfrm>
+          <a:prstGeom prst="rect">
+            <a:avLst/>
+          </a:prstGeom>
+        </p:spPr>
+        <p:txBody>
+          <a:bodyPr vert="horz" lIns="91440" tIns="45720" rIns="91440" bIns="45720" rtlCol="0" anchor="ctr">
+            <a:normAutofit/>
+          </a:bodyPr>
+          <a:lstStyle>
+            <a:lvl1pPr algn="l" defTabSz="914400" rtl="0" eaLnBrk="1" latinLnBrk="0" hangingPunct="1">
+              <a:lnSpc>
+                <a:spcPct val="90000"/>
+              </a:lnSpc>
+              <a:spcBef>
+                <a:spcPct val="0"/>
+              </a:spcBef>
+              <a:buNone/>
+              <a:defRPr lang="en-US" sz="4000" i="0" kern="1200" cap="none" spc="0" baseline="0" dirty="0">
+                <a:solidFill>
+                  <a:schemeClr val="tx1">
+                    <a:lumMod val="85000"/>
+                    <a:lumOff val="15000"/>
+                  </a:schemeClr>
+                </a:solidFill>
+                <a:effectLst/>
+                <a:latin typeface="+mj-lt"/>
+                <a:ea typeface="+mn-ea"/>
+                <a:cs typeface="+mn-cs"/>
+              </a:defRPr>
+            </a:lvl1pPr>
+          </a:lstStyle>
+          <a:p>
+            <a:endParaRPr lang="ru-RU" sz="2800" b="1" dirty="0"/>
+          </a:p>
+          <a:p>
+            <a:endParaRPr lang="ru-RU" sz="2800" dirty="0">
+              <a:solidFill>
+                <a:srgbClr val="FFC000"/>
+              </a:solidFill>
+            </a:endParaRPr>
+          </a:p>
+        </p:txBody>
+      </p:sp>
+      <p:pic>
+        <p:nvPicPr>
+          <p:cNvPr id="1028" name="Picture 4" descr="Скроллинг игрового мира. �?ли как реализовать прокрутку карты? — Ant.Karlov">
+            <a:extLst>
+              <a:ext uri="{FF2B5EF4-FFF2-40B4-BE49-F238E27FC236}">
+                <a16:creationId xmlns:a16="http://schemas.microsoft.com/office/drawing/2014/main" id="{7D134657-4BF6-4A53-BECA-B3384A7A914E}"/>
+              </a:ext>
+            </a:extLst>
+          </p:cNvPr>
+          <p:cNvPicPr>
+            <a:picLocks noChangeAspect="1" noChangeArrowheads="1"/>
+          </p:cNvPicPr>
+          <p:nvPr/>
+        </p:nvPicPr>
+        <p:blipFill>
+          <a:blip r:embed="rId2">
+            <a:extLst>
+              <a:ext uri="{28A0092B-C50C-407E-A947-70E740481C1C}">
+                <a14:useLocalDpi xmlns:a14="http://schemas.microsoft.com/office/drawing/2010/main" val="0"/>
+              </a:ext>
+            </a:extLst>
+          </a:blip>
+          <a:srcRect/>
+          <a:stretch>
+            <a:fillRect/>
+          </a:stretch>
+        </p:blipFill>
+        <p:spPr bwMode="auto">
+          <a:xfrm>
+            <a:off x="2596372" y="1711242"/>
+            <a:ext cx="6999255" cy="3847347"/>
+          </a:xfrm>
+          <a:prstGeom prst="rect">
+            <a:avLst/>
+          </a:prstGeom>
+          <a:noFill/>
+          <a:extLst>
+            <a:ext uri="{909E8E84-426E-40DD-AFC4-6F175D3DCCD1}">
+              <a14:hiddenFill xmlns:a14="http://schemas.microsoft.com/office/drawing/2010/main">
+                <a:solidFill>
+                  <a:srgbClr val="FFFFFF"/>
+                </a:solidFill>
+              </a14:hiddenFill>
+            </a:ext>
+          </a:extLst>
+        </p:spPr>
+      </p:pic>
+    </p:spTree>
+    <p:extLst>
+      <p:ext uri="{BB962C8B-B14F-4D97-AF65-F5344CB8AC3E}">
+        <p14:creationId xmlns:p14="http://schemas.microsoft.com/office/powerpoint/2010/main" val="480683412"/>
       </p:ext>
     </p:extLst>
   </p:cSld>

--- a/Unity/Lesson9/Animation.pptx
+++ b/Unity/Lesson9/Animation.pptx
@@ -378,7 +378,7 @@
             <a:pPr rtl="0"/>
             <a:fld id="{6B5C320A-F5C8-4FD6-86FF-35D2EBF085B6}" type="datetime1">
               <a:rPr lang="ru-RU" smtClean="0"/>
-              <a:t>05.11.2020</a:t>
+              <a:t>12.11.2020</a:t>
             </a:fld>
             <a:endParaRPr lang="en-US" dirty="0"/>
           </a:p>
@@ -548,7 +548,7 @@
             <a:pPr rtl="0"/>
             <a:fld id="{15C702C7-E599-40D9-B30E-0392896973B5}" type="datetime1">
               <a:rPr lang="ru-RU" smtClean="0"/>
-              <a:t>05.11.2020</a:t>
+              <a:t>12.11.2020</a:t>
             </a:fld>
             <a:endParaRPr lang="en-US"/>
           </a:p>
@@ -1293,7 +1293,7 @@
             <a:pPr rtl="0"/>
             <a:fld id="{6506E9A3-1561-45B7-908B-DACC52528ABB}" type="datetime1">
               <a:rPr lang="ru-RU" smtClean="0"/>
-              <a:t>05.11.2020</a:t>
+              <a:t>12.11.2020</a:t>
             </a:fld>
             <a:endParaRPr lang="en-US" dirty="0"/>
           </a:p>
@@ -1499,7 +1499,7 @@
             <a:pPr rtl="0"/>
             <a:fld id="{3E92B999-6CB2-48D4-8AF6-3D1A5D13436B}" type="datetime1">
               <a:rPr lang="ru-RU" smtClean="0"/>
-              <a:t>05.11.2020</a:t>
+              <a:t>12.11.2020</a:t>
             </a:fld>
             <a:endParaRPr lang="en-US"/>
           </a:p>
@@ -1683,7 +1683,7 @@
             <a:pPr rtl="0"/>
             <a:fld id="{B52C98DB-1092-48C4-AD4E-BD3E9D2E2345}" type="datetime1">
               <a:rPr lang="ru-RU" smtClean="0"/>
-              <a:t>05.11.2020</a:t>
+              <a:t>12.11.2020</a:t>
             </a:fld>
             <a:endParaRPr lang="en-US"/>
           </a:p>
@@ -1857,7 +1857,7 @@
             <a:pPr rtl="0"/>
             <a:fld id="{629C2F20-7994-4D1E-A01C-96ECBA4612EB}" type="datetime1">
               <a:rPr lang="ru-RU" smtClean="0"/>
-              <a:t>05.11.2020</a:t>
+              <a:t>12.11.2020</a:t>
             </a:fld>
             <a:endParaRPr lang="en-US"/>
           </a:p>
@@ -2460,7 +2460,7 @@
             <a:pPr rtl="0"/>
             <a:fld id="{7B2CE4EA-3B49-4A00-ADF3-7C7272A626C1}" type="datetime1">
               <a:rPr lang="ru-RU" smtClean="0"/>
-              <a:t>05.11.2020</a:t>
+              <a:t>12.11.2020</a:t>
             </a:fld>
             <a:endParaRPr lang="en-US" dirty="0"/>
           </a:p>
@@ -2784,7 +2784,7 @@
             <a:pPr rtl="0"/>
             <a:fld id="{9A16848F-27AD-43B9-904C-1CF05D24EB3C}" type="datetime1">
               <a:rPr lang="ru-RU" smtClean="0"/>
-              <a:t>05.11.2020</a:t>
+              <a:t>12.11.2020</a:t>
             </a:fld>
             <a:endParaRPr lang="en-US"/>
           </a:p>
@@ -3225,7 +3225,7 @@
             <a:pPr rtl="0"/>
             <a:fld id="{23090412-2DE5-405A-816E-F08FB54EB168}" type="datetime1">
               <a:rPr lang="ru-RU" smtClean="0"/>
-              <a:t>05.11.2020</a:t>
+              <a:t>12.11.2020</a:t>
             </a:fld>
             <a:endParaRPr lang="en-US"/>
           </a:p>
@@ -3347,7 +3347,7 @@
             <a:pPr rtl="0"/>
             <a:fld id="{F4C2D7CB-4DC1-4BB7-BF00-4C36160857E0}" type="datetime1">
               <a:rPr lang="ru-RU" smtClean="0"/>
-              <a:t>05.11.2020</a:t>
+              <a:t>12.11.2020</a:t>
             </a:fld>
             <a:endParaRPr lang="en-US"/>
           </a:p>
@@ -3445,7 +3445,7 @@
             <a:pPr rtl="0"/>
             <a:fld id="{4060D38F-E364-4ED4-9BF4-D7F00FFBE76A}" type="datetime1">
               <a:rPr lang="ru-RU" smtClean="0"/>
-              <a:t>05.11.2020</a:t>
+              <a:t>12.11.2020</a:t>
             </a:fld>
             <a:endParaRPr lang="en-US"/>
           </a:p>
@@ -3866,7 +3866,7 @@
             <a:pPr rtl="0"/>
             <a:fld id="{F183FEFD-AB08-4CB5-AE4D-2F6B12D8E3B0}" type="datetime1">
               <a:rPr lang="ru-RU" smtClean="0"/>
-              <a:t>05.11.2020</a:t>
+              <a:t>12.11.2020</a:t>
             </a:fld>
             <a:endParaRPr lang="en-US"/>
           </a:p>
@@ -4131,7 +4131,7 @@
             <a:pPr rtl="0"/>
             <a:fld id="{EBEA1583-5CEF-4E36-A7FC-D34B7E954D76}" type="datetime1">
               <a:rPr lang="ru-RU" smtClean="0"/>
-              <a:t>05.11.2020</a:t>
+              <a:t>12.11.2020</a:t>
             </a:fld>
             <a:endParaRPr lang="en-US" dirty="0"/>
           </a:p>
@@ -4651,7 +4651,7 @@
             <a:pPr rtl="0"/>
             <a:fld id="{1068A786-B8BF-4988-ACBA-DD9B5BC8D522}" type="datetime1">
               <a:rPr lang="ru-RU" smtClean="0"/>
-              <a:t>05.11.2020</a:t>
+              <a:t>12.11.2020</a:t>
             </a:fld>
             <a:endParaRPr lang="en-US" dirty="0"/>
           </a:p>
@@ -7324,7 +7324,7 @@
         </p:nvSpPr>
         <p:spPr>
           <a:xfrm>
-            <a:off x="4005501" y="2121762"/>
+            <a:off x="4165300" y="1935331"/>
             <a:ext cx="4667983" cy="2350309"/>
           </a:xfrm>
           <a:prstGeom prst="rect">
